--- a/Presentation Slides.pptx
+++ b/Presentation Slides.pptx
@@ -2,7 +2,7 @@
 <file path=ppt/presentation.xml><?xml version="1.0" encoding="utf-8"?>
 <p:presentation xmlns:a="http://schemas.openxmlformats.org/drawingml/2006/main" xmlns:r="http://schemas.openxmlformats.org/officeDocument/2006/relationships" xmlns:p="http://schemas.openxmlformats.org/presentationml/2006/main" saveSubsetFonts="1">
   <p:sldMasterIdLst>
-    <p:sldMasterId id="2147483648" r:id="rId1"/>
+    <p:sldMasterId id="2147483761" r:id="rId1"/>
   </p:sldMasterIdLst>
   <p:sldIdLst>
     <p:sldId id="261" r:id="rId2"/>
@@ -20,7 +20,7 @@
     <a:defPPr>
       <a:defRPr lang="en-US"/>
     </a:defPPr>
-    <a:lvl1pPr marL="0" algn="l" defTabSz="914400" rtl="0" eaLnBrk="1" latinLnBrk="0" hangingPunct="1">
+    <a:lvl1pPr marL="0" algn="l" defTabSz="457200" rtl="0" eaLnBrk="1" latinLnBrk="0" hangingPunct="1">
       <a:defRPr sz="1800" kern="1200">
         <a:solidFill>
           <a:schemeClr val="tx1"/>
@@ -30,7 +30,7 @@
         <a:cs typeface="+mn-cs"/>
       </a:defRPr>
     </a:lvl1pPr>
-    <a:lvl2pPr marL="457200" algn="l" defTabSz="914400" rtl="0" eaLnBrk="1" latinLnBrk="0" hangingPunct="1">
+    <a:lvl2pPr marL="457200" algn="l" defTabSz="457200" rtl="0" eaLnBrk="1" latinLnBrk="0" hangingPunct="1">
       <a:defRPr sz="1800" kern="1200">
         <a:solidFill>
           <a:schemeClr val="tx1"/>
@@ -40,7 +40,7 @@
         <a:cs typeface="+mn-cs"/>
       </a:defRPr>
     </a:lvl2pPr>
-    <a:lvl3pPr marL="914400" algn="l" defTabSz="914400" rtl="0" eaLnBrk="1" latinLnBrk="0" hangingPunct="1">
+    <a:lvl3pPr marL="914400" algn="l" defTabSz="457200" rtl="0" eaLnBrk="1" latinLnBrk="0" hangingPunct="1">
       <a:defRPr sz="1800" kern="1200">
         <a:solidFill>
           <a:schemeClr val="tx1"/>
@@ -50,7 +50,7 @@
         <a:cs typeface="+mn-cs"/>
       </a:defRPr>
     </a:lvl3pPr>
-    <a:lvl4pPr marL="1371600" algn="l" defTabSz="914400" rtl="0" eaLnBrk="1" latinLnBrk="0" hangingPunct="1">
+    <a:lvl4pPr marL="1371600" algn="l" defTabSz="457200" rtl="0" eaLnBrk="1" latinLnBrk="0" hangingPunct="1">
       <a:defRPr sz="1800" kern="1200">
         <a:solidFill>
           <a:schemeClr val="tx1"/>
@@ -60,7 +60,7 @@
         <a:cs typeface="+mn-cs"/>
       </a:defRPr>
     </a:lvl4pPr>
-    <a:lvl5pPr marL="1828800" algn="l" defTabSz="914400" rtl="0" eaLnBrk="1" latinLnBrk="0" hangingPunct="1">
+    <a:lvl5pPr marL="1828800" algn="l" defTabSz="457200" rtl="0" eaLnBrk="1" latinLnBrk="0" hangingPunct="1">
       <a:defRPr sz="1800" kern="1200">
         <a:solidFill>
           <a:schemeClr val="tx1"/>
@@ -70,7 +70,7 @@
         <a:cs typeface="+mn-cs"/>
       </a:defRPr>
     </a:lvl5pPr>
-    <a:lvl6pPr marL="2286000" algn="l" defTabSz="914400" rtl="0" eaLnBrk="1" latinLnBrk="0" hangingPunct="1">
+    <a:lvl6pPr marL="2286000" algn="l" defTabSz="457200" rtl="0" eaLnBrk="1" latinLnBrk="0" hangingPunct="1">
       <a:defRPr sz="1800" kern="1200">
         <a:solidFill>
           <a:schemeClr val="tx1"/>
@@ -80,7 +80,7 @@
         <a:cs typeface="+mn-cs"/>
       </a:defRPr>
     </a:lvl6pPr>
-    <a:lvl7pPr marL="2743200" algn="l" defTabSz="914400" rtl="0" eaLnBrk="1" latinLnBrk="0" hangingPunct="1">
+    <a:lvl7pPr marL="2743200" algn="l" defTabSz="457200" rtl="0" eaLnBrk="1" latinLnBrk="0" hangingPunct="1">
       <a:defRPr sz="1800" kern="1200">
         <a:solidFill>
           <a:schemeClr val="tx1"/>
@@ -90,7 +90,7 @@
         <a:cs typeface="+mn-cs"/>
       </a:defRPr>
     </a:lvl7pPr>
-    <a:lvl8pPr marL="3200400" algn="l" defTabSz="914400" rtl="0" eaLnBrk="1" latinLnBrk="0" hangingPunct="1">
+    <a:lvl8pPr marL="3200400" algn="l" defTabSz="457200" rtl="0" eaLnBrk="1" latinLnBrk="0" hangingPunct="1">
       <a:defRPr sz="1800" kern="1200">
         <a:solidFill>
           <a:schemeClr val="tx1"/>
@@ -100,7 +100,7 @@
         <a:cs typeface="+mn-cs"/>
       </a:defRPr>
     </a:lvl8pPr>
-    <a:lvl9pPr marL="3657600" algn="l" defTabSz="914400" rtl="0" eaLnBrk="1" latinLnBrk="0" hangingPunct="1">
+    <a:lvl9pPr marL="3657600" algn="l" defTabSz="457200" rtl="0" eaLnBrk="1" latinLnBrk="0" hangingPunct="1">
       <a:defRPr sz="1800" kern="1200">
         <a:solidFill>
           <a:schemeClr val="tx1"/>
@@ -120,7 +120,7 @@
 </file>
 
 <file path=ppt/slideLayouts/slideLayout1.xml><?xml version="1.0" encoding="utf-8"?>
-<p:sldLayout xmlns:a="http://schemas.openxmlformats.org/drawingml/2006/main" xmlns:r="http://schemas.openxmlformats.org/officeDocument/2006/relationships" xmlns:p="http://schemas.openxmlformats.org/presentationml/2006/main" type="title" preserve="1">
+<p:sldLayout xmlns:a="http://schemas.openxmlformats.org/drawingml/2006/main" xmlns:r="http://schemas.openxmlformats.org/officeDocument/2006/relationships" xmlns:p="http://schemas.openxmlformats.org/presentationml/2006/main" showMasterSp="0" type="title" preserve="1">
   <p:cSld name="Title Slide">
     <p:spTree>
       <p:nvGrpSpPr>
@@ -136,15 +136,539 @@
           <a:chExt cx="0" cy="0"/>
         </a:xfrm>
       </p:grpSpPr>
-      <p:sp>
-        <p:nvSpPr>
-          <p:cNvPr id="2" name="Title 1">
-            <a:extLst>
-              <a:ext uri="{FF2B5EF4-FFF2-40B4-BE49-F238E27FC236}">
-                <a16:creationId xmlns:a16="http://schemas.microsoft.com/office/drawing/2014/main" id="{88F0CBB8-AB23-3A22-7C1B-499DA8075B91}"/>
-              </a:ext>
-            </a:extLst>
-          </p:cNvPr>
+      <p:grpSp>
+        <p:nvGrpSpPr>
+          <p:cNvPr id="7" name="Group 6"/>
+          <p:cNvGrpSpPr/>
+          <p:nvPr/>
+        </p:nvGrpSpPr>
+        <p:grpSpPr>
+          <a:xfrm>
+            <a:off x="0" y="-8467"/>
+            <a:ext cx="12192000" cy="6866467"/>
+            <a:chOff x="0" y="-8467"/>
+            <a:chExt cx="12192000" cy="6866467"/>
+          </a:xfrm>
+        </p:grpSpPr>
+        <p:cxnSp>
+          <p:nvCxnSpPr>
+            <p:cNvPr id="32" name="Straight Connector 31"/>
+            <p:cNvCxnSpPr/>
+            <p:nvPr/>
+          </p:nvCxnSpPr>
+          <p:spPr>
+            <a:xfrm>
+              <a:off x="9371012" y="0"/>
+              <a:ext cx="1219200" cy="6858000"/>
+            </a:xfrm>
+            <a:prstGeom prst="line">
+              <a:avLst/>
+            </a:prstGeom>
+            <a:ln w="9525">
+              <a:solidFill>
+                <a:schemeClr val="bg1">
+                  <a:lumMod val="75000"/>
+                </a:schemeClr>
+              </a:solidFill>
+            </a:ln>
+          </p:spPr>
+          <p:style>
+            <a:lnRef idx="2">
+              <a:schemeClr val="accent1"/>
+            </a:lnRef>
+            <a:fillRef idx="0">
+              <a:schemeClr val="accent1"/>
+            </a:fillRef>
+            <a:effectRef idx="1">
+              <a:schemeClr val="accent1"/>
+            </a:effectRef>
+            <a:fontRef idx="minor">
+              <a:schemeClr val="tx1"/>
+            </a:fontRef>
+          </p:style>
+        </p:cxnSp>
+        <p:cxnSp>
+          <p:nvCxnSpPr>
+            <p:cNvPr id="21" name="Straight Connector 20"/>
+            <p:cNvCxnSpPr/>
+            <p:nvPr/>
+          </p:nvCxnSpPr>
+          <p:spPr>
+            <a:xfrm flipH="1">
+              <a:off x="7425267" y="3681413"/>
+              <a:ext cx="4763558" cy="3176587"/>
+            </a:xfrm>
+            <a:prstGeom prst="line">
+              <a:avLst/>
+            </a:prstGeom>
+            <a:ln w="9525">
+              <a:solidFill>
+                <a:schemeClr val="bg1">
+                  <a:lumMod val="85000"/>
+                </a:schemeClr>
+              </a:solidFill>
+            </a:ln>
+          </p:spPr>
+          <p:style>
+            <a:lnRef idx="2">
+              <a:schemeClr val="accent1"/>
+            </a:lnRef>
+            <a:fillRef idx="0">
+              <a:schemeClr val="accent1"/>
+            </a:fillRef>
+            <a:effectRef idx="1">
+              <a:schemeClr val="accent1"/>
+            </a:effectRef>
+            <a:fontRef idx="minor">
+              <a:schemeClr val="tx1"/>
+            </a:fontRef>
+          </p:style>
+        </p:cxnSp>
+        <p:sp>
+          <p:nvSpPr>
+            <p:cNvPr id="24" name="Rectangle 23"/>
+            <p:cNvSpPr/>
+            <p:nvPr/>
+          </p:nvSpPr>
+          <p:spPr>
+            <a:xfrm>
+              <a:off x="9181476" y="-8467"/>
+              <a:ext cx="3007349" cy="6866467"/>
+            </a:xfrm>
+            <a:custGeom>
+              <a:avLst/>
+              <a:gdLst/>
+              <a:ahLst/>
+              <a:cxnLst/>
+              <a:rect l="l" t="t" r="r" b="b"/>
+              <a:pathLst>
+                <a:path w="3007349" h="6866467">
+                  <a:moveTo>
+                    <a:pt x="2045532" y="0"/>
+                  </a:moveTo>
+                  <a:lnTo>
+                    <a:pt x="3007349" y="0"/>
+                  </a:lnTo>
+                  <a:lnTo>
+                    <a:pt x="3007349" y="6866467"/>
+                  </a:lnTo>
+                  <a:lnTo>
+                    <a:pt x="0" y="6866467"/>
+                  </a:lnTo>
+                  <a:lnTo>
+                    <a:pt x="2045532" y="0"/>
+                  </a:lnTo>
+                  <a:close/>
+                </a:path>
+              </a:pathLst>
+            </a:custGeom>
+            <a:solidFill>
+              <a:schemeClr val="accent1">
+                <a:alpha val="30000"/>
+              </a:schemeClr>
+            </a:solidFill>
+            <a:ln>
+              <a:noFill/>
+            </a:ln>
+            <a:effectLst/>
+          </p:spPr>
+          <p:style>
+            <a:lnRef idx="1">
+              <a:schemeClr val="accent1"/>
+            </a:lnRef>
+            <a:fillRef idx="3">
+              <a:schemeClr val="accent1"/>
+            </a:fillRef>
+            <a:effectRef idx="2">
+              <a:schemeClr val="accent1"/>
+            </a:effectRef>
+            <a:fontRef idx="minor">
+              <a:schemeClr val="lt1"/>
+            </a:fontRef>
+          </p:style>
+        </p:sp>
+        <p:sp>
+          <p:nvSpPr>
+            <p:cNvPr id="26" name="Rectangle 25"/>
+            <p:cNvSpPr/>
+            <p:nvPr/>
+          </p:nvSpPr>
+          <p:spPr>
+            <a:xfrm>
+              <a:off x="9603442" y="-8467"/>
+              <a:ext cx="2588558" cy="6866467"/>
+            </a:xfrm>
+            <a:custGeom>
+              <a:avLst/>
+              <a:gdLst/>
+              <a:ahLst/>
+              <a:cxnLst/>
+              <a:rect l="l" t="t" r="r" b="b"/>
+              <a:pathLst>
+                <a:path w="2573311" h="6866467">
+                  <a:moveTo>
+                    <a:pt x="0" y="0"/>
+                  </a:moveTo>
+                  <a:lnTo>
+                    <a:pt x="2573311" y="0"/>
+                  </a:lnTo>
+                  <a:lnTo>
+                    <a:pt x="2573311" y="6866467"/>
+                  </a:lnTo>
+                  <a:lnTo>
+                    <a:pt x="1202336" y="6866467"/>
+                  </a:lnTo>
+                  <a:lnTo>
+                    <a:pt x="0" y="0"/>
+                  </a:lnTo>
+                  <a:close/>
+                </a:path>
+              </a:pathLst>
+            </a:custGeom>
+            <a:solidFill>
+              <a:schemeClr val="accent1">
+                <a:alpha val="20000"/>
+              </a:schemeClr>
+            </a:solidFill>
+            <a:ln>
+              <a:noFill/>
+            </a:ln>
+            <a:effectLst/>
+          </p:spPr>
+          <p:style>
+            <a:lnRef idx="1">
+              <a:schemeClr val="accent1"/>
+            </a:lnRef>
+            <a:fillRef idx="3">
+              <a:schemeClr val="accent1"/>
+            </a:fillRef>
+            <a:effectRef idx="2">
+              <a:schemeClr val="accent1"/>
+            </a:effectRef>
+            <a:fontRef idx="minor">
+              <a:schemeClr val="lt1"/>
+            </a:fontRef>
+          </p:style>
+        </p:sp>
+        <p:sp>
+          <p:nvSpPr>
+            <p:cNvPr id="27" name="Isosceles Triangle 26"/>
+            <p:cNvSpPr/>
+            <p:nvPr/>
+          </p:nvSpPr>
+          <p:spPr>
+            <a:xfrm>
+              <a:off x="8932333" y="3048000"/>
+              <a:ext cx="3259667" cy="3810000"/>
+            </a:xfrm>
+            <a:prstGeom prst="triangle">
+              <a:avLst>
+                <a:gd name="adj" fmla="val 100000"/>
+              </a:avLst>
+            </a:prstGeom>
+            <a:solidFill>
+              <a:schemeClr val="accent2">
+                <a:alpha val="72000"/>
+              </a:schemeClr>
+            </a:solidFill>
+            <a:ln>
+              <a:noFill/>
+            </a:ln>
+            <a:effectLst/>
+          </p:spPr>
+          <p:style>
+            <a:lnRef idx="1">
+              <a:schemeClr val="accent1"/>
+            </a:lnRef>
+            <a:fillRef idx="3">
+              <a:schemeClr val="accent1"/>
+            </a:fillRef>
+            <a:effectRef idx="2">
+              <a:schemeClr val="accent1"/>
+            </a:effectRef>
+            <a:fontRef idx="minor">
+              <a:schemeClr val="lt1"/>
+            </a:fontRef>
+          </p:style>
+        </p:sp>
+        <p:sp>
+          <p:nvSpPr>
+            <p:cNvPr id="28" name="Rectangle 27"/>
+            <p:cNvSpPr/>
+            <p:nvPr/>
+          </p:nvSpPr>
+          <p:spPr>
+            <a:xfrm>
+              <a:off x="9334500" y="-8467"/>
+              <a:ext cx="2854326" cy="6866467"/>
+            </a:xfrm>
+            <a:custGeom>
+              <a:avLst/>
+              <a:gdLst/>
+              <a:ahLst/>
+              <a:cxnLst/>
+              <a:rect l="l" t="t" r="r" b="b"/>
+              <a:pathLst>
+                <a:path w="2858013" h="6866467">
+                  <a:moveTo>
+                    <a:pt x="0" y="0"/>
+                  </a:moveTo>
+                  <a:lnTo>
+                    <a:pt x="2858013" y="0"/>
+                  </a:lnTo>
+                  <a:lnTo>
+                    <a:pt x="2858013" y="6866467"/>
+                  </a:lnTo>
+                  <a:lnTo>
+                    <a:pt x="2473942" y="6866467"/>
+                  </a:lnTo>
+                  <a:lnTo>
+                    <a:pt x="0" y="0"/>
+                  </a:lnTo>
+                  <a:close/>
+                </a:path>
+              </a:pathLst>
+            </a:custGeom>
+            <a:solidFill>
+              <a:schemeClr val="accent2">
+                <a:lumMod val="75000"/>
+                <a:alpha val="70000"/>
+              </a:schemeClr>
+            </a:solidFill>
+            <a:ln>
+              <a:noFill/>
+            </a:ln>
+            <a:effectLst/>
+          </p:spPr>
+          <p:style>
+            <a:lnRef idx="1">
+              <a:schemeClr val="accent1"/>
+            </a:lnRef>
+            <a:fillRef idx="3">
+              <a:schemeClr val="accent1"/>
+            </a:fillRef>
+            <a:effectRef idx="2">
+              <a:schemeClr val="accent1"/>
+            </a:effectRef>
+            <a:fontRef idx="minor">
+              <a:schemeClr val="lt1"/>
+            </a:fontRef>
+          </p:style>
+        </p:sp>
+        <p:sp>
+          <p:nvSpPr>
+            <p:cNvPr id="29" name="Rectangle 28"/>
+            <p:cNvSpPr/>
+            <p:nvPr/>
+          </p:nvSpPr>
+          <p:spPr>
+            <a:xfrm>
+              <a:off x="10898730" y="-8467"/>
+              <a:ext cx="1290094" cy="6866467"/>
+            </a:xfrm>
+            <a:custGeom>
+              <a:avLst/>
+              <a:gdLst/>
+              <a:ahLst/>
+              <a:cxnLst/>
+              <a:rect l="l" t="t" r="r" b="b"/>
+              <a:pathLst>
+                <a:path w="1290094" h="6858000">
+                  <a:moveTo>
+                    <a:pt x="1019735" y="0"/>
+                  </a:moveTo>
+                  <a:lnTo>
+                    <a:pt x="1290094" y="0"/>
+                  </a:lnTo>
+                  <a:lnTo>
+                    <a:pt x="1290094" y="6858000"/>
+                  </a:lnTo>
+                  <a:lnTo>
+                    <a:pt x="0" y="6858000"/>
+                  </a:lnTo>
+                  <a:lnTo>
+                    <a:pt x="1019735" y="0"/>
+                  </a:lnTo>
+                  <a:close/>
+                </a:path>
+              </a:pathLst>
+            </a:custGeom>
+            <a:solidFill>
+              <a:schemeClr val="accent1">
+                <a:lumMod val="60000"/>
+                <a:lumOff val="40000"/>
+                <a:alpha val="70000"/>
+              </a:schemeClr>
+            </a:solidFill>
+            <a:ln>
+              <a:noFill/>
+            </a:ln>
+            <a:effectLst/>
+          </p:spPr>
+          <p:style>
+            <a:lnRef idx="1">
+              <a:schemeClr val="accent1"/>
+            </a:lnRef>
+            <a:fillRef idx="3">
+              <a:schemeClr val="accent1"/>
+            </a:fillRef>
+            <a:effectRef idx="2">
+              <a:schemeClr val="accent1"/>
+            </a:effectRef>
+            <a:fontRef idx="minor">
+              <a:schemeClr val="lt1"/>
+            </a:fontRef>
+          </p:style>
+        </p:sp>
+        <p:sp>
+          <p:nvSpPr>
+            <p:cNvPr id="30" name="Rectangle 29"/>
+            <p:cNvSpPr/>
+            <p:nvPr/>
+          </p:nvSpPr>
+          <p:spPr>
+            <a:xfrm>
+              <a:off x="10938999" y="-8467"/>
+              <a:ext cx="1249825" cy="6866467"/>
+            </a:xfrm>
+            <a:custGeom>
+              <a:avLst/>
+              <a:gdLst/>
+              <a:ahLst/>
+              <a:cxnLst/>
+              <a:rect l="l" t="t" r="r" b="b"/>
+              <a:pathLst>
+                <a:path w="1249825" h="6858000">
+                  <a:moveTo>
+                    <a:pt x="0" y="0"/>
+                  </a:moveTo>
+                  <a:lnTo>
+                    <a:pt x="1249825" y="0"/>
+                  </a:lnTo>
+                  <a:lnTo>
+                    <a:pt x="1249825" y="6858000"/>
+                  </a:lnTo>
+                  <a:lnTo>
+                    <a:pt x="1109382" y="6858000"/>
+                  </a:lnTo>
+                  <a:lnTo>
+                    <a:pt x="0" y="0"/>
+                  </a:lnTo>
+                  <a:close/>
+                </a:path>
+              </a:pathLst>
+            </a:custGeom>
+            <a:solidFill>
+              <a:schemeClr val="accent1">
+                <a:alpha val="65000"/>
+              </a:schemeClr>
+            </a:solidFill>
+            <a:ln>
+              <a:noFill/>
+            </a:ln>
+            <a:effectLst/>
+          </p:spPr>
+          <p:style>
+            <a:lnRef idx="1">
+              <a:schemeClr val="accent1"/>
+            </a:lnRef>
+            <a:fillRef idx="3">
+              <a:schemeClr val="accent1"/>
+            </a:fillRef>
+            <a:effectRef idx="2">
+              <a:schemeClr val="accent1"/>
+            </a:effectRef>
+            <a:fontRef idx="minor">
+              <a:schemeClr val="lt1"/>
+            </a:fontRef>
+          </p:style>
+        </p:sp>
+        <p:sp>
+          <p:nvSpPr>
+            <p:cNvPr id="31" name="Isosceles Triangle 30"/>
+            <p:cNvSpPr/>
+            <p:nvPr/>
+          </p:nvSpPr>
+          <p:spPr>
+            <a:xfrm>
+              <a:off x="10371666" y="3589867"/>
+              <a:ext cx="1817159" cy="3268133"/>
+            </a:xfrm>
+            <a:prstGeom prst="triangle">
+              <a:avLst>
+                <a:gd name="adj" fmla="val 100000"/>
+              </a:avLst>
+            </a:prstGeom>
+            <a:solidFill>
+              <a:schemeClr val="accent1">
+                <a:alpha val="80000"/>
+              </a:schemeClr>
+            </a:solidFill>
+            <a:ln>
+              <a:noFill/>
+            </a:ln>
+            <a:effectLst/>
+          </p:spPr>
+          <p:style>
+            <a:lnRef idx="1">
+              <a:schemeClr val="accent1"/>
+            </a:lnRef>
+            <a:fillRef idx="3">
+              <a:schemeClr val="accent1"/>
+            </a:fillRef>
+            <a:effectRef idx="2">
+              <a:schemeClr val="accent1"/>
+            </a:effectRef>
+            <a:fontRef idx="minor">
+              <a:schemeClr val="lt1"/>
+            </a:fontRef>
+          </p:style>
+        </p:sp>
+        <p:sp>
+          <p:nvSpPr>
+            <p:cNvPr id="19" name="Isosceles Triangle 18"/>
+            <p:cNvSpPr/>
+            <p:nvPr/>
+          </p:nvSpPr>
+          <p:spPr>
+            <a:xfrm rot="10800000">
+              <a:off x="0" y="0"/>
+              <a:ext cx="842596" cy="5666154"/>
+            </a:xfrm>
+            <a:prstGeom prst="triangle">
+              <a:avLst>
+                <a:gd name="adj" fmla="val 100000"/>
+              </a:avLst>
+            </a:prstGeom>
+            <a:solidFill>
+              <a:schemeClr val="accent1">
+                <a:alpha val="85000"/>
+              </a:schemeClr>
+            </a:solidFill>
+            <a:ln>
+              <a:noFill/>
+            </a:ln>
+            <a:effectLst/>
+          </p:spPr>
+          <p:style>
+            <a:lnRef idx="1">
+              <a:schemeClr val="accent1"/>
+            </a:lnRef>
+            <a:fillRef idx="3">
+              <a:schemeClr val="accent1"/>
+            </a:fillRef>
+            <a:effectRef idx="2">
+              <a:schemeClr val="accent1"/>
+            </a:effectRef>
+            <a:fontRef idx="minor">
+              <a:schemeClr val="lt1"/>
+            </a:fontRef>
+          </p:style>
+        </p:sp>
+      </p:grpSp>
+      <p:sp>
+        <p:nvSpPr>
+          <p:cNvPr id="2" name="Title 1"/>
           <p:cNvSpPr>
             <a:spLocks noGrp="1"/>
           </p:cNvSpPr>
@@ -154,15 +678,21 @@
         </p:nvSpPr>
         <p:spPr>
           <a:xfrm>
-            <a:off x="1524000" y="1122363"/>
-            <a:ext cx="9144000" cy="2387600"/>
+            <a:off x="1507067" y="2404534"/>
+            <a:ext cx="7766936" cy="1646302"/>
           </a:xfrm>
         </p:spPr>
         <p:txBody>
-          <a:bodyPr anchor="b"/>
+          <a:bodyPr anchor="b">
+            <a:noAutofit/>
+          </a:bodyPr>
           <a:lstStyle>
-            <a:lvl1pPr algn="ctr">
-              <a:defRPr sz="6000"/>
+            <a:lvl1pPr algn="r">
+              <a:defRPr sz="5400">
+                <a:solidFill>
+                  <a:schemeClr val="accent1"/>
+                </a:solidFill>
+              </a:defRPr>
             </a:lvl1pPr>
           </a:lstStyle>
           <a:p>
@@ -170,19 +700,13 @@
               <a:rPr lang="en-US"/>
               <a:t>Click to edit Master title style</a:t>
             </a:r>
-            <a:endParaRPr lang="en-SG"/>
-          </a:p>
-        </p:txBody>
-      </p:sp>
-      <p:sp>
-        <p:nvSpPr>
-          <p:cNvPr id="3" name="Subtitle 2">
-            <a:extLst>
-              <a:ext uri="{FF2B5EF4-FFF2-40B4-BE49-F238E27FC236}">
-                <a16:creationId xmlns:a16="http://schemas.microsoft.com/office/drawing/2014/main" id="{3BC4DCB4-E8E8-1BBB-BDEE-2705BC242095}"/>
-              </a:ext>
-            </a:extLst>
-          </p:cNvPr>
+            <a:endParaRPr lang="en-US" dirty="0"/>
+          </a:p>
+        </p:txBody>
+      </p:sp>
+      <p:sp>
+        <p:nvSpPr>
+          <p:cNvPr id="3" name="Subtitle 2"/>
           <p:cNvSpPr>
             <a:spLocks noGrp="1"/>
           </p:cNvSpPr>
@@ -192,48 +716,103 @@
         </p:nvSpPr>
         <p:spPr>
           <a:xfrm>
-            <a:off x="1524000" y="3602038"/>
-            <a:ext cx="9144000" cy="1655762"/>
+            <a:off x="1507067" y="4050833"/>
+            <a:ext cx="7766936" cy="1096899"/>
           </a:xfrm>
         </p:spPr>
         <p:txBody>
-          <a:bodyPr/>
+          <a:bodyPr anchor="t"/>
           <a:lstStyle>
-            <a:lvl1pPr marL="0" indent="0" algn="ctr">
-              <a:buNone/>
-              <a:defRPr sz="2400"/>
+            <a:lvl1pPr marL="0" indent="0" algn="r">
+              <a:buNone/>
+              <a:defRPr>
+                <a:solidFill>
+                  <a:schemeClr val="tx1">
+                    <a:lumMod val="50000"/>
+                    <a:lumOff val="50000"/>
+                  </a:schemeClr>
+                </a:solidFill>
+              </a:defRPr>
             </a:lvl1pPr>
             <a:lvl2pPr marL="457200" indent="0" algn="ctr">
               <a:buNone/>
-              <a:defRPr sz="2000"/>
+              <a:defRPr>
+                <a:solidFill>
+                  <a:schemeClr val="tx1">
+                    <a:tint val="75000"/>
+                  </a:schemeClr>
+                </a:solidFill>
+              </a:defRPr>
             </a:lvl2pPr>
             <a:lvl3pPr marL="914400" indent="0" algn="ctr">
               <a:buNone/>
-              <a:defRPr sz="1800"/>
+              <a:defRPr>
+                <a:solidFill>
+                  <a:schemeClr val="tx1">
+                    <a:tint val="75000"/>
+                  </a:schemeClr>
+                </a:solidFill>
+              </a:defRPr>
             </a:lvl3pPr>
             <a:lvl4pPr marL="1371600" indent="0" algn="ctr">
               <a:buNone/>
-              <a:defRPr sz="1600"/>
+              <a:defRPr>
+                <a:solidFill>
+                  <a:schemeClr val="tx1">
+                    <a:tint val="75000"/>
+                  </a:schemeClr>
+                </a:solidFill>
+              </a:defRPr>
             </a:lvl4pPr>
             <a:lvl5pPr marL="1828800" indent="0" algn="ctr">
               <a:buNone/>
-              <a:defRPr sz="1600"/>
+              <a:defRPr>
+                <a:solidFill>
+                  <a:schemeClr val="tx1">
+                    <a:tint val="75000"/>
+                  </a:schemeClr>
+                </a:solidFill>
+              </a:defRPr>
             </a:lvl5pPr>
             <a:lvl6pPr marL="2286000" indent="0" algn="ctr">
               <a:buNone/>
-              <a:defRPr sz="1600"/>
+              <a:defRPr>
+                <a:solidFill>
+                  <a:schemeClr val="tx1">
+                    <a:tint val="75000"/>
+                  </a:schemeClr>
+                </a:solidFill>
+              </a:defRPr>
             </a:lvl6pPr>
             <a:lvl7pPr marL="2743200" indent="0" algn="ctr">
               <a:buNone/>
-              <a:defRPr sz="1600"/>
+              <a:defRPr>
+                <a:solidFill>
+                  <a:schemeClr val="tx1">
+                    <a:tint val="75000"/>
+                  </a:schemeClr>
+                </a:solidFill>
+              </a:defRPr>
             </a:lvl7pPr>
             <a:lvl8pPr marL="3200400" indent="0" algn="ctr">
               <a:buNone/>
-              <a:defRPr sz="1600"/>
+              <a:defRPr>
+                <a:solidFill>
+                  <a:schemeClr val="tx1">
+                    <a:tint val="75000"/>
+                  </a:schemeClr>
+                </a:solidFill>
+              </a:defRPr>
             </a:lvl8pPr>
             <a:lvl9pPr marL="3657600" indent="0" algn="ctr">
               <a:buNone/>
-              <a:defRPr sz="1600"/>
+              <a:defRPr>
+                <a:solidFill>
+                  <a:schemeClr val="tx1">
+                    <a:tint val="75000"/>
+                  </a:schemeClr>
+                </a:solidFill>
+              </a:defRPr>
             </a:lvl9pPr>
           </a:lstStyle>
           <a:p>
@@ -241,19 +820,13 @@
               <a:rPr lang="en-US"/>
               <a:t>Click to edit Master subtitle style</a:t>
             </a:r>
-            <a:endParaRPr lang="en-SG"/>
-          </a:p>
-        </p:txBody>
-      </p:sp>
-      <p:sp>
-        <p:nvSpPr>
-          <p:cNvPr id="4" name="Date Placeholder 3">
-            <a:extLst>
-              <a:ext uri="{FF2B5EF4-FFF2-40B4-BE49-F238E27FC236}">
-                <a16:creationId xmlns:a16="http://schemas.microsoft.com/office/drawing/2014/main" id="{6C43A320-29C5-3603-51A4-FFE7A65014DE}"/>
-              </a:ext>
-            </a:extLst>
-          </p:cNvPr>
+            <a:endParaRPr lang="en-US" dirty="0"/>
+          </a:p>
+        </p:txBody>
+      </p:sp>
+      <p:sp>
+        <p:nvSpPr>
+          <p:cNvPr id="4" name="Date Placeholder 3"/>
           <p:cNvSpPr>
             <a:spLocks noGrp="1"/>
           </p:cNvSpPr>
@@ -276,13 +849,7 @@
       </p:sp>
       <p:sp>
         <p:nvSpPr>
-          <p:cNvPr id="5" name="Footer Placeholder 4">
-            <a:extLst>
-              <a:ext uri="{FF2B5EF4-FFF2-40B4-BE49-F238E27FC236}">
-                <a16:creationId xmlns:a16="http://schemas.microsoft.com/office/drawing/2014/main" id="{8B3D46BD-8D56-0A21-9143-BB9F17349F07}"/>
-              </a:ext>
-            </a:extLst>
-          </p:cNvPr>
+          <p:cNvPr id="5" name="Footer Placeholder 4"/>
           <p:cNvSpPr>
             <a:spLocks noGrp="1"/>
           </p:cNvSpPr>
@@ -301,13 +868,7 @@
       </p:sp>
       <p:sp>
         <p:nvSpPr>
-          <p:cNvPr id="6" name="Slide Number Placeholder 5">
-            <a:extLst>
-              <a:ext uri="{FF2B5EF4-FFF2-40B4-BE49-F238E27FC236}">
-                <a16:creationId xmlns:a16="http://schemas.microsoft.com/office/drawing/2014/main" id="{D524287F-CE18-CF82-432E-FDCDD62CF7CA}"/>
-              </a:ext>
-            </a:extLst>
-          </p:cNvPr>
+          <p:cNvPr id="6" name="Slide Number Placeholder 5"/>
           <p:cNvSpPr>
             <a:spLocks noGrp="1"/>
           </p:cNvSpPr>
@@ -331,7 +892,7 @@
     </p:spTree>
     <p:extLst>
       <p:ext uri="{BB962C8B-B14F-4D97-AF65-F5344CB8AC3E}">
-        <p14:creationId xmlns:p14="http://schemas.microsoft.com/office/powerpoint/2010/main" val="3653255297"/>
+        <p14:creationId xmlns:p14="http://schemas.microsoft.com/office/powerpoint/2010/main" val="1418173506"/>
       </p:ext>
     </p:extLst>
   </p:cSld>
@@ -342,6 +903,1619 @@
 </file>
 
 <file path=ppt/slideLayouts/slideLayout10.xml><?xml version="1.0" encoding="utf-8"?>
+<p:sldLayout xmlns:a="http://schemas.openxmlformats.org/drawingml/2006/main" xmlns:r="http://schemas.openxmlformats.org/officeDocument/2006/relationships" xmlns:p="http://schemas.openxmlformats.org/presentationml/2006/main" preserve="1">
+  <p:cSld name="Title and Caption">
+    <p:spTree>
+      <p:nvGrpSpPr>
+        <p:cNvPr id="1" name=""/>
+        <p:cNvGrpSpPr/>
+        <p:nvPr/>
+      </p:nvGrpSpPr>
+      <p:grpSpPr>
+        <a:xfrm>
+          <a:off x="0" y="0"/>
+          <a:ext cx="0" cy="0"/>
+          <a:chOff x="0" y="0"/>
+          <a:chExt cx="0" cy="0"/>
+        </a:xfrm>
+      </p:grpSpPr>
+      <p:sp>
+        <p:nvSpPr>
+          <p:cNvPr id="2" name="Title 1"/>
+          <p:cNvSpPr>
+            <a:spLocks noGrp="1"/>
+          </p:cNvSpPr>
+          <p:nvPr>
+            <p:ph type="title"/>
+          </p:nvPr>
+        </p:nvSpPr>
+        <p:spPr>
+          <a:xfrm>
+            <a:off x="677335" y="609600"/>
+            <a:ext cx="8596668" cy="3403600"/>
+          </a:xfrm>
+        </p:spPr>
+        <p:txBody>
+          <a:bodyPr anchor="ctr">
+            <a:normAutofit/>
+          </a:bodyPr>
+          <a:lstStyle>
+            <a:lvl1pPr algn="l">
+              <a:defRPr sz="4400" b="0" cap="none"/>
+            </a:lvl1pPr>
+          </a:lstStyle>
+          <a:p>
+            <a:r>
+              <a:rPr lang="en-US"/>
+              <a:t>Click to edit Master title style</a:t>
+            </a:r>
+            <a:endParaRPr lang="en-US" dirty="0"/>
+          </a:p>
+        </p:txBody>
+      </p:sp>
+      <p:sp>
+        <p:nvSpPr>
+          <p:cNvPr id="3" name="Text Placeholder 2"/>
+          <p:cNvSpPr>
+            <a:spLocks noGrp="1"/>
+          </p:cNvSpPr>
+          <p:nvPr>
+            <p:ph type="body" idx="1"/>
+          </p:nvPr>
+        </p:nvSpPr>
+        <p:spPr>
+          <a:xfrm>
+            <a:off x="677335" y="4470400"/>
+            <a:ext cx="8596668" cy="1570962"/>
+          </a:xfrm>
+        </p:spPr>
+        <p:txBody>
+          <a:bodyPr anchor="ctr">
+            <a:normAutofit/>
+          </a:bodyPr>
+          <a:lstStyle>
+            <a:lvl1pPr marL="0" indent="0" algn="l">
+              <a:buNone/>
+              <a:defRPr sz="1800">
+                <a:solidFill>
+                  <a:schemeClr val="tx1">
+                    <a:lumMod val="75000"/>
+                    <a:lumOff val="25000"/>
+                  </a:schemeClr>
+                </a:solidFill>
+              </a:defRPr>
+            </a:lvl1pPr>
+            <a:lvl2pPr marL="457200" indent="0">
+              <a:buNone/>
+              <a:defRPr sz="1800">
+                <a:solidFill>
+                  <a:schemeClr val="tx1">
+                    <a:tint val="75000"/>
+                  </a:schemeClr>
+                </a:solidFill>
+              </a:defRPr>
+            </a:lvl2pPr>
+            <a:lvl3pPr marL="914400" indent="0">
+              <a:buNone/>
+              <a:defRPr sz="1600">
+                <a:solidFill>
+                  <a:schemeClr val="tx1">
+                    <a:tint val="75000"/>
+                  </a:schemeClr>
+                </a:solidFill>
+              </a:defRPr>
+            </a:lvl3pPr>
+            <a:lvl4pPr marL="1371600" indent="0">
+              <a:buNone/>
+              <a:defRPr sz="1400">
+                <a:solidFill>
+                  <a:schemeClr val="tx1">
+                    <a:tint val="75000"/>
+                  </a:schemeClr>
+                </a:solidFill>
+              </a:defRPr>
+            </a:lvl4pPr>
+            <a:lvl5pPr marL="1828800" indent="0">
+              <a:buNone/>
+              <a:defRPr sz="1400">
+                <a:solidFill>
+                  <a:schemeClr val="tx1">
+                    <a:tint val="75000"/>
+                  </a:schemeClr>
+                </a:solidFill>
+              </a:defRPr>
+            </a:lvl5pPr>
+            <a:lvl6pPr marL="2286000" indent="0">
+              <a:buNone/>
+              <a:defRPr sz="1400">
+                <a:solidFill>
+                  <a:schemeClr val="tx1">
+                    <a:tint val="75000"/>
+                  </a:schemeClr>
+                </a:solidFill>
+              </a:defRPr>
+            </a:lvl6pPr>
+            <a:lvl7pPr marL="2743200" indent="0">
+              <a:buNone/>
+              <a:defRPr sz="1400">
+                <a:solidFill>
+                  <a:schemeClr val="tx1">
+                    <a:tint val="75000"/>
+                  </a:schemeClr>
+                </a:solidFill>
+              </a:defRPr>
+            </a:lvl7pPr>
+            <a:lvl8pPr marL="3200400" indent="0">
+              <a:buNone/>
+              <a:defRPr sz="1400">
+                <a:solidFill>
+                  <a:schemeClr val="tx1">
+                    <a:tint val="75000"/>
+                  </a:schemeClr>
+                </a:solidFill>
+              </a:defRPr>
+            </a:lvl8pPr>
+            <a:lvl9pPr marL="3657600" indent="0">
+              <a:buNone/>
+              <a:defRPr sz="1400">
+                <a:solidFill>
+                  <a:schemeClr val="tx1">
+                    <a:tint val="75000"/>
+                  </a:schemeClr>
+                </a:solidFill>
+              </a:defRPr>
+            </a:lvl9pPr>
+          </a:lstStyle>
+          <a:p>
+            <a:pPr lvl="0"/>
+            <a:r>
+              <a:rPr lang="en-US"/>
+              <a:t>Click to edit Master text styles</a:t>
+            </a:r>
+          </a:p>
+        </p:txBody>
+      </p:sp>
+      <p:sp>
+        <p:nvSpPr>
+          <p:cNvPr id="4" name="Date Placeholder 3"/>
+          <p:cNvSpPr>
+            <a:spLocks noGrp="1"/>
+          </p:cNvSpPr>
+          <p:nvPr>
+            <p:ph type="dt" sz="half" idx="10"/>
+          </p:nvPr>
+        </p:nvSpPr>
+        <p:spPr/>
+        <p:txBody>
+          <a:bodyPr/>
+          <a:lstStyle/>
+          <a:p>
+            <a:fld id="{B248FFCC-1DF3-4286-879D-66F92F9DAE99}" type="datetimeFigureOut">
+              <a:rPr lang="en-SG" smtClean="0"/>
+              <a:t>8/8/2023</a:t>
+            </a:fld>
+            <a:endParaRPr lang="en-SG"/>
+          </a:p>
+        </p:txBody>
+      </p:sp>
+      <p:sp>
+        <p:nvSpPr>
+          <p:cNvPr id="5" name="Footer Placeholder 4"/>
+          <p:cNvSpPr>
+            <a:spLocks noGrp="1"/>
+          </p:cNvSpPr>
+          <p:nvPr>
+            <p:ph type="ftr" sz="quarter" idx="11"/>
+          </p:nvPr>
+        </p:nvSpPr>
+        <p:spPr/>
+        <p:txBody>
+          <a:bodyPr/>
+          <a:lstStyle/>
+          <a:p>
+            <a:endParaRPr lang="en-SG"/>
+          </a:p>
+        </p:txBody>
+      </p:sp>
+      <p:sp>
+        <p:nvSpPr>
+          <p:cNvPr id="6" name="Slide Number Placeholder 5"/>
+          <p:cNvSpPr>
+            <a:spLocks noGrp="1"/>
+          </p:cNvSpPr>
+          <p:nvPr>
+            <p:ph type="sldNum" sz="quarter" idx="12"/>
+          </p:nvPr>
+        </p:nvSpPr>
+        <p:spPr/>
+        <p:txBody>
+          <a:bodyPr/>
+          <a:lstStyle/>
+          <a:p>
+            <a:fld id="{69E26A9B-3816-4684-A5B2-6B07B00AEC8A}" type="slidenum">
+              <a:rPr lang="en-SG" smtClean="0"/>
+              <a:t>‹#›</a:t>
+            </a:fld>
+            <a:endParaRPr lang="en-SG"/>
+          </a:p>
+        </p:txBody>
+      </p:sp>
+    </p:spTree>
+    <p:extLst>
+      <p:ext uri="{BB962C8B-B14F-4D97-AF65-F5344CB8AC3E}">
+        <p14:creationId xmlns:p14="http://schemas.microsoft.com/office/powerpoint/2010/main" val="2189377762"/>
+      </p:ext>
+    </p:extLst>
+  </p:cSld>
+  <p:clrMapOvr>
+    <a:masterClrMapping/>
+  </p:clrMapOvr>
+</p:sldLayout>
+</file>
+
+<file path=ppt/slideLayouts/slideLayout11.xml><?xml version="1.0" encoding="utf-8"?>
+<p:sldLayout xmlns:a="http://schemas.openxmlformats.org/drawingml/2006/main" xmlns:r="http://schemas.openxmlformats.org/officeDocument/2006/relationships" xmlns:p="http://schemas.openxmlformats.org/presentationml/2006/main" preserve="1">
+  <p:cSld name="Quote with Caption">
+    <p:spTree>
+      <p:nvGrpSpPr>
+        <p:cNvPr id="1" name=""/>
+        <p:cNvGrpSpPr/>
+        <p:nvPr/>
+      </p:nvGrpSpPr>
+      <p:grpSpPr>
+        <a:xfrm>
+          <a:off x="0" y="0"/>
+          <a:ext cx="0" cy="0"/>
+          <a:chOff x="0" y="0"/>
+          <a:chExt cx="0" cy="0"/>
+        </a:xfrm>
+      </p:grpSpPr>
+      <p:sp>
+        <p:nvSpPr>
+          <p:cNvPr id="2" name="Title 1"/>
+          <p:cNvSpPr>
+            <a:spLocks noGrp="1"/>
+          </p:cNvSpPr>
+          <p:nvPr>
+            <p:ph type="title"/>
+          </p:nvPr>
+        </p:nvSpPr>
+        <p:spPr>
+          <a:xfrm>
+            <a:off x="931334" y="609600"/>
+            <a:ext cx="8094134" cy="3022600"/>
+          </a:xfrm>
+        </p:spPr>
+        <p:txBody>
+          <a:bodyPr anchor="ctr">
+            <a:normAutofit/>
+          </a:bodyPr>
+          <a:lstStyle>
+            <a:lvl1pPr algn="l">
+              <a:defRPr sz="4400" b="0" cap="none"/>
+            </a:lvl1pPr>
+          </a:lstStyle>
+          <a:p>
+            <a:r>
+              <a:rPr lang="en-US"/>
+              <a:t>Click to edit Master title style</a:t>
+            </a:r>
+            <a:endParaRPr lang="en-US" dirty="0"/>
+          </a:p>
+        </p:txBody>
+      </p:sp>
+      <p:sp>
+        <p:nvSpPr>
+          <p:cNvPr id="23" name="Text Placeholder 9"/>
+          <p:cNvSpPr>
+            <a:spLocks noGrp="1"/>
+          </p:cNvSpPr>
+          <p:nvPr>
+            <p:ph type="body" sz="quarter" idx="13"/>
+          </p:nvPr>
+        </p:nvSpPr>
+        <p:spPr>
+          <a:xfrm>
+            <a:off x="1366139" y="3632200"/>
+            <a:ext cx="7224524" cy="381000"/>
+          </a:xfrm>
+        </p:spPr>
+        <p:txBody>
+          <a:bodyPr anchor="ctr">
+            <a:noAutofit/>
+          </a:bodyPr>
+          <a:lstStyle>
+            <a:lvl1pPr marL="0" indent="0">
+              <a:buFontTx/>
+              <a:buNone/>
+              <a:defRPr sz="1600">
+                <a:solidFill>
+                  <a:schemeClr val="tx1">
+                    <a:lumMod val="50000"/>
+                    <a:lumOff val="50000"/>
+                  </a:schemeClr>
+                </a:solidFill>
+              </a:defRPr>
+            </a:lvl1pPr>
+            <a:lvl2pPr marL="457200" indent="0">
+              <a:buFontTx/>
+              <a:buNone/>
+              <a:defRPr/>
+            </a:lvl2pPr>
+            <a:lvl3pPr marL="914400" indent="0">
+              <a:buFontTx/>
+              <a:buNone/>
+              <a:defRPr/>
+            </a:lvl3pPr>
+            <a:lvl4pPr marL="1371600" indent="0">
+              <a:buFontTx/>
+              <a:buNone/>
+              <a:defRPr/>
+            </a:lvl4pPr>
+            <a:lvl5pPr marL="1828800" indent="0">
+              <a:buFontTx/>
+              <a:buNone/>
+              <a:defRPr/>
+            </a:lvl5pPr>
+          </a:lstStyle>
+          <a:p>
+            <a:pPr lvl="0"/>
+            <a:r>
+              <a:rPr lang="en-US"/>
+              <a:t>Click to edit Master text styles</a:t>
+            </a:r>
+          </a:p>
+        </p:txBody>
+      </p:sp>
+      <p:sp>
+        <p:nvSpPr>
+          <p:cNvPr id="3" name="Text Placeholder 2"/>
+          <p:cNvSpPr>
+            <a:spLocks noGrp="1"/>
+          </p:cNvSpPr>
+          <p:nvPr>
+            <p:ph type="body" idx="1"/>
+          </p:nvPr>
+        </p:nvSpPr>
+        <p:spPr>
+          <a:xfrm>
+            <a:off x="677335" y="4470400"/>
+            <a:ext cx="8596668" cy="1570962"/>
+          </a:xfrm>
+        </p:spPr>
+        <p:txBody>
+          <a:bodyPr anchor="ctr">
+            <a:normAutofit/>
+          </a:bodyPr>
+          <a:lstStyle>
+            <a:lvl1pPr marL="0" indent="0" algn="l">
+              <a:buNone/>
+              <a:defRPr sz="1800">
+                <a:solidFill>
+                  <a:schemeClr val="tx1">
+                    <a:lumMod val="75000"/>
+                    <a:lumOff val="25000"/>
+                  </a:schemeClr>
+                </a:solidFill>
+              </a:defRPr>
+            </a:lvl1pPr>
+            <a:lvl2pPr marL="457200" indent="0">
+              <a:buNone/>
+              <a:defRPr sz="1800">
+                <a:solidFill>
+                  <a:schemeClr val="tx1">
+                    <a:tint val="75000"/>
+                  </a:schemeClr>
+                </a:solidFill>
+              </a:defRPr>
+            </a:lvl2pPr>
+            <a:lvl3pPr marL="914400" indent="0">
+              <a:buNone/>
+              <a:defRPr sz="1600">
+                <a:solidFill>
+                  <a:schemeClr val="tx1">
+                    <a:tint val="75000"/>
+                  </a:schemeClr>
+                </a:solidFill>
+              </a:defRPr>
+            </a:lvl3pPr>
+            <a:lvl4pPr marL="1371600" indent="0">
+              <a:buNone/>
+              <a:defRPr sz="1400">
+                <a:solidFill>
+                  <a:schemeClr val="tx1">
+                    <a:tint val="75000"/>
+                  </a:schemeClr>
+                </a:solidFill>
+              </a:defRPr>
+            </a:lvl4pPr>
+            <a:lvl5pPr marL="1828800" indent="0">
+              <a:buNone/>
+              <a:defRPr sz="1400">
+                <a:solidFill>
+                  <a:schemeClr val="tx1">
+                    <a:tint val="75000"/>
+                  </a:schemeClr>
+                </a:solidFill>
+              </a:defRPr>
+            </a:lvl5pPr>
+            <a:lvl6pPr marL="2286000" indent="0">
+              <a:buNone/>
+              <a:defRPr sz="1400">
+                <a:solidFill>
+                  <a:schemeClr val="tx1">
+                    <a:tint val="75000"/>
+                  </a:schemeClr>
+                </a:solidFill>
+              </a:defRPr>
+            </a:lvl6pPr>
+            <a:lvl7pPr marL="2743200" indent="0">
+              <a:buNone/>
+              <a:defRPr sz="1400">
+                <a:solidFill>
+                  <a:schemeClr val="tx1">
+                    <a:tint val="75000"/>
+                  </a:schemeClr>
+                </a:solidFill>
+              </a:defRPr>
+            </a:lvl7pPr>
+            <a:lvl8pPr marL="3200400" indent="0">
+              <a:buNone/>
+              <a:defRPr sz="1400">
+                <a:solidFill>
+                  <a:schemeClr val="tx1">
+                    <a:tint val="75000"/>
+                  </a:schemeClr>
+                </a:solidFill>
+              </a:defRPr>
+            </a:lvl8pPr>
+            <a:lvl9pPr marL="3657600" indent="0">
+              <a:buNone/>
+              <a:defRPr sz="1400">
+                <a:solidFill>
+                  <a:schemeClr val="tx1">
+                    <a:tint val="75000"/>
+                  </a:schemeClr>
+                </a:solidFill>
+              </a:defRPr>
+            </a:lvl9pPr>
+          </a:lstStyle>
+          <a:p>
+            <a:pPr lvl="0"/>
+            <a:r>
+              <a:rPr lang="en-US"/>
+              <a:t>Click to edit Master text styles</a:t>
+            </a:r>
+          </a:p>
+        </p:txBody>
+      </p:sp>
+      <p:sp>
+        <p:nvSpPr>
+          <p:cNvPr id="4" name="Date Placeholder 3"/>
+          <p:cNvSpPr>
+            <a:spLocks noGrp="1"/>
+          </p:cNvSpPr>
+          <p:nvPr>
+            <p:ph type="dt" sz="half" idx="10"/>
+          </p:nvPr>
+        </p:nvSpPr>
+        <p:spPr/>
+        <p:txBody>
+          <a:bodyPr/>
+          <a:lstStyle/>
+          <a:p>
+            <a:fld id="{B248FFCC-1DF3-4286-879D-66F92F9DAE99}" type="datetimeFigureOut">
+              <a:rPr lang="en-SG" smtClean="0"/>
+              <a:t>8/8/2023</a:t>
+            </a:fld>
+            <a:endParaRPr lang="en-SG"/>
+          </a:p>
+        </p:txBody>
+      </p:sp>
+      <p:sp>
+        <p:nvSpPr>
+          <p:cNvPr id="5" name="Footer Placeholder 4"/>
+          <p:cNvSpPr>
+            <a:spLocks noGrp="1"/>
+          </p:cNvSpPr>
+          <p:nvPr>
+            <p:ph type="ftr" sz="quarter" idx="11"/>
+          </p:nvPr>
+        </p:nvSpPr>
+        <p:spPr/>
+        <p:txBody>
+          <a:bodyPr/>
+          <a:lstStyle/>
+          <a:p>
+            <a:endParaRPr lang="en-SG"/>
+          </a:p>
+        </p:txBody>
+      </p:sp>
+      <p:sp>
+        <p:nvSpPr>
+          <p:cNvPr id="6" name="Slide Number Placeholder 5"/>
+          <p:cNvSpPr>
+            <a:spLocks noGrp="1"/>
+          </p:cNvSpPr>
+          <p:nvPr>
+            <p:ph type="sldNum" sz="quarter" idx="12"/>
+          </p:nvPr>
+        </p:nvSpPr>
+        <p:spPr/>
+        <p:txBody>
+          <a:bodyPr/>
+          <a:lstStyle/>
+          <a:p>
+            <a:fld id="{69E26A9B-3816-4684-A5B2-6B07B00AEC8A}" type="slidenum">
+              <a:rPr lang="en-SG" smtClean="0"/>
+              <a:t>‹#›</a:t>
+            </a:fld>
+            <a:endParaRPr lang="en-SG"/>
+          </a:p>
+        </p:txBody>
+      </p:sp>
+      <p:sp>
+        <p:nvSpPr>
+          <p:cNvPr id="20" name="TextBox 19"/>
+          <p:cNvSpPr txBox="1"/>
+          <p:nvPr/>
+        </p:nvSpPr>
+        <p:spPr>
+          <a:xfrm>
+            <a:off x="541870" y="790378"/>
+            <a:ext cx="609600" cy="584776"/>
+          </a:xfrm>
+          <a:prstGeom prst="rect">
+            <a:avLst/>
+          </a:prstGeom>
+        </p:spPr>
+        <p:txBody>
+          <a:bodyPr vert="horz" lIns="91440" tIns="45720" rIns="91440" bIns="45720" rtlCol="0" anchor="ctr">
+            <a:noAutofit/>
+          </a:bodyPr>
+          <a:lstStyle/>
+          <a:p>
+            <a:pPr lvl="0"/>
+            <a:r>
+              <a:rPr lang="en-US" sz="8000" baseline="0" dirty="0">
+                <a:ln w="3175" cmpd="sng">
+                  <a:noFill/>
+                </a:ln>
+                <a:solidFill>
+                  <a:schemeClr val="accent1">
+                    <a:lumMod val="60000"/>
+                    <a:lumOff val="40000"/>
+                  </a:schemeClr>
+                </a:solidFill>
+                <a:effectLst/>
+                <a:latin typeface="Arial"/>
+              </a:rPr>
+              <a:t>“</a:t>
+            </a:r>
+          </a:p>
+        </p:txBody>
+      </p:sp>
+      <p:sp>
+        <p:nvSpPr>
+          <p:cNvPr id="22" name="TextBox 21"/>
+          <p:cNvSpPr txBox="1"/>
+          <p:nvPr/>
+        </p:nvSpPr>
+        <p:spPr>
+          <a:xfrm>
+            <a:off x="8893011" y="2886556"/>
+            <a:ext cx="609600" cy="584776"/>
+          </a:xfrm>
+          <a:prstGeom prst="rect">
+            <a:avLst/>
+          </a:prstGeom>
+        </p:spPr>
+        <p:txBody>
+          <a:bodyPr vert="horz" lIns="91440" tIns="45720" rIns="91440" bIns="45720" rtlCol="0" anchor="ctr">
+            <a:noAutofit/>
+          </a:bodyPr>
+          <a:lstStyle/>
+          <a:p>
+            <a:pPr lvl="0"/>
+            <a:r>
+              <a:rPr lang="en-US" sz="8000" baseline="0" dirty="0">
+                <a:ln w="3175" cmpd="sng">
+                  <a:noFill/>
+                </a:ln>
+                <a:solidFill>
+                  <a:schemeClr val="accent1">
+                    <a:lumMod val="60000"/>
+                    <a:lumOff val="40000"/>
+                  </a:schemeClr>
+                </a:solidFill>
+                <a:latin typeface="Arial"/>
+              </a:rPr>
+              <a:t>”</a:t>
+            </a:r>
+            <a:endParaRPr lang="en-US" dirty="0">
+              <a:solidFill>
+                <a:schemeClr val="accent1">
+                  <a:lumMod val="60000"/>
+                  <a:lumOff val="40000"/>
+                </a:schemeClr>
+              </a:solidFill>
+              <a:latin typeface="Arial"/>
+            </a:endParaRPr>
+          </a:p>
+        </p:txBody>
+      </p:sp>
+    </p:spTree>
+    <p:extLst>
+      <p:ext uri="{BB962C8B-B14F-4D97-AF65-F5344CB8AC3E}">
+        <p14:creationId xmlns:p14="http://schemas.microsoft.com/office/powerpoint/2010/main" val="1605055381"/>
+      </p:ext>
+    </p:extLst>
+  </p:cSld>
+  <p:clrMapOvr>
+    <a:masterClrMapping/>
+  </p:clrMapOvr>
+</p:sldLayout>
+</file>
+
+<file path=ppt/slideLayouts/slideLayout12.xml><?xml version="1.0" encoding="utf-8"?>
+<p:sldLayout xmlns:a="http://schemas.openxmlformats.org/drawingml/2006/main" xmlns:r="http://schemas.openxmlformats.org/officeDocument/2006/relationships" xmlns:p="http://schemas.openxmlformats.org/presentationml/2006/main" preserve="1">
+  <p:cSld name="Name Card">
+    <p:spTree>
+      <p:nvGrpSpPr>
+        <p:cNvPr id="1" name=""/>
+        <p:cNvGrpSpPr/>
+        <p:nvPr/>
+      </p:nvGrpSpPr>
+      <p:grpSpPr>
+        <a:xfrm>
+          <a:off x="0" y="0"/>
+          <a:ext cx="0" cy="0"/>
+          <a:chOff x="0" y="0"/>
+          <a:chExt cx="0" cy="0"/>
+        </a:xfrm>
+      </p:grpSpPr>
+      <p:sp>
+        <p:nvSpPr>
+          <p:cNvPr id="2" name="Title 1"/>
+          <p:cNvSpPr>
+            <a:spLocks noGrp="1"/>
+          </p:cNvSpPr>
+          <p:nvPr>
+            <p:ph type="title"/>
+          </p:nvPr>
+        </p:nvSpPr>
+        <p:spPr>
+          <a:xfrm>
+            <a:off x="677335" y="1931988"/>
+            <a:ext cx="8596668" cy="2595460"/>
+          </a:xfrm>
+        </p:spPr>
+        <p:txBody>
+          <a:bodyPr anchor="b">
+            <a:normAutofit/>
+          </a:bodyPr>
+          <a:lstStyle>
+            <a:lvl1pPr algn="l">
+              <a:defRPr sz="4400" b="0" cap="none"/>
+            </a:lvl1pPr>
+          </a:lstStyle>
+          <a:p>
+            <a:r>
+              <a:rPr lang="en-US"/>
+              <a:t>Click to edit Master title style</a:t>
+            </a:r>
+            <a:endParaRPr lang="en-US" dirty="0"/>
+          </a:p>
+        </p:txBody>
+      </p:sp>
+      <p:sp>
+        <p:nvSpPr>
+          <p:cNvPr id="3" name="Text Placeholder 2"/>
+          <p:cNvSpPr>
+            <a:spLocks noGrp="1"/>
+          </p:cNvSpPr>
+          <p:nvPr>
+            <p:ph type="body" idx="1"/>
+          </p:nvPr>
+        </p:nvSpPr>
+        <p:spPr>
+          <a:xfrm>
+            <a:off x="677335" y="4527448"/>
+            <a:ext cx="8596668" cy="1513914"/>
+          </a:xfrm>
+        </p:spPr>
+        <p:txBody>
+          <a:bodyPr anchor="t">
+            <a:normAutofit/>
+          </a:bodyPr>
+          <a:lstStyle>
+            <a:lvl1pPr marL="0" indent="0" algn="l">
+              <a:buNone/>
+              <a:defRPr sz="1800">
+                <a:solidFill>
+                  <a:schemeClr val="tx1">
+                    <a:lumMod val="75000"/>
+                    <a:lumOff val="25000"/>
+                  </a:schemeClr>
+                </a:solidFill>
+              </a:defRPr>
+            </a:lvl1pPr>
+            <a:lvl2pPr marL="457200" indent="0">
+              <a:buNone/>
+              <a:defRPr sz="1800">
+                <a:solidFill>
+                  <a:schemeClr val="tx1">
+                    <a:tint val="75000"/>
+                  </a:schemeClr>
+                </a:solidFill>
+              </a:defRPr>
+            </a:lvl2pPr>
+            <a:lvl3pPr marL="914400" indent="0">
+              <a:buNone/>
+              <a:defRPr sz="1600">
+                <a:solidFill>
+                  <a:schemeClr val="tx1">
+                    <a:tint val="75000"/>
+                  </a:schemeClr>
+                </a:solidFill>
+              </a:defRPr>
+            </a:lvl3pPr>
+            <a:lvl4pPr marL="1371600" indent="0">
+              <a:buNone/>
+              <a:defRPr sz="1400">
+                <a:solidFill>
+                  <a:schemeClr val="tx1">
+                    <a:tint val="75000"/>
+                  </a:schemeClr>
+                </a:solidFill>
+              </a:defRPr>
+            </a:lvl4pPr>
+            <a:lvl5pPr marL="1828800" indent="0">
+              <a:buNone/>
+              <a:defRPr sz="1400">
+                <a:solidFill>
+                  <a:schemeClr val="tx1">
+                    <a:tint val="75000"/>
+                  </a:schemeClr>
+                </a:solidFill>
+              </a:defRPr>
+            </a:lvl5pPr>
+            <a:lvl6pPr marL="2286000" indent="0">
+              <a:buNone/>
+              <a:defRPr sz="1400">
+                <a:solidFill>
+                  <a:schemeClr val="tx1">
+                    <a:tint val="75000"/>
+                  </a:schemeClr>
+                </a:solidFill>
+              </a:defRPr>
+            </a:lvl6pPr>
+            <a:lvl7pPr marL="2743200" indent="0">
+              <a:buNone/>
+              <a:defRPr sz="1400">
+                <a:solidFill>
+                  <a:schemeClr val="tx1">
+                    <a:tint val="75000"/>
+                  </a:schemeClr>
+                </a:solidFill>
+              </a:defRPr>
+            </a:lvl7pPr>
+            <a:lvl8pPr marL="3200400" indent="0">
+              <a:buNone/>
+              <a:defRPr sz="1400">
+                <a:solidFill>
+                  <a:schemeClr val="tx1">
+                    <a:tint val="75000"/>
+                  </a:schemeClr>
+                </a:solidFill>
+              </a:defRPr>
+            </a:lvl8pPr>
+            <a:lvl9pPr marL="3657600" indent="0">
+              <a:buNone/>
+              <a:defRPr sz="1400">
+                <a:solidFill>
+                  <a:schemeClr val="tx1">
+                    <a:tint val="75000"/>
+                  </a:schemeClr>
+                </a:solidFill>
+              </a:defRPr>
+            </a:lvl9pPr>
+          </a:lstStyle>
+          <a:p>
+            <a:pPr lvl="0"/>
+            <a:r>
+              <a:rPr lang="en-US"/>
+              <a:t>Click to edit Master text styles</a:t>
+            </a:r>
+          </a:p>
+        </p:txBody>
+      </p:sp>
+      <p:sp>
+        <p:nvSpPr>
+          <p:cNvPr id="4" name="Date Placeholder 3"/>
+          <p:cNvSpPr>
+            <a:spLocks noGrp="1"/>
+          </p:cNvSpPr>
+          <p:nvPr>
+            <p:ph type="dt" sz="half" idx="10"/>
+          </p:nvPr>
+        </p:nvSpPr>
+        <p:spPr/>
+        <p:txBody>
+          <a:bodyPr/>
+          <a:lstStyle/>
+          <a:p>
+            <a:fld id="{B248FFCC-1DF3-4286-879D-66F92F9DAE99}" type="datetimeFigureOut">
+              <a:rPr lang="en-SG" smtClean="0"/>
+              <a:t>8/8/2023</a:t>
+            </a:fld>
+            <a:endParaRPr lang="en-SG"/>
+          </a:p>
+        </p:txBody>
+      </p:sp>
+      <p:sp>
+        <p:nvSpPr>
+          <p:cNvPr id="5" name="Footer Placeholder 4"/>
+          <p:cNvSpPr>
+            <a:spLocks noGrp="1"/>
+          </p:cNvSpPr>
+          <p:nvPr>
+            <p:ph type="ftr" sz="quarter" idx="11"/>
+          </p:nvPr>
+        </p:nvSpPr>
+        <p:spPr/>
+        <p:txBody>
+          <a:bodyPr/>
+          <a:lstStyle/>
+          <a:p>
+            <a:endParaRPr lang="en-SG"/>
+          </a:p>
+        </p:txBody>
+      </p:sp>
+      <p:sp>
+        <p:nvSpPr>
+          <p:cNvPr id="6" name="Slide Number Placeholder 5"/>
+          <p:cNvSpPr>
+            <a:spLocks noGrp="1"/>
+          </p:cNvSpPr>
+          <p:nvPr>
+            <p:ph type="sldNum" sz="quarter" idx="12"/>
+          </p:nvPr>
+        </p:nvSpPr>
+        <p:spPr/>
+        <p:txBody>
+          <a:bodyPr/>
+          <a:lstStyle/>
+          <a:p>
+            <a:fld id="{69E26A9B-3816-4684-A5B2-6B07B00AEC8A}" type="slidenum">
+              <a:rPr lang="en-SG" smtClean="0"/>
+              <a:t>‹#›</a:t>
+            </a:fld>
+            <a:endParaRPr lang="en-SG"/>
+          </a:p>
+        </p:txBody>
+      </p:sp>
+    </p:spTree>
+    <p:extLst>
+      <p:ext uri="{BB962C8B-B14F-4D97-AF65-F5344CB8AC3E}">
+        <p14:creationId xmlns:p14="http://schemas.microsoft.com/office/powerpoint/2010/main" val="3252209541"/>
+      </p:ext>
+    </p:extLst>
+  </p:cSld>
+  <p:clrMapOvr>
+    <a:masterClrMapping/>
+  </p:clrMapOvr>
+</p:sldLayout>
+</file>
+
+<file path=ppt/slideLayouts/slideLayout13.xml><?xml version="1.0" encoding="utf-8"?>
+<p:sldLayout xmlns:a="http://schemas.openxmlformats.org/drawingml/2006/main" xmlns:r="http://schemas.openxmlformats.org/officeDocument/2006/relationships" xmlns:p="http://schemas.openxmlformats.org/presentationml/2006/main" preserve="1">
+  <p:cSld name="Quote Name Card">
+    <p:spTree>
+      <p:nvGrpSpPr>
+        <p:cNvPr id="1" name=""/>
+        <p:cNvGrpSpPr/>
+        <p:nvPr/>
+      </p:nvGrpSpPr>
+      <p:grpSpPr>
+        <a:xfrm>
+          <a:off x="0" y="0"/>
+          <a:ext cx="0" cy="0"/>
+          <a:chOff x="0" y="0"/>
+          <a:chExt cx="0" cy="0"/>
+        </a:xfrm>
+      </p:grpSpPr>
+      <p:sp>
+        <p:nvSpPr>
+          <p:cNvPr id="2" name="Title 1"/>
+          <p:cNvSpPr>
+            <a:spLocks noGrp="1"/>
+          </p:cNvSpPr>
+          <p:nvPr>
+            <p:ph type="title"/>
+          </p:nvPr>
+        </p:nvSpPr>
+        <p:spPr>
+          <a:xfrm>
+            <a:off x="931334" y="609600"/>
+            <a:ext cx="8094134" cy="3022600"/>
+          </a:xfrm>
+        </p:spPr>
+        <p:txBody>
+          <a:bodyPr anchor="ctr">
+            <a:normAutofit/>
+          </a:bodyPr>
+          <a:lstStyle>
+            <a:lvl1pPr algn="l">
+              <a:defRPr sz="4400" b="0" cap="none"/>
+            </a:lvl1pPr>
+          </a:lstStyle>
+          <a:p>
+            <a:r>
+              <a:rPr lang="en-US"/>
+              <a:t>Click to edit Master title style</a:t>
+            </a:r>
+            <a:endParaRPr lang="en-US" dirty="0"/>
+          </a:p>
+        </p:txBody>
+      </p:sp>
+      <p:sp>
+        <p:nvSpPr>
+          <p:cNvPr id="23" name="Text Placeholder 9"/>
+          <p:cNvSpPr>
+            <a:spLocks noGrp="1"/>
+          </p:cNvSpPr>
+          <p:nvPr>
+            <p:ph type="body" sz="quarter" idx="13"/>
+          </p:nvPr>
+        </p:nvSpPr>
+        <p:spPr>
+          <a:xfrm>
+            <a:off x="677332" y="4013200"/>
+            <a:ext cx="8596669" cy="514248"/>
+          </a:xfrm>
+        </p:spPr>
+        <p:txBody>
+          <a:bodyPr anchor="b">
+            <a:noAutofit/>
+          </a:bodyPr>
+          <a:lstStyle>
+            <a:lvl1pPr marL="0" indent="0">
+              <a:buFontTx/>
+              <a:buNone/>
+              <a:defRPr sz="2400">
+                <a:solidFill>
+                  <a:schemeClr val="tx1">
+                    <a:lumMod val="75000"/>
+                    <a:lumOff val="25000"/>
+                  </a:schemeClr>
+                </a:solidFill>
+              </a:defRPr>
+            </a:lvl1pPr>
+            <a:lvl2pPr marL="457200" indent="0">
+              <a:buFontTx/>
+              <a:buNone/>
+              <a:defRPr/>
+            </a:lvl2pPr>
+            <a:lvl3pPr marL="914400" indent="0">
+              <a:buFontTx/>
+              <a:buNone/>
+              <a:defRPr/>
+            </a:lvl3pPr>
+            <a:lvl4pPr marL="1371600" indent="0">
+              <a:buFontTx/>
+              <a:buNone/>
+              <a:defRPr/>
+            </a:lvl4pPr>
+            <a:lvl5pPr marL="1828800" indent="0">
+              <a:buFontTx/>
+              <a:buNone/>
+              <a:defRPr/>
+            </a:lvl5pPr>
+          </a:lstStyle>
+          <a:p>
+            <a:pPr lvl="0"/>
+            <a:r>
+              <a:rPr lang="en-US"/>
+              <a:t>Click to edit Master text styles</a:t>
+            </a:r>
+          </a:p>
+        </p:txBody>
+      </p:sp>
+      <p:sp>
+        <p:nvSpPr>
+          <p:cNvPr id="3" name="Text Placeholder 2"/>
+          <p:cNvSpPr>
+            <a:spLocks noGrp="1"/>
+          </p:cNvSpPr>
+          <p:nvPr>
+            <p:ph type="body" idx="1"/>
+          </p:nvPr>
+        </p:nvSpPr>
+        <p:spPr>
+          <a:xfrm>
+            <a:off x="677335" y="4527448"/>
+            <a:ext cx="8596668" cy="1513914"/>
+          </a:xfrm>
+        </p:spPr>
+        <p:txBody>
+          <a:bodyPr anchor="t">
+            <a:normAutofit/>
+          </a:bodyPr>
+          <a:lstStyle>
+            <a:lvl1pPr marL="0" indent="0" algn="l">
+              <a:buNone/>
+              <a:defRPr sz="1800">
+                <a:solidFill>
+                  <a:schemeClr val="tx1">
+                    <a:lumMod val="50000"/>
+                    <a:lumOff val="50000"/>
+                  </a:schemeClr>
+                </a:solidFill>
+              </a:defRPr>
+            </a:lvl1pPr>
+            <a:lvl2pPr marL="457200" indent="0">
+              <a:buNone/>
+              <a:defRPr sz="1800">
+                <a:solidFill>
+                  <a:schemeClr val="tx1">
+                    <a:tint val="75000"/>
+                  </a:schemeClr>
+                </a:solidFill>
+              </a:defRPr>
+            </a:lvl2pPr>
+            <a:lvl3pPr marL="914400" indent="0">
+              <a:buNone/>
+              <a:defRPr sz="1600">
+                <a:solidFill>
+                  <a:schemeClr val="tx1">
+                    <a:tint val="75000"/>
+                  </a:schemeClr>
+                </a:solidFill>
+              </a:defRPr>
+            </a:lvl3pPr>
+            <a:lvl4pPr marL="1371600" indent="0">
+              <a:buNone/>
+              <a:defRPr sz="1400">
+                <a:solidFill>
+                  <a:schemeClr val="tx1">
+                    <a:tint val="75000"/>
+                  </a:schemeClr>
+                </a:solidFill>
+              </a:defRPr>
+            </a:lvl4pPr>
+            <a:lvl5pPr marL="1828800" indent="0">
+              <a:buNone/>
+              <a:defRPr sz="1400">
+                <a:solidFill>
+                  <a:schemeClr val="tx1">
+                    <a:tint val="75000"/>
+                  </a:schemeClr>
+                </a:solidFill>
+              </a:defRPr>
+            </a:lvl5pPr>
+            <a:lvl6pPr marL="2286000" indent="0">
+              <a:buNone/>
+              <a:defRPr sz="1400">
+                <a:solidFill>
+                  <a:schemeClr val="tx1">
+                    <a:tint val="75000"/>
+                  </a:schemeClr>
+                </a:solidFill>
+              </a:defRPr>
+            </a:lvl6pPr>
+            <a:lvl7pPr marL="2743200" indent="0">
+              <a:buNone/>
+              <a:defRPr sz="1400">
+                <a:solidFill>
+                  <a:schemeClr val="tx1">
+                    <a:tint val="75000"/>
+                  </a:schemeClr>
+                </a:solidFill>
+              </a:defRPr>
+            </a:lvl7pPr>
+            <a:lvl8pPr marL="3200400" indent="0">
+              <a:buNone/>
+              <a:defRPr sz="1400">
+                <a:solidFill>
+                  <a:schemeClr val="tx1">
+                    <a:tint val="75000"/>
+                  </a:schemeClr>
+                </a:solidFill>
+              </a:defRPr>
+            </a:lvl8pPr>
+            <a:lvl9pPr marL="3657600" indent="0">
+              <a:buNone/>
+              <a:defRPr sz="1400">
+                <a:solidFill>
+                  <a:schemeClr val="tx1">
+                    <a:tint val="75000"/>
+                  </a:schemeClr>
+                </a:solidFill>
+              </a:defRPr>
+            </a:lvl9pPr>
+          </a:lstStyle>
+          <a:p>
+            <a:pPr lvl="0"/>
+            <a:r>
+              <a:rPr lang="en-US"/>
+              <a:t>Click to edit Master text styles</a:t>
+            </a:r>
+          </a:p>
+        </p:txBody>
+      </p:sp>
+      <p:sp>
+        <p:nvSpPr>
+          <p:cNvPr id="4" name="Date Placeholder 3"/>
+          <p:cNvSpPr>
+            <a:spLocks noGrp="1"/>
+          </p:cNvSpPr>
+          <p:nvPr>
+            <p:ph type="dt" sz="half" idx="10"/>
+          </p:nvPr>
+        </p:nvSpPr>
+        <p:spPr/>
+        <p:txBody>
+          <a:bodyPr/>
+          <a:lstStyle/>
+          <a:p>
+            <a:fld id="{B248FFCC-1DF3-4286-879D-66F92F9DAE99}" type="datetimeFigureOut">
+              <a:rPr lang="en-SG" smtClean="0"/>
+              <a:t>8/8/2023</a:t>
+            </a:fld>
+            <a:endParaRPr lang="en-SG"/>
+          </a:p>
+        </p:txBody>
+      </p:sp>
+      <p:sp>
+        <p:nvSpPr>
+          <p:cNvPr id="5" name="Footer Placeholder 4"/>
+          <p:cNvSpPr>
+            <a:spLocks noGrp="1"/>
+          </p:cNvSpPr>
+          <p:nvPr>
+            <p:ph type="ftr" sz="quarter" idx="11"/>
+          </p:nvPr>
+        </p:nvSpPr>
+        <p:spPr/>
+        <p:txBody>
+          <a:bodyPr/>
+          <a:lstStyle/>
+          <a:p>
+            <a:endParaRPr lang="en-SG"/>
+          </a:p>
+        </p:txBody>
+      </p:sp>
+      <p:sp>
+        <p:nvSpPr>
+          <p:cNvPr id="6" name="Slide Number Placeholder 5"/>
+          <p:cNvSpPr>
+            <a:spLocks noGrp="1"/>
+          </p:cNvSpPr>
+          <p:nvPr>
+            <p:ph type="sldNum" sz="quarter" idx="12"/>
+          </p:nvPr>
+        </p:nvSpPr>
+        <p:spPr/>
+        <p:txBody>
+          <a:bodyPr/>
+          <a:lstStyle/>
+          <a:p>
+            <a:fld id="{69E26A9B-3816-4684-A5B2-6B07B00AEC8A}" type="slidenum">
+              <a:rPr lang="en-SG" smtClean="0"/>
+              <a:t>‹#›</a:t>
+            </a:fld>
+            <a:endParaRPr lang="en-SG"/>
+          </a:p>
+        </p:txBody>
+      </p:sp>
+      <p:sp>
+        <p:nvSpPr>
+          <p:cNvPr id="24" name="TextBox 23"/>
+          <p:cNvSpPr txBox="1"/>
+          <p:nvPr/>
+        </p:nvSpPr>
+        <p:spPr>
+          <a:xfrm>
+            <a:off x="541870" y="790378"/>
+            <a:ext cx="609600" cy="584776"/>
+          </a:xfrm>
+          <a:prstGeom prst="rect">
+            <a:avLst/>
+          </a:prstGeom>
+        </p:spPr>
+        <p:txBody>
+          <a:bodyPr vert="horz" lIns="91440" tIns="45720" rIns="91440" bIns="45720" rtlCol="0" anchor="ctr">
+            <a:noAutofit/>
+          </a:bodyPr>
+          <a:lstStyle/>
+          <a:p>
+            <a:pPr lvl="0"/>
+            <a:r>
+              <a:rPr lang="en-US" sz="8000" baseline="0" dirty="0">
+                <a:ln w="3175" cmpd="sng">
+                  <a:noFill/>
+                </a:ln>
+                <a:solidFill>
+                  <a:schemeClr val="accent1">
+                    <a:lumMod val="60000"/>
+                    <a:lumOff val="40000"/>
+                  </a:schemeClr>
+                </a:solidFill>
+                <a:effectLst/>
+                <a:latin typeface="Arial"/>
+              </a:rPr>
+              <a:t>“</a:t>
+            </a:r>
+          </a:p>
+        </p:txBody>
+      </p:sp>
+      <p:sp>
+        <p:nvSpPr>
+          <p:cNvPr id="25" name="TextBox 24"/>
+          <p:cNvSpPr txBox="1"/>
+          <p:nvPr/>
+        </p:nvSpPr>
+        <p:spPr>
+          <a:xfrm>
+            <a:off x="8893011" y="2886556"/>
+            <a:ext cx="609600" cy="584776"/>
+          </a:xfrm>
+          <a:prstGeom prst="rect">
+            <a:avLst/>
+          </a:prstGeom>
+        </p:spPr>
+        <p:txBody>
+          <a:bodyPr vert="horz" lIns="91440" tIns="45720" rIns="91440" bIns="45720" rtlCol="0" anchor="ctr">
+            <a:noAutofit/>
+          </a:bodyPr>
+          <a:lstStyle/>
+          <a:p>
+            <a:pPr lvl="0"/>
+            <a:r>
+              <a:rPr lang="en-US" sz="8000" baseline="0" dirty="0">
+                <a:ln w="3175" cmpd="sng">
+                  <a:noFill/>
+                </a:ln>
+                <a:solidFill>
+                  <a:schemeClr val="accent1">
+                    <a:lumMod val="60000"/>
+                    <a:lumOff val="40000"/>
+                  </a:schemeClr>
+                </a:solidFill>
+                <a:effectLst/>
+                <a:latin typeface="Arial"/>
+              </a:rPr>
+              <a:t>”</a:t>
+            </a:r>
+          </a:p>
+        </p:txBody>
+      </p:sp>
+    </p:spTree>
+    <p:extLst>
+      <p:ext uri="{BB962C8B-B14F-4D97-AF65-F5344CB8AC3E}">
+        <p14:creationId xmlns:p14="http://schemas.microsoft.com/office/powerpoint/2010/main" val="719939863"/>
+      </p:ext>
+    </p:extLst>
+  </p:cSld>
+  <p:clrMapOvr>
+    <a:masterClrMapping/>
+  </p:clrMapOvr>
+</p:sldLayout>
+</file>
+
+<file path=ppt/slideLayouts/slideLayout14.xml><?xml version="1.0" encoding="utf-8"?>
+<p:sldLayout xmlns:a="http://schemas.openxmlformats.org/drawingml/2006/main" xmlns:r="http://schemas.openxmlformats.org/officeDocument/2006/relationships" xmlns:p="http://schemas.openxmlformats.org/presentationml/2006/main" preserve="1">
+  <p:cSld name="True or False">
+    <p:spTree>
+      <p:nvGrpSpPr>
+        <p:cNvPr id="1" name=""/>
+        <p:cNvGrpSpPr/>
+        <p:nvPr/>
+      </p:nvGrpSpPr>
+      <p:grpSpPr>
+        <a:xfrm>
+          <a:off x="0" y="0"/>
+          <a:ext cx="0" cy="0"/>
+          <a:chOff x="0" y="0"/>
+          <a:chExt cx="0" cy="0"/>
+        </a:xfrm>
+      </p:grpSpPr>
+      <p:sp>
+        <p:nvSpPr>
+          <p:cNvPr id="2" name="Title 1"/>
+          <p:cNvSpPr>
+            <a:spLocks noGrp="1"/>
+          </p:cNvSpPr>
+          <p:nvPr>
+            <p:ph type="title"/>
+          </p:nvPr>
+        </p:nvSpPr>
+        <p:spPr>
+          <a:xfrm>
+            <a:off x="685799" y="609600"/>
+            <a:ext cx="8588203" cy="3022600"/>
+          </a:xfrm>
+        </p:spPr>
+        <p:txBody>
+          <a:bodyPr anchor="ctr">
+            <a:normAutofit/>
+          </a:bodyPr>
+          <a:lstStyle>
+            <a:lvl1pPr algn="l">
+              <a:defRPr sz="4400" b="0" cap="none"/>
+            </a:lvl1pPr>
+          </a:lstStyle>
+          <a:p>
+            <a:r>
+              <a:rPr lang="en-US"/>
+              <a:t>Click to edit Master title style</a:t>
+            </a:r>
+            <a:endParaRPr lang="en-US" dirty="0"/>
+          </a:p>
+        </p:txBody>
+      </p:sp>
+      <p:sp>
+        <p:nvSpPr>
+          <p:cNvPr id="23" name="Text Placeholder 9"/>
+          <p:cNvSpPr>
+            <a:spLocks noGrp="1"/>
+          </p:cNvSpPr>
+          <p:nvPr>
+            <p:ph type="body" sz="quarter" idx="13"/>
+          </p:nvPr>
+        </p:nvSpPr>
+        <p:spPr>
+          <a:xfrm>
+            <a:off x="677332" y="4013200"/>
+            <a:ext cx="8596669" cy="514248"/>
+          </a:xfrm>
+        </p:spPr>
+        <p:txBody>
+          <a:bodyPr anchor="b">
+            <a:noAutofit/>
+          </a:bodyPr>
+          <a:lstStyle>
+            <a:lvl1pPr marL="0" indent="0">
+              <a:buFontTx/>
+              <a:buNone/>
+              <a:defRPr sz="2400">
+                <a:solidFill>
+                  <a:schemeClr val="accent1"/>
+                </a:solidFill>
+              </a:defRPr>
+            </a:lvl1pPr>
+            <a:lvl2pPr marL="457200" indent="0">
+              <a:buFontTx/>
+              <a:buNone/>
+              <a:defRPr/>
+            </a:lvl2pPr>
+            <a:lvl3pPr marL="914400" indent="0">
+              <a:buFontTx/>
+              <a:buNone/>
+              <a:defRPr/>
+            </a:lvl3pPr>
+            <a:lvl4pPr marL="1371600" indent="0">
+              <a:buFontTx/>
+              <a:buNone/>
+              <a:defRPr/>
+            </a:lvl4pPr>
+            <a:lvl5pPr marL="1828800" indent="0">
+              <a:buFontTx/>
+              <a:buNone/>
+              <a:defRPr/>
+            </a:lvl5pPr>
+          </a:lstStyle>
+          <a:p>
+            <a:pPr lvl="0"/>
+            <a:r>
+              <a:rPr lang="en-US"/>
+              <a:t>Click to edit Master text styles</a:t>
+            </a:r>
+          </a:p>
+        </p:txBody>
+      </p:sp>
+      <p:sp>
+        <p:nvSpPr>
+          <p:cNvPr id="3" name="Text Placeholder 2"/>
+          <p:cNvSpPr>
+            <a:spLocks noGrp="1"/>
+          </p:cNvSpPr>
+          <p:nvPr>
+            <p:ph type="body" idx="1"/>
+          </p:nvPr>
+        </p:nvSpPr>
+        <p:spPr>
+          <a:xfrm>
+            <a:off x="677335" y="4527448"/>
+            <a:ext cx="8596668" cy="1513914"/>
+          </a:xfrm>
+        </p:spPr>
+        <p:txBody>
+          <a:bodyPr anchor="t">
+            <a:normAutofit/>
+          </a:bodyPr>
+          <a:lstStyle>
+            <a:lvl1pPr marL="0" indent="0" algn="l">
+              <a:buNone/>
+              <a:defRPr sz="1800">
+                <a:solidFill>
+                  <a:schemeClr val="tx1">
+                    <a:lumMod val="50000"/>
+                    <a:lumOff val="50000"/>
+                  </a:schemeClr>
+                </a:solidFill>
+              </a:defRPr>
+            </a:lvl1pPr>
+            <a:lvl2pPr marL="457200" indent="0">
+              <a:buNone/>
+              <a:defRPr sz="1800">
+                <a:solidFill>
+                  <a:schemeClr val="tx1">
+                    <a:tint val="75000"/>
+                  </a:schemeClr>
+                </a:solidFill>
+              </a:defRPr>
+            </a:lvl2pPr>
+            <a:lvl3pPr marL="914400" indent="0">
+              <a:buNone/>
+              <a:defRPr sz="1600">
+                <a:solidFill>
+                  <a:schemeClr val="tx1">
+                    <a:tint val="75000"/>
+                  </a:schemeClr>
+                </a:solidFill>
+              </a:defRPr>
+            </a:lvl3pPr>
+            <a:lvl4pPr marL="1371600" indent="0">
+              <a:buNone/>
+              <a:defRPr sz="1400">
+                <a:solidFill>
+                  <a:schemeClr val="tx1">
+                    <a:tint val="75000"/>
+                  </a:schemeClr>
+                </a:solidFill>
+              </a:defRPr>
+            </a:lvl4pPr>
+            <a:lvl5pPr marL="1828800" indent="0">
+              <a:buNone/>
+              <a:defRPr sz="1400">
+                <a:solidFill>
+                  <a:schemeClr val="tx1">
+                    <a:tint val="75000"/>
+                  </a:schemeClr>
+                </a:solidFill>
+              </a:defRPr>
+            </a:lvl5pPr>
+            <a:lvl6pPr marL="2286000" indent="0">
+              <a:buNone/>
+              <a:defRPr sz="1400">
+                <a:solidFill>
+                  <a:schemeClr val="tx1">
+                    <a:tint val="75000"/>
+                  </a:schemeClr>
+                </a:solidFill>
+              </a:defRPr>
+            </a:lvl6pPr>
+            <a:lvl7pPr marL="2743200" indent="0">
+              <a:buNone/>
+              <a:defRPr sz="1400">
+                <a:solidFill>
+                  <a:schemeClr val="tx1">
+                    <a:tint val="75000"/>
+                  </a:schemeClr>
+                </a:solidFill>
+              </a:defRPr>
+            </a:lvl7pPr>
+            <a:lvl8pPr marL="3200400" indent="0">
+              <a:buNone/>
+              <a:defRPr sz="1400">
+                <a:solidFill>
+                  <a:schemeClr val="tx1">
+                    <a:tint val="75000"/>
+                  </a:schemeClr>
+                </a:solidFill>
+              </a:defRPr>
+            </a:lvl8pPr>
+            <a:lvl9pPr marL="3657600" indent="0">
+              <a:buNone/>
+              <a:defRPr sz="1400">
+                <a:solidFill>
+                  <a:schemeClr val="tx1">
+                    <a:tint val="75000"/>
+                  </a:schemeClr>
+                </a:solidFill>
+              </a:defRPr>
+            </a:lvl9pPr>
+          </a:lstStyle>
+          <a:p>
+            <a:pPr lvl="0"/>
+            <a:r>
+              <a:rPr lang="en-US"/>
+              <a:t>Click to edit Master text styles</a:t>
+            </a:r>
+          </a:p>
+        </p:txBody>
+      </p:sp>
+      <p:sp>
+        <p:nvSpPr>
+          <p:cNvPr id="4" name="Date Placeholder 3"/>
+          <p:cNvSpPr>
+            <a:spLocks noGrp="1"/>
+          </p:cNvSpPr>
+          <p:nvPr>
+            <p:ph type="dt" sz="half" idx="10"/>
+          </p:nvPr>
+        </p:nvSpPr>
+        <p:spPr/>
+        <p:txBody>
+          <a:bodyPr/>
+          <a:lstStyle/>
+          <a:p>
+            <a:fld id="{B248FFCC-1DF3-4286-879D-66F92F9DAE99}" type="datetimeFigureOut">
+              <a:rPr lang="en-SG" smtClean="0"/>
+              <a:t>8/8/2023</a:t>
+            </a:fld>
+            <a:endParaRPr lang="en-SG"/>
+          </a:p>
+        </p:txBody>
+      </p:sp>
+      <p:sp>
+        <p:nvSpPr>
+          <p:cNvPr id="5" name="Footer Placeholder 4"/>
+          <p:cNvSpPr>
+            <a:spLocks noGrp="1"/>
+          </p:cNvSpPr>
+          <p:nvPr>
+            <p:ph type="ftr" sz="quarter" idx="11"/>
+          </p:nvPr>
+        </p:nvSpPr>
+        <p:spPr/>
+        <p:txBody>
+          <a:bodyPr/>
+          <a:lstStyle/>
+          <a:p>
+            <a:endParaRPr lang="en-SG"/>
+          </a:p>
+        </p:txBody>
+      </p:sp>
+      <p:sp>
+        <p:nvSpPr>
+          <p:cNvPr id="6" name="Slide Number Placeholder 5"/>
+          <p:cNvSpPr>
+            <a:spLocks noGrp="1"/>
+          </p:cNvSpPr>
+          <p:nvPr>
+            <p:ph type="sldNum" sz="quarter" idx="12"/>
+          </p:nvPr>
+        </p:nvSpPr>
+        <p:spPr/>
+        <p:txBody>
+          <a:bodyPr/>
+          <a:lstStyle/>
+          <a:p>
+            <a:fld id="{69E26A9B-3816-4684-A5B2-6B07B00AEC8A}" type="slidenum">
+              <a:rPr lang="en-SG" smtClean="0"/>
+              <a:t>‹#›</a:t>
+            </a:fld>
+            <a:endParaRPr lang="en-SG"/>
+          </a:p>
+        </p:txBody>
+      </p:sp>
+    </p:spTree>
+    <p:extLst>
+      <p:ext uri="{BB962C8B-B14F-4D97-AF65-F5344CB8AC3E}">
+        <p14:creationId xmlns:p14="http://schemas.microsoft.com/office/powerpoint/2010/main" val="980249253"/>
+      </p:ext>
+    </p:extLst>
+  </p:cSld>
+  <p:clrMapOvr>
+    <a:masterClrMapping/>
+  </p:clrMapOvr>
+</p:sldLayout>
+</file>
+
+<file path=ppt/slideLayouts/slideLayout15.xml><?xml version="1.0" encoding="utf-8"?>
 <p:sldLayout xmlns:a="http://schemas.openxmlformats.org/drawingml/2006/main" xmlns:r="http://schemas.openxmlformats.org/officeDocument/2006/relationships" xmlns:p="http://schemas.openxmlformats.org/presentationml/2006/main" type="vertTx" preserve="1">
   <p:cSld name="Title and Vertical Text">
     <p:spTree>
@@ -360,13 +2534,7 @@
       </p:grpSpPr>
       <p:sp>
         <p:nvSpPr>
-          <p:cNvPr id="2" name="Title 1">
-            <a:extLst>
-              <a:ext uri="{FF2B5EF4-FFF2-40B4-BE49-F238E27FC236}">
-                <a16:creationId xmlns:a16="http://schemas.microsoft.com/office/drawing/2014/main" id="{0034DDD3-A73D-AB58-1EFA-4303A4EA5BDE}"/>
-              </a:ext>
-            </a:extLst>
-          </p:cNvPr>
+          <p:cNvPr id="2" name="Title 1"/>
           <p:cNvSpPr>
             <a:spLocks noGrp="1"/>
           </p:cNvSpPr>
@@ -383,19 +2551,13 @@
               <a:rPr lang="en-US"/>
               <a:t>Click to edit Master title style</a:t>
             </a:r>
-            <a:endParaRPr lang="en-SG"/>
-          </a:p>
-        </p:txBody>
-      </p:sp>
-      <p:sp>
-        <p:nvSpPr>
-          <p:cNvPr id="3" name="Vertical Text Placeholder 2">
-            <a:extLst>
-              <a:ext uri="{FF2B5EF4-FFF2-40B4-BE49-F238E27FC236}">
-                <a16:creationId xmlns:a16="http://schemas.microsoft.com/office/drawing/2014/main" id="{874FE8D1-7EAC-AD30-48D1-32A01F76E472}"/>
-              </a:ext>
-            </a:extLst>
-          </p:cNvPr>
+            <a:endParaRPr lang="en-US" dirty="0"/>
+          </a:p>
+        </p:txBody>
+      </p:sp>
+      <p:sp>
+        <p:nvSpPr>
+          <p:cNvPr id="3" name="Vertical Text Placeholder 2"/>
           <p:cNvSpPr>
             <a:spLocks noGrp="1"/>
           </p:cNvSpPr>
@@ -441,19 +2603,13 @@
               <a:rPr lang="en-US"/>
               <a:t>Fifth level</a:t>
             </a:r>
-            <a:endParaRPr lang="en-SG"/>
-          </a:p>
-        </p:txBody>
-      </p:sp>
-      <p:sp>
-        <p:nvSpPr>
-          <p:cNvPr id="4" name="Date Placeholder 3">
-            <a:extLst>
-              <a:ext uri="{FF2B5EF4-FFF2-40B4-BE49-F238E27FC236}">
-                <a16:creationId xmlns:a16="http://schemas.microsoft.com/office/drawing/2014/main" id="{51ECB435-9328-A6CF-E714-A0809B211C1F}"/>
-              </a:ext>
-            </a:extLst>
-          </p:cNvPr>
+            <a:endParaRPr lang="en-US" dirty="0"/>
+          </a:p>
+        </p:txBody>
+      </p:sp>
+      <p:sp>
+        <p:nvSpPr>
+          <p:cNvPr id="4" name="Date Placeholder 3"/>
           <p:cNvSpPr>
             <a:spLocks noGrp="1"/>
           </p:cNvSpPr>
@@ -476,13 +2632,7 @@
       </p:sp>
       <p:sp>
         <p:nvSpPr>
-          <p:cNvPr id="5" name="Footer Placeholder 4">
-            <a:extLst>
-              <a:ext uri="{FF2B5EF4-FFF2-40B4-BE49-F238E27FC236}">
-                <a16:creationId xmlns:a16="http://schemas.microsoft.com/office/drawing/2014/main" id="{573167A8-AFCD-1CE0-6154-95B46DEFDCD9}"/>
-              </a:ext>
-            </a:extLst>
-          </p:cNvPr>
+          <p:cNvPr id="5" name="Footer Placeholder 4"/>
           <p:cNvSpPr>
             <a:spLocks noGrp="1"/>
           </p:cNvSpPr>
@@ -501,13 +2651,7 @@
       </p:sp>
       <p:sp>
         <p:nvSpPr>
-          <p:cNvPr id="6" name="Slide Number Placeholder 5">
-            <a:extLst>
-              <a:ext uri="{FF2B5EF4-FFF2-40B4-BE49-F238E27FC236}">
-                <a16:creationId xmlns:a16="http://schemas.microsoft.com/office/drawing/2014/main" id="{6B220ADF-6EE3-3D97-DE7A-DC774A5AC659}"/>
-              </a:ext>
-            </a:extLst>
-          </p:cNvPr>
+          <p:cNvPr id="6" name="Slide Number Placeholder 5"/>
           <p:cNvSpPr>
             <a:spLocks noGrp="1"/>
           </p:cNvSpPr>
@@ -531,7 +2675,7 @@
     </p:spTree>
     <p:extLst>
       <p:ext uri="{BB962C8B-B14F-4D97-AF65-F5344CB8AC3E}">
-        <p14:creationId xmlns:p14="http://schemas.microsoft.com/office/powerpoint/2010/main" val="1224889261"/>
+        <p14:creationId xmlns:p14="http://schemas.microsoft.com/office/powerpoint/2010/main" val="3447674458"/>
       </p:ext>
     </p:extLst>
   </p:cSld>
@@ -541,7 +2685,7 @@
 </p:sldLayout>
 </file>
 
-<file path=ppt/slideLayouts/slideLayout11.xml><?xml version="1.0" encoding="utf-8"?>
+<file path=ppt/slideLayouts/slideLayout16.xml><?xml version="1.0" encoding="utf-8"?>
 <p:sldLayout xmlns:a="http://schemas.openxmlformats.org/drawingml/2006/main" xmlns:r="http://schemas.openxmlformats.org/officeDocument/2006/relationships" xmlns:p="http://schemas.openxmlformats.org/presentationml/2006/main" type="vertTitleAndTx" preserve="1">
   <p:cSld name="Vertical Title and Text">
     <p:spTree>
@@ -560,13 +2704,7 @@
       </p:grpSpPr>
       <p:sp>
         <p:nvSpPr>
-          <p:cNvPr id="2" name="Vertical Title 1">
-            <a:extLst>
-              <a:ext uri="{FF2B5EF4-FFF2-40B4-BE49-F238E27FC236}">
-                <a16:creationId xmlns:a16="http://schemas.microsoft.com/office/drawing/2014/main" id="{FDE901F9-0AFB-7101-5A7C-391CD9EDCE60}"/>
-              </a:ext>
-            </a:extLst>
-          </p:cNvPr>
+          <p:cNvPr id="2" name="Vertical Title 1"/>
           <p:cNvSpPr>
             <a:spLocks noGrp="1"/>
           </p:cNvSpPr>
@@ -576,48 +2714,42 @@
         </p:nvSpPr>
         <p:spPr>
           <a:xfrm>
-            <a:off x="8724900" y="365125"/>
-            <a:ext cx="2628900" cy="5811838"/>
+            <a:off x="7967673" y="609599"/>
+            <a:ext cx="1304743" cy="5251451"/>
           </a:xfrm>
         </p:spPr>
         <p:txBody>
+          <a:bodyPr vert="eaVert" anchor="ctr"/>
+          <a:lstStyle/>
+          <a:p>
+            <a:r>
+              <a:rPr lang="en-US"/>
+              <a:t>Click to edit Master title style</a:t>
+            </a:r>
+            <a:endParaRPr lang="en-US" dirty="0"/>
+          </a:p>
+        </p:txBody>
+      </p:sp>
+      <p:sp>
+        <p:nvSpPr>
+          <p:cNvPr id="3" name="Vertical Text Placeholder 2"/>
+          <p:cNvSpPr>
+            <a:spLocks noGrp="1"/>
+          </p:cNvSpPr>
+          <p:nvPr>
+            <p:ph type="body" orient="vert" idx="1"/>
+          </p:nvPr>
+        </p:nvSpPr>
+        <p:spPr>
+          <a:xfrm>
+            <a:off x="677335" y="609600"/>
+            <a:ext cx="7060150" cy="5251450"/>
+          </a:xfrm>
+        </p:spPr>
+        <p:txBody>
           <a:bodyPr vert="eaVert"/>
           <a:lstStyle/>
           <a:p>
-            <a:r>
-              <a:rPr lang="en-US"/>
-              <a:t>Click to edit Master title style</a:t>
-            </a:r>
-            <a:endParaRPr lang="en-SG"/>
-          </a:p>
-        </p:txBody>
-      </p:sp>
-      <p:sp>
-        <p:nvSpPr>
-          <p:cNvPr id="3" name="Vertical Text Placeholder 2">
-            <a:extLst>
-              <a:ext uri="{FF2B5EF4-FFF2-40B4-BE49-F238E27FC236}">
-                <a16:creationId xmlns:a16="http://schemas.microsoft.com/office/drawing/2014/main" id="{AAFF5DE6-EA87-265B-527F-FF8F533D932B}"/>
-              </a:ext>
-            </a:extLst>
-          </p:cNvPr>
-          <p:cNvSpPr>
-            <a:spLocks noGrp="1"/>
-          </p:cNvSpPr>
-          <p:nvPr>
-            <p:ph type="body" orient="vert" idx="1"/>
-          </p:nvPr>
-        </p:nvSpPr>
-        <p:spPr>
-          <a:xfrm>
-            <a:off x="838200" y="365125"/>
-            <a:ext cx="7734300" cy="5811838"/>
-          </a:xfrm>
-        </p:spPr>
-        <p:txBody>
-          <a:bodyPr vert="eaVert"/>
-          <a:lstStyle/>
-          <a:p>
             <a:pPr lvl="0"/>
             <a:r>
               <a:rPr lang="en-US"/>
@@ -651,19 +2783,13 @@
               <a:rPr lang="en-US"/>
               <a:t>Fifth level</a:t>
             </a:r>
-            <a:endParaRPr lang="en-SG"/>
-          </a:p>
-        </p:txBody>
-      </p:sp>
-      <p:sp>
-        <p:nvSpPr>
-          <p:cNvPr id="4" name="Date Placeholder 3">
-            <a:extLst>
-              <a:ext uri="{FF2B5EF4-FFF2-40B4-BE49-F238E27FC236}">
-                <a16:creationId xmlns:a16="http://schemas.microsoft.com/office/drawing/2014/main" id="{F48D7CBA-36AB-8D1B-1AC0-18404C03C2AA}"/>
-              </a:ext>
-            </a:extLst>
-          </p:cNvPr>
+            <a:endParaRPr lang="en-US" dirty="0"/>
+          </a:p>
+        </p:txBody>
+      </p:sp>
+      <p:sp>
+        <p:nvSpPr>
+          <p:cNvPr id="4" name="Date Placeholder 3"/>
           <p:cNvSpPr>
             <a:spLocks noGrp="1"/>
           </p:cNvSpPr>
@@ -686,13 +2812,7 @@
       </p:sp>
       <p:sp>
         <p:nvSpPr>
-          <p:cNvPr id="5" name="Footer Placeholder 4">
-            <a:extLst>
-              <a:ext uri="{FF2B5EF4-FFF2-40B4-BE49-F238E27FC236}">
-                <a16:creationId xmlns:a16="http://schemas.microsoft.com/office/drawing/2014/main" id="{5E3465EC-DC07-2EFF-2629-E8F66D269692}"/>
-              </a:ext>
-            </a:extLst>
-          </p:cNvPr>
+          <p:cNvPr id="5" name="Footer Placeholder 4"/>
           <p:cNvSpPr>
             <a:spLocks noGrp="1"/>
           </p:cNvSpPr>
@@ -711,13 +2831,7 @@
       </p:sp>
       <p:sp>
         <p:nvSpPr>
-          <p:cNvPr id="6" name="Slide Number Placeholder 5">
-            <a:extLst>
-              <a:ext uri="{FF2B5EF4-FFF2-40B4-BE49-F238E27FC236}">
-                <a16:creationId xmlns:a16="http://schemas.microsoft.com/office/drawing/2014/main" id="{EE3904EC-9997-79F5-BD86-36AD04F42234}"/>
-              </a:ext>
-            </a:extLst>
-          </p:cNvPr>
+          <p:cNvPr id="6" name="Slide Number Placeholder 5"/>
           <p:cNvSpPr>
             <a:spLocks noGrp="1"/>
           </p:cNvSpPr>
@@ -741,7 +2855,7 @@
     </p:spTree>
     <p:extLst>
       <p:ext uri="{BB962C8B-B14F-4D97-AF65-F5344CB8AC3E}">
-        <p14:creationId xmlns:p14="http://schemas.microsoft.com/office/powerpoint/2010/main" val="602006420"/>
+        <p14:creationId xmlns:p14="http://schemas.microsoft.com/office/powerpoint/2010/main" val="2026346684"/>
       </p:ext>
     </p:extLst>
   </p:cSld>
@@ -770,18 +2884,41 @@
       </p:grpSpPr>
       <p:sp>
         <p:nvSpPr>
-          <p:cNvPr id="2" name="Title 1">
-            <a:extLst>
-              <a:ext uri="{FF2B5EF4-FFF2-40B4-BE49-F238E27FC236}">
-                <a16:creationId xmlns:a16="http://schemas.microsoft.com/office/drawing/2014/main" id="{231235F8-5ECC-C6D5-4D7A-7F9AE144CABE}"/>
-              </a:ext>
-            </a:extLst>
-          </p:cNvPr>
+          <p:cNvPr id="2" name="Title 1"/>
           <p:cNvSpPr>
             <a:spLocks noGrp="1"/>
           </p:cNvSpPr>
           <p:nvPr>
             <p:ph type="title"/>
+          </p:nvPr>
+        </p:nvSpPr>
+        <p:spPr/>
+        <p:txBody>
+          <a:bodyPr>
+            <a:normAutofit/>
+          </a:bodyPr>
+          <a:lstStyle>
+            <a:lvl1pPr>
+              <a:defRPr sz="3600"/>
+            </a:lvl1pPr>
+          </a:lstStyle>
+          <a:p>
+            <a:r>
+              <a:rPr lang="en-US"/>
+              <a:t>Click to edit Master title style</a:t>
+            </a:r>
+            <a:endParaRPr lang="en-US" dirty="0"/>
+          </a:p>
+        </p:txBody>
+      </p:sp>
+      <p:sp>
+        <p:nvSpPr>
+          <p:cNvPr id="3" name="Content Placeholder 2"/>
+          <p:cNvSpPr>
+            <a:spLocks noGrp="1"/>
+          </p:cNvSpPr>
+          <p:nvPr>
+            <p:ph idx="1"/>
           </p:nvPr>
         </p:nvSpPr>
         <p:spPr/>
@@ -789,35 +2926,6 @@
           <a:bodyPr/>
           <a:lstStyle/>
           <a:p>
-            <a:r>
-              <a:rPr lang="en-US"/>
-              <a:t>Click to edit Master title style</a:t>
-            </a:r>
-            <a:endParaRPr lang="en-SG"/>
-          </a:p>
-        </p:txBody>
-      </p:sp>
-      <p:sp>
-        <p:nvSpPr>
-          <p:cNvPr id="3" name="Content Placeholder 2">
-            <a:extLst>
-              <a:ext uri="{FF2B5EF4-FFF2-40B4-BE49-F238E27FC236}">
-                <a16:creationId xmlns:a16="http://schemas.microsoft.com/office/drawing/2014/main" id="{FD68B7D3-7C3F-5FA2-0A98-C2A0669BECE3}"/>
-              </a:ext>
-            </a:extLst>
-          </p:cNvPr>
-          <p:cNvSpPr>
-            <a:spLocks noGrp="1"/>
-          </p:cNvSpPr>
-          <p:nvPr>
-            <p:ph idx="1"/>
-          </p:nvPr>
-        </p:nvSpPr>
-        <p:spPr/>
-        <p:txBody>
-          <a:bodyPr/>
-          <a:lstStyle/>
-          <a:p>
             <a:pPr lvl="0"/>
             <a:r>
               <a:rPr lang="en-US"/>
@@ -851,19 +2959,13 @@
               <a:rPr lang="en-US"/>
               <a:t>Fifth level</a:t>
             </a:r>
-            <a:endParaRPr lang="en-SG"/>
-          </a:p>
-        </p:txBody>
-      </p:sp>
-      <p:sp>
-        <p:nvSpPr>
-          <p:cNvPr id="4" name="Date Placeholder 3">
-            <a:extLst>
-              <a:ext uri="{FF2B5EF4-FFF2-40B4-BE49-F238E27FC236}">
-                <a16:creationId xmlns:a16="http://schemas.microsoft.com/office/drawing/2014/main" id="{11A24FFD-55E2-C062-C0BA-3B71BEAA4FAF}"/>
-              </a:ext>
-            </a:extLst>
-          </p:cNvPr>
+            <a:endParaRPr lang="en-US" dirty="0"/>
+          </a:p>
+        </p:txBody>
+      </p:sp>
+      <p:sp>
+        <p:nvSpPr>
+          <p:cNvPr id="4" name="Date Placeholder 3"/>
           <p:cNvSpPr>
             <a:spLocks noGrp="1"/>
           </p:cNvSpPr>
@@ -886,13 +2988,7 @@
       </p:sp>
       <p:sp>
         <p:nvSpPr>
-          <p:cNvPr id="5" name="Footer Placeholder 4">
-            <a:extLst>
-              <a:ext uri="{FF2B5EF4-FFF2-40B4-BE49-F238E27FC236}">
-                <a16:creationId xmlns:a16="http://schemas.microsoft.com/office/drawing/2014/main" id="{BC3FE495-8958-509E-064E-0335F444F65F}"/>
-              </a:ext>
-            </a:extLst>
-          </p:cNvPr>
+          <p:cNvPr id="5" name="Footer Placeholder 4"/>
           <p:cNvSpPr>
             <a:spLocks noGrp="1"/>
           </p:cNvSpPr>
@@ -911,13 +3007,7 @@
       </p:sp>
       <p:sp>
         <p:nvSpPr>
-          <p:cNvPr id="6" name="Slide Number Placeholder 5">
-            <a:extLst>
-              <a:ext uri="{FF2B5EF4-FFF2-40B4-BE49-F238E27FC236}">
-                <a16:creationId xmlns:a16="http://schemas.microsoft.com/office/drawing/2014/main" id="{A3F4BA2A-54B8-A728-172F-45F243A98D20}"/>
-              </a:ext>
-            </a:extLst>
-          </p:cNvPr>
+          <p:cNvPr id="6" name="Slide Number Placeholder 5"/>
           <p:cNvSpPr>
             <a:spLocks noGrp="1"/>
           </p:cNvSpPr>
@@ -941,7 +3031,7 @@
     </p:spTree>
     <p:extLst>
       <p:ext uri="{BB962C8B-B14F-4D97-AF65-F5344CB8AC3E}">
-        <p14:creationId xmlns:p14="http://schemas.microsoft.com/office/powerpoint/2010/main" val="1191947979"/>
+        <p14:creationId xmlns:p14="http://schemas.microsoft.com/office/powerpoint/2010/main" val="809834222"/>
       </p:ext>
     </p:extLst>
   </p:cSld>
@@ -970,13 +3060,7 @@
       </p:grpSpPr>
       <p:sp>
         <p:nvSpPr>
-          <p:cNvPr id="2" name="Title 1">
-            <a:extLst>
-              <a:ext uri="{FF2B5EF4-FFF2-40B4-BE49-F238E27FC236}">
-                <a16:creationId xmlns:a16="http://schemas.microsoft.com/office/drawing/2014/main" id="{17125487-DAAF-E369-D394-1AD59CF58500}"/>
-              </a:ext>
-            </a:extLst>
-          </p:cNvPr>
+          <p:cNvPr id="2" name="Title 1"/>
           <p:cNvSpPr>
             <a:spLocks noGrp="1"/>
           </p:cNvSpPr>
@@ -986,15 +3070,15 @@
         </p:nvSpPr>
         <p:spPr>
           <a:xfrm>
-            <a:off x="831850" y="1709738"/>
-            <a:ext cx="10515600" cy="2852737"/>
+            <a:off x="677335" y="2700867"/>
+            <a:ext cx="8596668" cy="1826581"/>
           </a:xfrm>
         </p:spPr>
         <p:txBody>
           <a:bodyPr anchor="b"/>
           <a:lstStyle>
-            <a:lvl1pPr>
-              <a:defRPr sz="6000"/>
+            <a:lvl1pPr algn="l">
+              <a:defRPr sz="4000" b="0" cap="none"/>
             </a:lvl1pPr>
           </a:lstStyle>
           <a:p>
@@ -1002,19 +3086,13 @@
               <a:rPr lang="en-US"/>
               <a:t>Click to edit Master title style</a:t>
             </a:r>
-            <a:endParaRPr lang="en-SG"/>
-          </a:p>
-        </p:txBody>
-      </p:sp>
-      <p:sp>
-        <p:nvSpPr>
-          <p:cNvPr id="3" name="Text Placeholder 2">
-            <a:extLst>
-              <a:ext uri="{FF2B5EF4-FFF2-40B4-BE49-F238E27FC236}">
-                <a16:creationId xmlns:a16="http://schemas.microsoft.com/office/drawing/2014/main" id="{DB6B494F-8B25-D050-E79E-92C2297E8CF3}"/>
-              </a:ext>
-            </a:extLst>
-          </p:cNvPr>
+            <a:endParaRPr lang="en-US" dirty="0"/>
+          </a:p>
+        </p:txBody>
+      </p:sp>
+      <p:sp>
+        <p:nvSpPr>
+          <p:cNvPr id="3" name="Text Placeholder 2"/>
           <p:cNvSpPr>
             <a:spLocks noGrp="1"/>
           </p:cNvSpPr>
@@ -1024,102 +3102,103 @@
         </p:nvSpPr>
         <p:spPr>
           <a:xfrm>
-            <a:off x="831850" y="4589463"/>
-            <a:ext cx="10515600" cy="1500187"/>
+            <a:off x="677335" y="4527448"/>
+            <a:ext cx="8596668" cy="860400"/>
           </a:xfrm>
         </p:spPr>
         <p:txBody>
-          <a:bodyPr/>
+          <a:bodyPr anchor="t"/>
           <a:lstStyle>
-            <a:lvl1pPr marL="0" indent="0">
-              <a:buNone/>
-              <a:defRPr sz="2400">
+            <a:lvl1pPr marL="0" indent="0" algn="l">
+              <a:buNone/>
+              <a:defRPr sz="2000">
+                <a:solidFill>
+                  <a:schemeClr val="tx1">
+                    <a:lumMod val="50000"/>
+                    <a:lumOff val="50000"/>
+                  </a:schemeClr>
+                </a:solidFill>
+              </a:defRPr>
+            </a:lvl1pPr>
+            <a:lvl2pPr marL="457200" indent="0">
+              <a:buNone/>
+              <a:defRPr sz="1800">
                 <a:solidFill>
                   <a:schemeClr val="tx1">
                     <a:tint val="75000"/>
                   </a:schemeClr>
                 </a:solidFill>
               </a:defRPr>
-            </a:lvl1pPr>
-            <a:lvl2pPr marL="457200" indent="0">
-              <a:buNone/>
-              <a:defRPr sz="2000">
+            </a:lvl2pPr>
+            <a:lvl3pPr marL="914400" indent="0">
+              <a:buNone/>
+              <a:defRPr sz="1600">
                 <a:solidFill>
                   <a:schemeClr val="tx1">
                     <a:tint val="75000"/>
                   </a:schemeClr>
                 </a:solidFill>
               </a:defRPr>
-            </a:lvl2pPr>
-            <a:lvl3pPr marL="914400" indent="0">
-              <a:buNone/>
-              <a:defRPr sz="1800">
+            </a:lvl3pPr>
+            <a:lvl4pPr marL="1371600" indent="0">
+              <a:buNone/>
+              <a:defRPr sz="1400">
                 <a:solidFill>
                   <a:schemeClr val="tx1">
                     <a:tint val="75000"/>
                   </a:schemeClr>
                 </a:solidFill>
               </a:defRPr>
-            </a:lvl3pPr>
-            <a:lvl4pPr marL="1371600" indent="0">
-              <a:buNone/>
-              <a:defRPr sz="1600">
+            </a:lvl4pPr>
+            <a:lvl5pPr marL="1828800" indent="0">
+              <a:buNone/>
+              <a:defRPr sz="1400">
                 <a:solidFill>
                   <a:schemeClr val="tx1">
                     <a:tint val="75000"/>
                   </a:schemeClr>
                 </a:solidFill>
               </a:defRPr>
-            </a:lvl4pPr>
-            <a:lvl5pPr marL="1828800" indent="0">
-              <a:buNone/>
-              <a:defRPr sz="1600">
+            </a:lvl5pPr>
+            <a:lvl6pPr marL="2286000" indent="0">
+              <a:buNone/>
+              <a:defRPr sz="1400">
                 <a:solidFill>
                   <a:schemeClr val="tx1">
                     <a:tint val="75000"/>
                   </a:schemeClr>
                 </a:solidFill>
               </a:defRPr>
-            </a:lvl5pPr>
-            <a:lvl6pPr marL="2286000" indent="0">
-              <a:buNone/>
-              <a:defRPr sz="1600">
+            </a:lvl6pPr>
+            <a:lvl7pPr marL="2743200" indent="0">
+              <a:buNone/>
+              <a:defRPr sz="1400">
                 <a:solidFill>
                   <a:schemeClr val="tx1">
                     <a:tint val="75000"/>
                   </a:schemeClr>
                 </a:solidFill>
               </a:defRPr>
-            </a:lvl6pPr>
-            <a:lvl7pPr marL="2743200" indent="0">
-              <a:buNone/>
-              <a:defRPr sz="1600">
+            </a:lvl7pPr>
+            <a:lvl8pPr marL="3200400" indent="0">
+              <a:buNone/>
+              <a:defRPr sz="1400">
                 <a:solidFill>
                   <a:schemeClr val="tx1">
                     <a:tint val="75000"/>
                   </a:schemeClr>
                 </a:solidFill>
               </a:defRPr>
-            </a:lvl7pPr>
-            <a:lvl8pPr marL="3200400" indent="0">
-              <a:buNone/>
-              <a:defRPr sz="1600">
+            </a:lvl8pPr>
+            <a:lvl9pPr marL="3657600" indent="0">
+              <a:buNone/>
+              <a:defRPr sz="1400">
                 <a:solidFill>
                   <a:schemeClr val="tx1">
                     <a:tint val="75000"/>
                   </a:schemeClr>
                 </a:solidFill>
               </a:defRPr>
-            </a:lvl8pPr>
-            <a:lvl9pPr marL="3657600" indent="0">
-              <a:buNone/>
-              <a:defRPr sz="1600">
-                <a:solidFill>
-                  <a:schemeClr val="tx1">
-                    <a:tint val="75000"/>
-                  </a:schemeClr>
-                </a:solidFill>
-              </a:defRPr>
             </a:lvl9pPr>
           </a:lstStyle>
           <a:p>
@@ -1133,13 +3212,7 @@
       </p:sp>
       <p:sp>
         <p:nvSpPr>
-          <p:cNvPr id="4" name="Date Placeholder 3">
-            <a:extLst>
-              <a:ext uri="{FF2B5EF4-FFF2-40B4-BE49-F238E27FC236}">
-                <a16:creationId xmlns:a16="http://schemas.microsoft.com/office/drawing/2014/main" id="{D0EB3484-3B4F-F1A8-D0C4-9EB7A655FF6A}"/>
-              </a:ext>
-            </a:extLst>
-          </p:cNvPr>
+          <p:cNvPr id="4" name="Date Placeholder 3"/>
           <p:cNvSpPr>
             <a:spLocks noGrp="1"/>
           </p:cNvSpPr>
@@ -1162,13 +3235,7 @@
       </p:sp>
       <p:sp>
         <p:nvSpPr>
-          <p:cNvPr id="5" name="Footer Placeholder 4">
-            <a:extLst>
-              <a:ext uri="{FF2B5EF4-FFF2-40B4-BE49-F238E27FC236}">
-                <a16:creationId xmlns:a16="http://schemas.microsoft.com/office/drawing/2014/main" id="{AD046016-F4AA-3C29-CADF-E1AD09AF4A24}"/>
-              </a:ext>
-            </a:extLst>
-          </p:cNvPr>
+          <p:cNvPr id="5" name="Footer Placeholder 4"/>
           <p:cNvSpPr>
             <a:spLocks noGrp="1"/>
           </p:cNvSpPr>
@@ -1187,13 +3254,7 @@
       </p:sp>
       <p:sp>
         <p:nvSpPr>
-          <p:cNvPr id="6" name="Slide Number Placeholder 5">
-            <a:extLst>
-              <a:ext uri="{FF2B5EF4-FFF2-40B4-BE49-F238E27FC236}">
-                <a16:creationId xmlns:a16="http://schemas.microsoft.com/office/drawing/2014/main" id="{40E336D1-DE71-A9DA-D72E-A0CF02B0410D}"/>
-              </a:ext>
-            </a:extLst>
-          </p:cNvPr>
+          <p:cNvPr id="6" name="Slide Number Placeholder 5"/>
           <p:cNvSpPr>
             <a:spLocks noGrp="1"/>
           </p:cNvSpPr>
@@ -1217,7 +3278,7 @@
     </p:spTree>
     <p:extLst>
       <p:ext uri="{BB962C8B-B14F-4D97-AF65-F5344CB8AC3E}">
-        <p14:creationId xmlns:p14="http://schemas.microsoft.com/office/powerpoint/2010/main" val="3417029300"/>
+        <p14:creationId xmlns:p14="http://schemas.microsoft.com/office/powerpoint/2010/main" val="3371371209"/>
       </p:ext>
     </p:extLst>
   </p:cSld>
@@ -1246,13 +3307,7 @@
       </p:grpSpPr>
       <p:sp>
         <p:nvSpPr>
-          <p:cNvPr id="2" name="Title 1">
-            <a:extLst>
-              <a:ext uri="{FF2B5EF4-FFF2-40B4-BE49-F238E27FC236}">
-                <a16:creationId xmlns:a16="http://schemas.microsoft.com/office/drawing/2014/main" id="{97A563CA-BD9D-5EFD-D96F-5E990E95B702}"/>
-              </a:ext>
-            </a:extLst>
-          </p:cNvPr>
+          <p:cNvPr id="2" name="Title 1"/>
           <p:cNvSpPr>
             <a:spLocks noGrp="1"/>
           </p:cNvSpPr>
@@ -1269,19 +3324,13 @@
               <a:rPr lang="en-US"/>
               <a:t>Click to edit Master title style</a:t>
             </a:r>
-            <a:endParaRPr lang="en-SG"/>
-          </a:p>
-        </p:txBody>
-      </p:sp>
-      <p:sp>
-        <p:nvSpPr>
-          <p:cNvPr id="3" name="Content Placeholder 2">
-            <a:extLst>
-              <a:ext uri="{FF2B5EF4-FFF2-40B4-BE49-F238E27FC236}">
-                <a16:creationId xmlns:a16="http://schemas.microsoft.com/office/drawing/2014/main" id="{2C5A55FA-9FEA-1696-36A6-0778151433EC}"/>
-              </a:ext>
-            </a:extLst>
-          </p:cNvPr>
+            <a:endParaRPr lang="en-US" dirty="0"/>
+          </a:p>
+        </p:txBody>
+      </p:sp>
+      <p:sp>
+        <p:nvSpPr>
+          <p:cNvPr id="3" name="Content Placeholder 2"/>
           <p:cNvSpPr>
             <a:spLocks noGrp="1"/>
           </p:cNvSpPr>
@@ -1291,8 +3340,8 @@
         </p:nvSpPr>
         <p:spPr>
           <a:xfrm>
-            <a:off x="838200" y="1825625"/>
-            <a:ext cx="5181600" cy="4351338"/>
+            <a:off x="677334" y="2160589"/>
+            <a:ext cx="4184035" cy="3880772"/>
           </a:xfrm>
         </p:spPr>
         <p:txBody>
@@ -1332,19 +3381,13 @@
               <a:rPr lang="en-US"/>
               <a:t>Fifth level</a:t>
             </a:r>
-            <a:endParaRPr lang="en-SG"/>
-          </a:p>
-        </p:txBody>
-      </p:sp>
-      <p:sp>
-        <p:nvSpPr>
-          <p:cNvPr id="4" name="Content Placeholder 3">
-            <a:extLst>
-              <a:ext uri="{FF2B5EF4-FFF2-40B4-BE49-F238E27FC236}">
-                <a16:creationId xmlns:a16="http://schemas.microsoft.com/office/drawing/2014/main" id="{F5479FAF-AE06-A8AE-9985-DCD3977FABBA}"/>
-              </a:ext>
-            </a:extLst>
-          </p:cNvPr>
+            <a:endParaRPr lang="en-US" dirty="0"/>
+          </a:p>
+        </p:txBody>
+      </p:sp>
+      <p:sp>
+        <p:nvSpPr>
+          <p:cNvPr id="4" name="Content Placeholder 3"/>
           <p:cNvSpPr>
             <a:spLocks noGrp="1"/>
           </p:cNvSpPr>
@@ -1354,8 +3397,8 @@
         </p:nvSpPr>
         <p:spPr>
           <a:xfrm>
-            <a:off x="6172200" y="1825625"/>
-            <a:ext cx="5181600" cy="4351338"/>
+            <a:off x="5089970" y="2160589"/>
+            <a:ext cx="4184034" cy="3880773"/>
           </a:xfrm>
         </p:spPr>
         <p:txBody>
@@ -1395,19 +3438,13 @@
               <a:rPr lang="en-US"/>
               <a:t>Fifth level</a:t>
             </a:r>
-            <a:endParaRPr lang="en-SG"/>
-          </a:p>
-        </p:txBody>
-      </p:sp>
-      <p:sp>
-        <p:nvSpPr>
-          <p:cNvPr id="5" name="Date Placeholder 4">
-            <a:extLst>
-              <a:ext uri="{FF2B5EF4-FFF2-40B4-BE49-F238E27FC236}">
-                <a16:creationId xmlns:a16="http://schemas.microsoft.com/office/drawing/2014/main" id="{767A5464-1855-0FD8-DF4F-650088AFBC9F}"/>
-              </a:ext>
-            </a:extLst>
-          </p:cNvPr>
+            <a:endParaRPr lang="en-US" dirty="0"/>
+          </a:p>
+        </p:txBody>
+      </p:sp>
+      <p:sp>
+        <p:nvSpPr>
+          <p:cNvPr id="5" name="Date Placeholder 4"/>
           <p:cNvSpPr>
             <a:spLocks noGrp="1"/>
           </p:cNvSpPr>
@@ -1430,13 +3467,7 @@
       </p:sp>
       <p:sp>
         <p:nvSpPr>
-          <p:cNvPr id="6" name="Footer Placeholder 5">
-            <a:extLst>
-              <a:ext uri="{FF2B5EF4-FFF2-40B4-BE49-F238E27FC236}">
-                <a16:creationId xmlns:a16="http://schemas.microsoft.com/office/drawing/2014/main" id="{5E2726DE-F143-F644-AA3E-F40C4A20491F}"/>
-              </a:ext>
-            </a:extLst>
-          </p:cNvPr>
+          <p:cNvPr id="6" name="Footer Placeholder 5"/>
           <p:cNvSpPr>
             <a:spLocks noGrp="1"/>
           </p:cNvSpPr>
@@ -1455,13 +3486,7 @@
       </p:sp>
       <p:sp>
         <p:nvSpPr>
-          <p:cNvPr id="7" name="Slide Number Placeholder 6">
-            <a:extLst>
-              <a:ext uri="{FF2B5EF4-FFF2-40B4-BE49-F238E27FC236}">
-                <a16:creationId xmlns:a16="http://schemas.microsoft.com/office/drawing/2014/main" id="{6FFFD5AE-2B92-B79C-A6C6-E7F4A909A1C8}"/>
-              </a:ext>
-            </a:extLst>
-          </p:cNvPr>
+          <p:cNvPr id="7" name="Slide Number Placeholder 6"/>
           <p:cNvSpPr>
             <a:spLocks noGrp="1"/>
           </p:cNvSpPr>
@@ -1485,7 +3510,7 @@
     </p:spTree>
     <p:extLst>
       <p:ext uri="{BB962C8B-B14F-4D97-AF65-F5344CB8AC3E}">
-        <p14:creationId xmlns:p14="http://schemas.microsoft.com/office/powerpoint/2010/main" val="1106190228"/>
+        <p14:creationId xmlns:p14="http://schemas.microsoft.com/office/powerpoint/2010/main" val="1321014019"/>
       </p:ext>
     </p:extLst>
   </p:cSld>
@@ -1514,66 +3539,55 @@
       </p:grpSpPr>
       <p:sp>
         <p:nvSpPr>
-          <p:cNvPr id="2" name="Title 1">
-            <a:extLst>
-              <a:ext uri="{FF2B5EF4-FFF2-40B4-BE49-F238E27FC236}">
-                <a16:creationId xmlns:a16="http://schemas.microsoft.com/office/drawing/2014/main" id="{C8480F7A-CE58-291C-F3FC-4D92EECA3073}"/>
-              </a:ext>
-            </a:extLst>
-          </p:cNvPr>
+          <p:cNvPr id="2" name="Title 1"/>
           <p:cNvSpPr>
             <a:spLocks noGrp="1"/>
           </p:cNvSpPr>
           <p:nvPr>
             <p:ph type="title"/>
+          </p:nvPr>
+        </p:nvSpPr>
+        <p:spPr/>
+        <p:txBody>
+          <a:bodyPr/>
+          <a:lstStyle>
+            <a:lvl1pPr>
+              <a:defRPr/>
+            </a:lvl1pPr>
+          </a:lstStyle>
+          <a:p>
+            <a:r>
+              <a:rPr lang="en-US"/>
+              <a:t>Click to edit Master title style</a:t>
+            </a:r>
+            <a:endParaRPr lang="en-US" dirty="0"/>
+          </a:p>
+        </p:txBody>
+      </p:sp>
+      <p:sp>
+        <p:nvSpPr>
+          <p:cNvPr id="3" name="Text Placeholder 2"/>
+          <p:cNvSpPr>
+            <a:spLocks noGrp="1"/>
+          </p:cNvSpPr>
+          <p:nvPr>
+            <p:ph type="body" idx="1"/>
           </p:nvPr>
         </p:nvSpPr>
         <p:spPr>
           <a:xfrm>
-            <a:off x="839788" y="365125"/>
-            <a:ext cx="10515600" cy="1325563"/>
+            <a:off x="675745" y="2160983"/>
+            <a:ext cx="4185623" cy="576262"/>
           </a:xfrm>
         </p:spPr>
         <p:txBody>
-          <a:bodyPr/>
-          <a:lstStyle/>
-          <a:p>
-            <a:r>
-              <a:rPr lang="en-US"/>
-              <a:t>Click to edit Master title style</a:t>
-            </a:r>
-            <a:endParaRPr lang="en-SG"/>
-          </a:p>
-        </p:txBody>
-      </p:sp>
-      <p:sp>
-        <p:nvSpPr>
-          <p:cNvPr id="3" name="Text Placeholder 2">
-            <a:extLst>
-              <a:ext uri="{FF2B5EF4-FFF2-40B4-BE49-F238E27FC236}">
-                <a16:creationId xmlns:a16="http://schemas.microsoft.com/office/drawing/2014/main" id="{8D0514BB-3F5E-68C4-573C-4D717E5B2969}"/>
-              </a:ext>
-            </a:extLst>
-          </p:cNvPr>
-          <p:cNvSpPr>
-            <a:spLocks noGrp="1"/>
-          </p:cNvSpPr>
-          <p:nvPr>
-            <p:ph type="body" idx="1"/>
-          </p:nvPr>
-        </p:nvSpPr>
-        <p:spPr>
-          <a:xfrm>
-            <a:off x="839788" y="1681163"/>
-            <a:ext cx="5157787" cy="823912"/>
-          </a:xfrm>
-        </p:spPr>
-        <p:txBody>
-          <a:bodyPr anchor="b"/>
+          <a:bodyPr anchor="b">
+            <a:noAutofit/>
+          </a:bodyPr>
           <a:lstStyle>
             <a:lvl1pPr marL="0" indent="0">
               <a:buNone/>
-              <a:defRPr sz="2400" b="1"/>
+              <a:defRPr sz="2400" b="0"/>
             </a:lvl1pPr>
             <a:lvl2pPr marL="457200" indent="0">
               <a:buNone/>
@@ -1619,13 +3633,7 @@
       </p:sp>
       <p:sp>
         <p:nvSpPr>
-          <p:cNvPr id="4" name="Content Placeholder 3">
-            <a:extLst>
-              <a:ext uri="{FF2B5EF4-FFF2-40B4-BE49-F238E27FC236}">
-                <a16:creationId xmlns:a16="http://schemas.microsoft.com/office/drawing/2014/main" id="{F81CED7E-8FFA-90F7-2D15-6DDF290B0B8C}"/>
-              </a:ext>
-            </a:extLst>
-          </p:cNvPr>
+          <p:cNvPr id="4" name="Content Placeholder 3"/>
           <p:cNvSpPr>
             <a:spLocks noGrp="1"/>
           </p:cNvSpPr>
@@ -1635,12 +3643,14 @@
         </p:nvSpPr>
         <p:spPr>
           <a:xfrm>
-            <a:off x="839788" y="2505075"/>
-            <a:ext cx="5157787" cy="3684588"/>
+            <a:off x="675745" y="2737245"/>
+            <a:ext cx="4185623" cy="3304117"/>
           </a:xfrm>
         </p:spPr>
         <p:txBody>
-          <a:bodyPr/>
+          <a:bodyPr>
+            <a:normAutofit/>
+          </a:bodyPr>
           <a:lstStyle/>
           <a:p>
             <a:pPr lvl="0"/>
@@ -1676,19 +3686,13 @@
               <a:rPr lang="en-US"/>
               <a:t>Fifth level</a:t>
             </a:r>
-            <a:endParaRPr lang="en-SG"/>
-          </a:p>
-        </p:txBody>
-      </p:sp>
-      <p:sp>
-        <p:nvSpPr>
-          <p:cNvPr id="5" name="Text Placeholder 4">
-            <a:extLst>
-              <a:ext uri="{FF2B5EF4-FFF2-40B4-BE49-F238E27FC236}">
-                <a16:creationId xmlns:a16="http://schemas.microsoft.com/office/drawing/2014/main" id="{CC56826E-908E-6053-C5DD-08E1FA662061}"/>
-              </a:ext>
-            </a:extLst>
-          </p:cNvPr>
+            <a:endParaRPr lang="en-US" dirty="0"/>
+          </a:p>
+        </p:txBody>
+      </p:sp>
+      <p:sp>
+        <p:nvSpPr>
+          <p:cNvPr id="5" name="Text Placeholder 4"/>
           <p:cNvSpPr>
             <a:spLocks noGrp="1"/>
           </p:cNvSpPr>
@@ -1698,16 +3702,18 @@
         </p:nvSpPr>
         <p:spPr>
           <a:xfrm>
-            <a:off x="6172200" y="1681163"/>
-            <a:ext cx="5183188" cy="823912"/>
+            <a:off x="5088383" y="2160983"/>
+            <a:ext cx="4185618" cy="576262"/>
           </a:xfrm>
         </p:spPr>
         <p:txBody>
-          <a:bodyPr anchor="b"/>
+          <a:bodyPr anchor="b">
+            <a:noAutofit/>
+          </a:bodyPr>
           <a:lstStyle>
             <a:lvl1pPr marL="0" indent="0">
               <a:buNone/>
-              <a:defRPr sz="2400" b="1"/>
+              <a:defRPr sz="2400" b="0"/>
             </a:lvl1pPr>
             <a:lvl2pPr marL="457200" indent="0">
               <a:buNone/>
@@ -1753,13 +3759,7 @@
       </p:sp>
       <p:sp>
         <p:nvSpPr>
-          <p:cNvPr id="6" name="Content Placeholder 5">
-            <a:extLst>
-              <a:ext uri="{FF2B5EF4-FFF2-40B4-BE49-F238E27FC236}">
-                <a16:creationId xmlns:a16="http://schemas.microsoft.com/office/drawing/2014/main" id="{603CC815-9CAF-7AD3-B770-C797E142E859}"/>
-              </a:ext>
-            </a:extLst>
-          </p:cNvPr>
+          <p:cNvPr id="6" name="Content Placeholder 5"/>
           <p:cNvSpPr>
             <a:spLocks noGrp="1"/>
           </p:cNvSpPr>
@@ -1769,12 +3769,14 @@
         </p:nvSpPr>
         <p:spPr>
           <a:xfrm>
-            <a:off x="6172200" y="2505075"/>
-            <a:ext cx="5183188" cy="3684588"/>
+            <a:off x="5088384" y="2737245"/>
+            <a:ext cx="4185617" cy="3304117"/>
           </a:xfrm>
         </p:spPr>
         <p:txBody>
-          <a:bodyPr/>
+          <a:bodyPr>
+            <a:normAutofit/>
+          </a:bodyPr>
           <a:lstStyle/>
           <a:p>
             <a:pPr lvl="0"/>
@@ -1810,19 +3812,13 @@
               <a:rPr lang="en-US"/>
               <a:t>Fifth level</a:t>
             </a:r>
-            <a:endParaRPr lang="en-SG"/>
-          </a:p>
-        </p:txBody>
-      </p:sp>
-      <p:sp>
-        <p:nvSpPr>
-          <p:cNvPr id="7" name="Date Placeholder 6">
-            <a:extLst>
-              <a:ext uri="{FF2B5EF4-FFF2-40B4-BE49-F238E27FC236}">
-                <a16:creationId xmlns:a16="http://schemas.microsoft.com/office/drawing/2014/main" id="{0928F812-2139-1AFA-8CF9-3DB6BE821E79}"/>
-              </a:ext>
-            </a:extLst>
-          </p:cNvPr>
+            <a:endParaRPr lang="en-US" dirty="0"/>
+          </a:p>
+        </p:txBody>
+      </p:sp>
+      <p:sp>
+        <p:nvSpPr>
+          <p:cNvPr id="7" name="Date Placeholder 6"/>
           <p:cNvSpPr>
             <a:spLocks noGrp="1"/>
           </p:cNvSpPr>
@@ -1845,13 +3841,7 @@
       </p:sp>
       <p:sp>
         <p:nvSpPr>
-          <p:cNvPr id="8" name="Footer Placeholder 7">
-            <a:extLst>
-              <a:ext uri="{FF2B5EF4-FFF2-40B4-BE49-F238E27FC236}">
-                <a16:creationId xmlns:a16="http://schemas.microsoft.com/office/drawing/2014/main" id="{CDC0FCEC-FA99-9CD5-527F-AB6A27208484}"/>
-              </a:ext>
-            </a:extLst>
-          </p:cNvPr>
+          <p:cNvPr id="8" name="Footer Placeholder 7"/>
           <p:cNvSpPr>
             <a:spLocks noGrp="1"/>
           </p:cNvSpPr>
@@ -1870,13 +3860,7 @@
       </p:sp>
       <p:sp>
         <p:nvSpPr>
-          <p:cNvPr id="9" name="Slide Number Placeholder 8">
-            <a:extLst>
-              <a:ext uri="{FF2B5EF4-FFF2-40B4-BE49-F238E27FC236}">
-                <a16:creationId xmlns:a16="http://schemas.microsoft.com/office/drawing/2014/main" id="{6F9010E9-023C-5D6D-DBAC-08C6E51EF00F}"/>
-              </a:ext>
-            </a:extLst>
-          </p:cNvPr>
+          <p:cNvPr id="9" name="Slide Number Placeholder 8"/>
           <p:cNvSpPr>
             <a:spLocks noGrp="1"/>
           </p:cNvSpPr>
@@ -1900,7 +3884,7 @@
     </p:spTree>
     <p:extLst>
       <p:ext uri="{BB962C8B-B14F-4D97-AF65-F5344CB8AC3E}">
-        <p14:creationId xmlns:p14="http://schemas.microsoft.com/office/powerpoint/2010/main" val="501356903"/>
+        <p14:creationId xmlns:p14="http://schemas.microsoft.com/office/powerpoint/2010/main" val="2655584523"/>
       </p:ext>
     </p:extLst>
   </p:cSld>
@@ -1929,13 +3913,7 @@
       </p:grpSpPr>
       <p:sp>
         <p:nvSpPr>
-          <p:cNvPr id="2" name="Title 1">
-            <a:extLst>
-              <a:ext uri="{FF2B5EF4-FFF2-40B4-BE49-F238E27FC236}">
-                <a16:creationId xmlns:a16="http://schemas.microsoft.com/office/drawing/2014/main" id="{611413B7-61B5-5CF6-9363-5B86DE1EDC1A}"/>
-              </a:ext>
-            </a:extLst>
-          </p:cNvPr>
+          <p:cNvPr id="2" name="Title 1"/>
           <p:cNvSpPr>
             <a:spLocks noGrp="1"/>
           </p:cNvSpPr>
@@ -1943,7 +3921,12 @@
             <p:ph type="title"/>
           </p:nvPr>
         </p:nvSpPr>
-        <p:spPr/>
+        <p:spPr>
+          <a:xfrm>
+            <a:off x="677334" y="609600"/>
+            <a:ext cx="8596668" cy="1320800"/>
+          </a:xfrm>
+        </p:spPr>
         <p:txBody>
           <a:bodyPr/>
           <a:lstStyle/>
@@ -1952,19 +3935,13 @@
               <a:rPr lang="en-US"/>
               <a:t>Click to edit Master title style</a:t>
             </a:r>
-            <a:endParaRPr lang="en-SG"/>
-          </a:p>
-        </p:txBody>
-      </p:sp>
-      <p:sp>
-        <p:nvSpPr>
-          <p:cNvPr id="3" name="Date Placeholder 2">
-            <a:extLst>
-              <a:ext uri="{FF2B5EF4-FFF2-40B4-BE49-F238E27FC236}">
-                <a16:creationId xmlns:a16="http://schemas.microsoft.com/office/drawing/2014/main" id="{01DC045F-6AF4-3EF6-3CC9-B94801687A1C}"/>
-              </a:ext>
-            </a:extLst>
-          </p:cNvPr>
+            <a:endParaRPr lang="en-US" dirty="0"/>
+          </a:p>
+        </p:txBody>
+      </p:sp>
+      <p:sp>
+        <p:nvSpPr>
+          <p:cNvPr id="3" name="Date Placeholder 2"/>
           <p:cNvSpPr>
             <a:spLocks noGrp="1"/>
           </p:cNvSpPr>
@@ -1987,13 +3964,7 @@
       </p:sp>
       <p:sp>
         <p:nvSpPr>
-          <p:cNvPr id="4" name="Footer Placeholder 3">
-            <a:extLst>
-              <a:ext uri="{FF2B5EF4-FFF2-40B4-BE49-F238E27FC236}">
-                <a16:creationId xmlns:a16="http://schemas.microsoft.com/office/drawing/2014/main" id="{4438783C-3754-452B-68B3-3A9A2C340783}"/>
-              </a:ext>
-            </a:extLst>
-          </p:cNvPr>
+          <p:cNvPr id="4" name="Footer Placeholder 3"/>
           <p:cNvSpPr>
             <a:spLocks noGrp="1"/>
           </p:cNvSpPr>
@@ -2012,13 +3983,7 @@
       </p:sp>
       <p:sp>
         <p:nvSpPr>
-          <p:cNvPr id="5" name="Slide Number Placeholder 4">
-            <a:extLst>
-              <a:ext uri="{FF2B5EF4-FFF2-40B4-BE49-F238E27FC236}">
-                <a16:creationId xmlns:a16="http://schemas.microsoft.com/office/drawing/2014/main" id="{4D0C6538-A59F-C595-911E-56CB59E277D2}"/>
-              </a:ext>
-            </a:extLst>
-          </p:cNvPr>
+          <p:cNvPr id="5" name="Slide Number Placeholder 4"/>
           <p:cNvSpPr>
             <a:spLocks noGrp="1"/>
           </p:cNvSpPr>
@@ -2042,7 +4007,7 @@
     </p:spTree>
     <p:extLst>
       <p:ext uri="{BB962C8B-B14F-4D97-AF65-F5344CB8AC3E}">
-        <p14:creationId xmlns:p14="http://schemas.microsoft.com/office/powerpoint/2010/main" val="1111159379"/>
+        <p14:creationId xmlns:p14="http://schemas.microsoft.com/office/powerpoint/2010/main" val="1942174226"/>
       </p:ext>
     </p:extLst>
   </p:cSld>
@@ -2071,13 +4036,7 @@
       </p:grpSpPr>
       <p:sp>
         <p:nvSpPr>
-          <p:cNvPr id="2" name="Date Placeholder 1">
-            <a:extLst>
-              <a:ext uri="{FF2B5EF4-FFF2-40B4-BE49-F238E27FC236}">
-                <a16:creationId xmlns:a16="http://schemas.microsoft.com/office/drawing/2014/main" id="{03E680B8-AA71-E741-1841-5E30512B8F5F}"/>
-              </a:ext>
-            </a:extLst>
-          </p:cNvPr>
+          <p:cNvPr id="2" name="Date Placeholder 1"/>
           <p:cNvSpPr>
             <a:spLocks noGrp="1"/>
           </p:cNvSpPr>
@@ -2100,13 +4059,7 @@
       </p:sp>
       <p:sp>
         <p:nvSpPr>
-          <p:cNvPr id="3" name="Footer Placeholder 2">
-            <a:extLst>
-              <a:ext uri="{FF2B5EF4-FFF2-40B4-BE49-F238E27FC236}">
-                <a16:creationId xmlns:a16="http://schemas.microsoft.com/office/drawing/2014/main" id="{AE15C856-EF89-B1DA-EF41-C2099FA7DA13}"/>
-              </a:ext>
-            </a:extLst>
-          </p:cNvPr>
+          <p:cNvPr id="3" name="Footer Placeholder 2"/>
           <p:cNvSpPr>
             <a:spLocks noGrp="1"/>
           </p:cNvSpPr>
@@ -2125,13 +4078,7 @@
       </p:sp>
       <p:sp>
         <p:nvSpPr>
-          <p:cNvPr id="4" name="Slide Number Placeholder 3">
-            <a:extLst>
-              <a:ext uri="{FF2B5EF4-FFF2-40B4-BE49-F238E27FC236}">
-                <a16:creationId xmlns:a16="http://schemas.microsoft.com/office/drawing/2014/main" id="{98354A43-7E17-35DC-1A84-353F0F7AAAA6}"/>
-              </a:ext>
-            </a:extLst>
-          </p:cNvPr>
+          <p:cNvPr id="4" name="Slide Number Placeholder 3"/>
           <p:cNvSpPr>
             <a:spLocks noGrp="1"/>
           </p:cNvSpPr>
@@ -2155,7 +4102,7 @@
     </p:spTree>
     <p:extLst>
       <p:ext uri="{BB962C8B-B14F-4D97-AF65-F5344CB8AC3E}">
-        <p14:creationId xmlns:p14="http://schemas.microsoft.com/office/powerpoint/2010/main" val="1278277588"/>
+        <p14:creationId xmlns:p14="http://schemas.microsoft.com/office/powerpoint/2010/main" val="2365855535"/>
       </p:ext>
     </p:extLst>
   </p:cSld>
@@ -2184,13 +4131,7 @@
       </p:grpSpPr>
       <p:sp>
         <p:nvSpPr>
-          <p:cNvPr id="2" name="Title 1">
-            <a:extLst>
-              <a:ext uri="{FF2B5EF4-FFF2-40B4-BE49-F238E27FC236}">
-                <a16:creationId xmlns:a16="http://schemas.microsoft.com/office/drawing/2014/main" id="{321F9FA4-CE6E-BFE6-3B6B-70BD1626611D}"/>
-              </a:ext>
-            </a:extLst>
-          </p:cNvPr>
+          <p:cNvPr id="2" name="Title 1"/>
           <p:cNvSpPr>
             <a:spLocks noGrp="1"/>
           </p:cNvSpPr>
@@ -2200,15 +4141,17 @@
         </p:nvSpPr>
         <p:spPr>
           <a:xfrm>
-            <a:off x="839788" y="457200"/>
-            <a:ext cx="3932237" cy="1600200"/>
+            <a:off x="677334" y="1498604"/>
+            <a:ext cx="3854528" cy="1278466"/>
           </a:xfrm>
         </p:spPr>
         <p:txBody>
-          <a:bodyPr anchor="b"/>
+          <a:bodyPr anchor="b">
+            <a:normAutofit/>
+          </a:bodyPr>
           <a:lstStyle>
             <a:lvl1pPr>
-              <a:defRPr sz="3200"/>
+              <a:defRPr sz="2000"/>
             </a:lvl1pPr>
           </a:lstStyle>
           <a:p>
@@ -2216,19 +4159,13 @@
               <a:rPr lang="en-US"/>
               <a:t>Click to edit Master title style</a:t>
             </a:r>
-            <a:endParaRPr lang="en-SG"/>
-          </a:p>
-        </p:txBody>
-      </p:sp>
-      <p:sp>
-        <p:nvSpPr>
-          <p:cNvPr id="3" name="Content Placeholder 2">
-            <a:extLst>
-              <a:ext uri="{FF2B5EF4-FFF2-40B4-BE49-F238E27FC236}">
-                <a16:creationId xmlns:a16="http://schemas.microsoft.com/office/drawing/2014/main" id="{A10C7621-271F-4311-3E63-1DF8C1740AED}"/>
-              </a:ext>
-            </a:extLst>
-          </p:cNvPr>
+            <a:endParaRPr lang="en-US" dirty="0"/>
+          </a:p>
+        </p:txBody>
+      </p:sp>
+      <p:sp>
+        <p:nvSpPr>
+          <p:cNvPr id="3" name="Content Placeholder 2"/>
           <p:cNvSpPr>
             <a:spLocks noGrp="1"/>
           </p:cNvSpPr>
@@ -2238,41 +4175,15 @@
         </p:nvSpPr>
         <p:spPr>
           <a:xfrm>
-            <a:off x="5183188" y="987425"/>
-            <a:ext cx="6172200" cy="4873625"/>
+            <a:off x="4760461" y="514924"/>
+            <a:ext cx="4513541" cy="5526437"/>
           </a:xfrm>
         </p:spPr>
         <p:txBody>
-          <a:bodyPr/>
-          <a:lstStyle>
-            <a:lvl1pPr>
-              <a:defRPr sz="3200"/>
-            </a:lvl1pPr>
-            <a:lvl2pPr>
-              <a:defRPr sz="2800"/>
-            </a:lvl2pPr>
-            <a:lvl3pPr>
-              <a:defRPr sz="2400"/>
-            </a:lvl3pPr>
-            <a:lvl4pPr>
-              <a:defRPr sz="2000"/>
-            </a:lvl4pPr>
-            <a:lvl5pPr>
-              <a:defRPr sz="2000"/>
-            </a:lvl5pPr>
-            <a:lvl6pPr>
-              <a:defRPr sz="2000"/>
-            </a:lvl6pPr>
-            <a:lvl7pPr>
-              <a:defRPr sz="2000"/>
-            </a:lvl7pPr>
-            <a:lvl8pPr>
-              <a:defRPr sz="2000"/>
-            </a:lvl8pPr>
-            <a:lvl9pPr>
-              <a:defRPr sz="2000"/>
-            </a:lvl9pPr>
-          </a:lstStyle>
+          <a:bodyPr>
+            <a:normAutofit/>
+          </a:bodyPr>
+          <a:lstStyle/>
           <a:p>
             <a:pPr lvl="0"/>
             <a:r>
@@ -2307,19 +4218,13 @@
               <a:rPr lang="en-US"/>
               <a:t>Fifth level</a:t>
             </a:r>
-            <a:endParaRPr lang="en-SG"/>
-          </a:p>
-        </p:txBody>
-      </p:sp>
-      <p:sp>
-        <p:nvSpPr>
-          <p:cNvPr id="4" name="Text Placeholder 3">
-            <a:extLst>
-              <a:ext uri="{FF2B5EF4-FFF2-40B4-BE49-F238E27FC236}">
-                <a16:creationId xmlns:a16="http://schemas.microsoft.com/office/drawing/2014/main" id="{B9EFE77C-25E2-2366-6C94-BC4D8A362CE1}"/>
-              </a:ext>
-            </a:extLst>
-          </p:cNvPr>
+            <a:endParaRPr lang="en-US" dirty="0"/>
+          </a:p>
+        </p:txBody>
+      </p:sp>
+      <p:sp>
+        <p:nvSpPr>
+          <p:cNvPr id="4" name="Text Placeholder 3"/>
           <p:cNvSpPr>
             <a:spLocks noGrp="1"/>
           </p:cNvSpPr>
@@ -2329,46 +4234,48 @@
         </p:nvSpPr>
         <p:spPr>
           <a:xfrm>
-            <a:off x="839788" y="2057400"/>
-            <a:ext cx="3932237" cy="3811588"/>
+            <a:off x="677334" y="2777069"/>
+            <a:ext cx="3854528" cy="2584449"/>
           </a:xfrm>
         </p:spPr>
         <p:txBody>
-          <a:bodyPr/>
+          <a:bodyPr>
+            <a:normAutofit/>
+          </a:bodyPr>
           <a:lstStyle>
             <a:lvl1pPr marL="0" indent="0">
               <a:buNone/>
-              <a:defRPr sz="1600"/>
+              <a:defRPr sz="1400"/>
             </a:lvl1pPr>
-            <a:lvl2pPr marL="457200" indent="0">
+            <a:lvl2pPr marL="457063" indent="0">
               <a:buNone/>
               <a:defRPr sz="1400"/>
             </a:lvl2pPr>
-            <a:lvl3pPr marL="914400" indent="0">
+            <a:lvl3pPr marL="914126" indent="0">
               <a:buNone/>
               <a:defRPr sz="1200"/>
             </a:lvl3pPr>
-            <a:lvl4pPr marL="1371600" indent="0">
+            <a:lvl4pPr marL="1371189" indent="0">
               <a:buNone/>
               <a:defRPr sz="1000"/>
             </a:lvl4pPr>
-            <a:lvl5pPr marL="1828800" indent="0">
+            <a:lvl5pPr marL="1828251" indent="0">
               <a:buNone/>
               <a:defRPr sz="1000"/>
             </a:lvl5pPr>
-            <a:lvl6pPr marL="2286000" indent="0">
+            <a:lvl6pPr marL="2285314" indent="0">
               <a:buNone/>
               <a:defRPr sz="1000"/>
             </a:lvl6pPr>
-            <a:lvl7pPr marL="2743200" indent="0">
+            <a:lvl7pPr marL="2742377" indent="0">
               <a:buNone/>
               <a:defRPr sz="1000"/>
             </a:lvl7pPr>
-            <a:lvl8pPr marL="3200400" indent="0">
+            <a:lvl8pPr marL="3199440" indent="0">
               <a:buNone/>
               <a:defRPr sz="1000"/>
             </a:lvl8pPr>
-            <a:lvl9pPr marL="3657600" indent="0">
+            <a:lvl9pPr marL="3656503" indent="0">
               <a:buNone/>
               <a:defRPr sz="1000"/>
             </a:lvl9pPr>
@@ -2384,13 +4291,7 @@
       </p:sp>
       <p:sp>
         <p:nvSpPr>
-          <p:cNvPr id="5" name="Date Placeholder 4">
-            <a:extLst>
-              <a:ext uri="{FF2B5EF4-FFF2-40B4-BE49-F238E27FC236}">
-                <a16:creationId xmlns:a16="http://schemas.microsoft.com/office/drawing/2014/main" id="{220B6E22-9937-7F9D-7088-17FF32F050F3}"/>
-              </a:ext>
-            </a:extLst>
-          </p:cNvPr>
+          <p:cNvPr id="5" name="Date Placeholder 4"/>
           <p:cNvSpPr>
             <a:spLocks noGrp="1"/>
           </p:cNvSpPr>
@@ -2413,13 +4314,7 @@
       </p:sp>
       <p:sp>
         <p:nvSpPr>
-          <p:cNvPr id="6" name="Footer Placeholder 5">
-            <a:extLst>
-              <a:ext uri="{FF2B5EF4-FFF2-40B4-BE49-F238E27FC236}">
-                <a16:creationId xmlns:a16="http://schemas.microsoft.com/office/drawing/2014/main" id="{A14AEA45-B9C7-8FC3-DF32-445EEEA67C6C}"/>
-              </a:ext>
-            </a:extLst>
-          </p:cNvPr>
+          <p:cNvPr id="6" name="Footer Placeholder 5"/>
           <p:cNvSpPr>
             <a:spLocks noGrp="1"/>
           </p:cNvSpPr>
@@ -2438,13 +4333,7 @@
       </p:sp>
       <p:sp>
         <p:nvSpPr>
-          <p:cNvPr id="7" name="Slide Number Placeholder 6">
-            <a:extLst>
-              <a:ext uri="{FF2B5EF4-FFF2-40B4-BE49-F238E27FC236}">
-                <a16:creationId xmlns:a16="http://schemas.microsoft.com/office/drawing/2014/main" id="{03920277-1561-7C02-D4EF-C2DE65975451}"/>
-              </a:ext>
-            </a:extLst>
-          </p:cNvPr>
+          <p:cNvPr id="7" name="Slide Number Placeholder 6"/>
           <p:cNvSpPr>
             <a:spLocks noGrp="1"/>
           </p:cNvSpPr>
@@ -2468,7 +4357,7 @@
     </p:spTree>
     <p:extLst>
       <p:ext uri="{BB962C8B-B14F-4D97-AF65-F5344CB8AC3E}">
-        <p14:creationId xmlns:p14="http://schemas.microsoft.com/office/powerpoint/2010/main" val="2969678594"/>
+        <p14:creationId xmlns:p14="http://schemas.microsoft.com/office/powerpoint/2010/main" val="2804374876"/>
       </p:ext>
     </p:extLst>
   </p:cSld>
@@ -2497,13 +4386,7 @@
       </p:grpSpPr>
       <p:sp>
         <p:nvSpPr>
-          <p:cNvPr id="2" name="Title 1">
-            <a:extLst>
-              <a:ext uri="{FF2B5EF4-FFF2-40B4-BE49-F238E27FC236}">
-                <a16:creationId xmlns:a16="http://schemas.microsoft.com/office/drawing/2014/main" id="{C2D1DA68-4959-9E2A-49F4-CAE95289AB47}"/>
-              </a:ext>
-            </a:extLst>
-          </p:cNvPr>
+          <p:cNvPr id="2" name="Title 1"/>
           <p:cNvSpPr>
             <a:spLocks noGrp="1"/>
           </p:cNvSpPr>
@@ -2513,15 +4396,17 @@
         </p:nvSpPr>
         <p:spPr>
           <a:xfrm>
-            <a:off x="839788" y="457200"/>
-            <a:ext cx="3932237" cy="1600200"/>
+            <a:off x="677334" y="4800600"/>
+            <a:ext cx="8596667" cy="566738"/>
           </a:xfrm>
         </p:spPr>
         <p:txBody>
-          <a:bodyPr anchor="b"/>
+          <a:bodyPr anchor="b">
+            <a:normAutofit/>
+          </a:bodyPr>
           <a:lstStyle>
-            <a:lvl1pPr>
-              <a:defRPr sz="3200"/>
+            <a:lvl1pPr algn="l">
+              <a:defRPr sz="2400" b="0"/>
             </a:lvl1pPr>
           </a:lstStyle>
           <a:p>
@@ -2529,21 +4414,15 @@
               <a:rPr lang="en-US"/>
               <a:t>Click to edit Master title style</a:t>
             </a:r>
-            <a:endParaRPr lang="en-SG"/>
-          </a:p>
-        </p:txBody>
-      </p:sp>
-      <p:sp>
-        <p:nvSpPr>
-          <p:cNvPr id="3" name="Picture Placeholder 2">
-            <a:extLst>
-              <a:ext uri="{FF2B5EF4-FFF2-40B4-BE49-F238E27FC236}">
-                <a16:creationId xmlns:a16="http://schemas.microsoft.com/office/drawing/2014/main" id="{56A7C7D5-0A30-D5BE-9AA5-D1C13844C207}"/>
-              </a:ext>
-            </a:extLst>
-          </p:cNvPr>
-          <p:cNvSpPr>
-            <a:spLocks noGrp="1"/>
+            <a:endParaRPr lang="en-US" dirty="0"/>
+          </a:p>
+        </p:txBody>
+      </p:sp>
+      <p:sp>
+        <p:nvSpPr>
+          <p:cNvPr id="3" name="Picture Placeholder 2"/>
+          <p:cNvSpPr>
+            <a:spLocks noGrp="1" noChangeAspect="1"/>
           </p:cNvSpPr>
           <p:nvPr>
             <p:ph type="pic" idx="1"/>
@@ -2551,118 +4430,120 @@
         </p:nvSpPr>
         <p:spPr>
           <a:xfrm>
-            <a:off x="5183188" y="987425"/>
-            <a:ext cx="6172200" cy="4873625"/>
+            <a:off x="677334" y="609600"/>
+            <a:ext cx="8596668" cy="3845718"/>
           </a:xfrm>
         </p:spPr>
         <p:txBody>
-          <a:bodyPr/>
+          <a:bodyPr anchor="t">
+            <a:normAutofit/>
+          </a:bodyPr>
           <a:lstStyle>
-            <a:lvl1pPr marL="0" indent="0">
-              <a:buNone/>
-              <a:defRPr sz="3200"/>
-            </a:lvl1pPr>
-            <a:lvl2pPr marL="457200" indent="0">
-              <a:buNone/>
-              <a:defRPr sz="2800"/>
-            </a:lvl2pPr>
-            <a:lvl3pPr marL="914400" indent="0">
-              <a:buNone/>
-              <a:defRPr sz="2400"/>
-            </a:lvl3pPr>
-            <a:lvl4pPr marL="1371600" indent="0">
-              <a:buNone/>
-              <a:defRPr sz="2000"/>
-            </a:lvl4pPr>
-            <a:lvl5pPr marL="1828800" indent="0">
-              <a:buNone/>
-              <a:defRPr sz="2000"/>
-            </a:lvl5pPr>
-            <a:lvl6pPr marL="2286000" indent="0">
-              <a:buNone/>
-              <a:defRPr sz="2000"/>
-            </a:lvl6pPr>
-            <a:lvl7pPr marL="2743200" indent="0">
-              <a:buNone/>
-              <a:defRPr sz="2000"/>
-            </a:lvl7pPr>
-            <a:lvl8pPr marL="3200400" indent="0">
-              <a:buNone/>
-              <a:defRPr sz="2000"/>
-            </a:lvl8pPr>
-            <a:lvl9pPr marL="3657600" indent="0">
-              <a:buNone/>
-              <a:defRPr sz="2000"/>
-            </a:lvl9pPr>
-          </a:lstStyle>
-          <a:p>
-            <a:endParaRPr lang="en-SG"/>
-          </a:p>
-        </p:txBody>
-      </p:sp>
-      <p:sp>
-        <p:nvSpPr>
-          <p:cNvPr id="4" name="Text Placeholder 3">
-            <a:extLst>
-              <a:ext uri="{FF2B5EF4-FFF2-40B4-BE49-F238E27FC236}">
-                <a16:creationId xmlns:a16="http://schemas.microsoft.com/office/drawing/2014/main" id="{F9B3C761-66FD-4D11-4DCB-D0FC35799EF2}"/>
-              </a:ext>
-            </a:extLst>
-          </p:cNvPr>
-          <p:cNvSpPr>
-            <a:spLocks noGrp="1"/>
-          </p:cNvSpPr>
-          <p:nvPr>
-            <p:ph type="body" sz="half" idx="2"/>
-          </p:nvPr>
-        </p:nvSpPr>
-        <p:spPr>
-          <a:xfrm>
-            <a:off x="839788" y="2057400"/>
-            <a:ext cx="3932237" cy="3811588"/>
-          </a:xfrm>
-        </p:spPr>
-        <p:txBody>
-          <a:bodyPr/>
-          <a:lstStyle>
-            <a:lvl1pPr marL="0" indent="0">
+            <a:lvl1pPr marL="0" indent="0" algn="ctr">
               <a:buNone/>
               <a:defRPr sz="1600"/>
             </a:lvl1pPr>
             <a:lvl2pPr marL="457200" indent="0">
               <a:buNone/>
-              <a:defRPr sz="1400"/>
+              <a:defRPr sz="1600"/>
             </a:lvl2pPr>
             <a:lvl3pPr marL="914400" indent="0">
               <a:buNone/>
-              <a:defRPr sz="1200"/>
+              <a:defRPr sz="1600"/>
             </a:lvl3pPr>
             <a:lvl4pPr marL="1371600" indent="0">
               <a:buNone/>
-              <a:defRPr sz="1000"/>
+              <a:defRPr sz="1600"/>
             </a:lvl4pPr>
             <a:lvl5pPr marL="1828800" indent="0">
               <a:buNone/>
-              <a:defRPr sz="1000"/>
+              <a:defRPr sz="1600"/>
             </a:lvl5pPr>
             <a:lvl6pPr marL="2286000" indent="0">
               <a:buNone/>
-              <a:defRPr sz="1000"/>
+              <a:defRPr sz="1600"/>
             </a:lvl6pPr>
             <a:lvl7pPr marL="2743200" indent="0">
               <a:buNone/>
-              <a:defRPr sz="1000"/>
+              <a:defRPr sz="1600"/>
             </a:lvl7pPr>
             <a:lvl8pPr marL="3200400" indent="0">
               <a:buNone/>
-              <a:defRPr sz="1000"/>
+              <a:defRPr sz="1600"/>
             </a:lvl8pPr>
             <a:lvl9pPr marL="3657600" indent="0">
               <a:buNone/>
-              <a:defRPr sz="1000"/>
+              <a:defRPr sz="1600"/>
             </a:lvl9pPr>
           </a:lstStyle>
           <a:p>
+            <a:r>
+              <a:rPr lang="en-US"/>
+              <a:t>Click icon to add picture</a:t>
+            </a:r>
+            <a:endParaRPr lang="en-US" dirty="0"/>
+          </a:p>
+        </p:txBody>
+      </p:sp>
+      <p:sp>
+        <p:nvSpPr>
+          <p:cNvPr id="4" name="Text Placeholder 3"/>
+          <p:cNvSpPr>
+            <a:spLocks noGrp="1"/>
+          </p:cNvSpPr>
+          <p:nvPr>
+            <p:ph type="body" sz="half" idx="2"/>
+          </p:nvPr>
+        </p:nvSpPr>
+        <p:spPr>
+          <a:xfrm>
+            <a:off x="677334" y="5367338"/>
+            <a:ext cx="8596667" cy="674024"/>
+          </a:xfrm>
+        </p:spPr>
+        <p:txBody>
+          <a:bodyPr>
+            <a:normAutofit/>
+          </a:bodyPr>
+          <a:lstStyle>
+            <a:lvl1pPr marL="0" indent="0">
+              <a:buNone/>
+              <a:defRPr sz="1200"/>
+            </a:lvl1pPr>
+            <a:lvl2pPr marL="457200" indent="0">
+              <a:buNone/>
+              <a:defRPr sz="1200"/>
+            </a:lvl2pPr>
+            <a:lvl3pPr marL="914400" indent="0">
+              <a:buNone/>
+              <a:defRPr sz="1000"/>
+            </a:lvl3pPr>
+            <a:lvl4pPr marL="1371600" indent="0">
+              <a:buNone/>
+              <a:defRPr sz="900"/>
+            </a:lvl4pPr>
+            <a:lvl5pPr marL="1828800" indent="0">
+              <a:buNone/>
+              <a:defRPr sz="900"/>
+            </a:lvl5pPr>
+            <a:lvl6pPr marL="2286000" indent="0">
+              <a:buNone/>
+              <a:defRPr sz="900"/>
+            </a:lvl6pPr>
+            <a:lvl7pPr marL="2743200" indent="0">
+              <a:buNone/>
+              <a:defRPr sz="900"/>
+            </a:lvl7pPr>
+            <a:lvl8pPr marL="3200400" indent="0">
+              <a:buNone/>
+              <a:defRPr sz="900"/>
+            </a:lvl8pPr>
+            <a:lvl9pPr marL="3657600" indent="0">
+              <a:buNone/>
+              <a:defRPr sz="900"/>
+            </a:lvl9pPr>
+          </a:lstStyle>
+          <a:p>
             <a:pPr lvl="0"/>
             <a:r>
               <a:rPr lang="en-US"/>
@@ -2673,13 +4554,7 @@
       </p:sp>
       <p:sp>
         <p:nvSpPr>
-          <p:cNvPr id="5" name="Date Placeholder 4">
-            <a:extLst>
-              <a:ext uri="{FF2B5EF4-FFF2-40B4-BE49-F238E27FC236}">
-                <a16:creationId xmlns:a16="http://schemas.microsoft.com/office/drawing/2014/main" id="{F90403DF-CE30-530E-5BAF-18B95E8A3746}"/>
-              </a:ext>
-            </a:extLst>
-          </p:cNvPr>
+          <p:cNvPr id="5" name="Date Placeholder 4"/>
           <p:cNvSpPr>
             <a:spLocks noGrp="1"/>
           </p:cNvSpPr>
@@ -2702,13 +4577,7 @@
       </p:sp>
       <p:sp>
         <p:nvSpPr>
-          <p:cNvPr id="6" name="Footer Placeholder 5">
-            <a:extLst>
-              <a:ext uri="{FF2B5EF4-FFF2-40B4-BE49-F238E27FC236}">
-                <a16:creationId xmlns:a16="http://schemas.microsoft.com/office/drawing/2014/main" id="{64D185DC-4873-CB20-70F9-960D9939AE22}"/>
-              </a:ext>
-            </a:extLst>
-          </p:cNvPr>
+          <p:cNvPr id="6" name="Footer Placeholder 5"/>
           <p:cNvSpPr>
             <a:spLocks noGrp="1"/>
           </p:cNvSpPr>
@@ -2727,13 +4596,7 @@
       </p:sp>
       <p:sp>
         <p:nvSpPr>
-          <p:cNvPr id="7" name="Slide Number Placeholder 6">
-            <a:extLst>
-              <a:ext uri="{FF2B5EF4-FFF2-40B4-BE49-F238E27FC236}">
-                <a16:creationId xmlns:a16="http://schemas.microsoft.com/office/drawing/2014/main" id="{B734F296-D6B3-B7B1-E410-AD5D4146535C}"/>
-              </a:ext>
-            </a:extLst>
-          </p:cNvPr>
+          <p:cNvPr id="7" name="Slide Number Placeholder 6"/>
           <p:cNvSpPr>
             <a:spLocks noGrp="1"/>
           </p:cNvSpPr>
@@ -2757,7 +4620,7 @@
     </p:spTree>
     <p:extLst>
       <p:ext uri="{BB962C8B-B14F-4D97-AF65-F5344CB8AC3E}">
-        <p14:creationId xmlns:p14="http://schemas.microsoft.com/office/powerpoint/2010/main" val="4190091309"/>
+        <p14:creationId xmlns:p14="http://schemas.microsoft.com/office/powerpoint/2010/main" val="3589201811"/>
       </p:ext>
     </p:extLst>
   </p:cSld>
@@ -2789,15 +4652,539 @@
           <a:chExt cx="0" cy="0"/>
         </a:xfrm>
       </p:grpSpPr>
-      <p:sp>
-        <p:nvSpPr>
-          <p:cNvPr id="2" name="Title Placeholder 1">
-            <a:extLst>
-              <a:ext uri="{FF2B5EF4-FFF2-40B4-BE49-F238E27FC236}">
-                <a16:creationId xmlns:a16="http://schemas.microsoft.com/office/drawing/2014/main" id="{F0FB39A8-4353-6320-E7E3-6300654DB6CD}"/>
-              </a:ext>
-            </a:extLst>
-          </p:cNvPr>
+      <p:grpSp>
+        <p:nvGrpSpPr>
+          <p:cNvPr id="7" name="Group 6"/>
+          <p:cNvGrpSpPr/>
+          <p:nvPr/>
+        </p:nvGrpSpPr>
+        <p:grpSpPr>
+          <a:xfrm>
+            <a:off x="0" y="-8467"/>
+            <a:ext cx="12192000" cy="6866467"/>
+            <a:chOff x="0" y="-8467"/>
+            <a:chExt cx="12192000" cy="6866467"/>
+          </a:xfrm>
+        </p:grpSpPr>
+        <p:cxnSp>
+          <p:nvCxnSpPr>
+            <p:cNvPr id="20" name="Straight Connector 19"/>
+            <p:cNvCxnSpPr/>
+            <p:nvPr/>
+          </p:nvCxnSpPr>
+          <p:spPr>
+            <a:xfrm>
+              <a:off x="9371012" y="0"/>
+              <a:ext cx="1219200" cy="6858000"/>
+            </a:xfrm>
+            <a:prstGeom prst="line">
+              <a:avLst/>
+            </a:prstGeom>
+            <a:ln w="9525">
+              <a:solidFill>
+                <a:schemeClr val="bg1">
+                  <a:lumMod val="75000"/>
+                </a:schemeClr>
+              </a:solidFill>
+            </a:ln>
+          </p:spPr>
+          <p:style>
+            <a:lnRef idx="2">
+              <a:schemeClr val="accent1"/>
+            </a:lnRef>
+            <a:fillRef idx="0">
+              <a:schemeClr val="accent1"/>
+            </a:fillRef>
+            <a:effectRef idx="1">
+              <a:schemeClr val="accent1"/>
+            </a:effectRef>
+            <a:fontRef idx="minor">
+              <a:schemeClr val="tx1"/>
+            </a:fontRef>
+          </p:style>
+        </p:cxnSp>
+        <p:cxnSp>
+          <p:nvCxnSpPr>
+            <p:cNvPr id="21" name="Straight Connector 20"/>
+            <p:cNvCxnSpPr/>
+            <p:nvPr/>
+          </p:nvCxnSpPr>
+          <p:spPr>
+            <a:xfrm flipH="1">
+              <a:off x="7425267" y="3681413"/>
+              <a:ext cx="4763558" cy="3176587"/>
+            </a:xfrm>
+            <a:prstGeom prst="line">
+              <a:avLst/>
+            </a:prstGeom>
+            <a:ln w="9525">
+              <a:solidFill>
+                <a:schemeClr val="bg1">
+                  <a:lumMod val="85000"/>
+                </a:schemeClr>
+              </a:solidFill>
+            </a:ln>
+          </p:spPr>
+          <p:style>
+            <a:lnRef idx="2">
+              <a:schemeClr val="accent1"/>
+            </a:lnRef>
+            <a:fillRef idx="0">
+              <a:schemeClr val="accent1"/>
+            </a:fillRef>
+            <a:effectRef idx="1">
+              <a:schemeClr val="accent1"/>
+            </a:effectRef>
+            <a:fontRef idx="minor">
+              <a:schemeClr val="tx1"/>
+            </a:fontRef>
+          </p:style>
+        </p:cxnSp>
+        <p:sp>
+          <p:nvSpPr>
+            <p:cNvPr id="22" name="Rectangle 23"/>
+            <p:cNvSpPr/>
+            <p:nvPr/>
+          </p:nvSpPr>
+          <p:spPr>
+            <a:xfrm>
+              <a:off x="9181476" y="-8467"/>
+              <a:ext cx="3007349" cy="6866467"/>
+            </a:xfrm>
+            <a:custGeom>
+              <a:avLst/>
+              <a:gdLst/>
+              <a:ahLst/>
+              <a:cxnLst/>
+              <a:rect l="l" t="t" r="r" b="b"/>
+              <a:pathLst>
+                <a:path w="3007349" h="6866467">
+                  <a:moveTo>
+                    <a:pt x="2045532" y="0"/>
+                  </a:moveTo>
+                  <a:lnTo>
+                    <a:pt x="3007349" y="0"/>
+                  </a:lnTo>
+                  <a:lnTo>
+                    <a:pt x="3007349" y="6866467"/>
+                  </a:lnTo>
+                  <a:lnTo>
+                    <a:pt x="0" y="6866467"/>
+                  </a:lnTo>
+                  <a:lnTo>
+                    <a:pt x="2045532" y="0"/>
+                  </a:lnTo>
+                  <a:close/>
+                </a:path>
+              </a:pathLst>
+            </a:custGeom>
+            <a:solidFill>
+              <a:schemeClr val="accent1">
+                <a:alpha val="30000"/>
+              </a:schemeClr>
+            </a:solidFill>
+            <a:ln>
+              <a:noFill/>
+            </a:ln>
+            <a:effectLst/>
+          </p:spPr>
+          <p:style>
+            <a:lnRef idx="1">
+              <a:schemeClr val="accent1"/>
+            </a:lnRef>
+            <a:fillRef idx="3">
+              <a:schemeClr val="accent1"/>
+            </a:fillRef>
+            <a:effectRef idx="2">
+              <a:schemeClr val="accent1"/>
+            </a:effectRef>
+            <a:fontRef idx="minor">
+              <a:schemeClr val="lt1"/>
+            </a:fontRef>
+          </p:style>
+        </p:sp>
+        <p:sp>
+          <p:nvSpPr>
+            <p:cNvPr id="23" name="Rectangle 25"/>
+            <p:cNvSpPr/>
+            <p:nvPr/>
+          </p:nvSpPr>
+          <p:spPr>
+            <a:xfrm>
+              <a:off x="9603442" y="-8467"/>
+              <a:ext cx="2588558" cy="6866467"/>
+            </a:xfrm>
+            <a:custGeom>
+              <a:avLst/>
+              <a:gdLst/>
+              <a:ahLst/>
+              <a:cxnLst/>
+              <a:rect l="l" t="t" r="r" b="b"/>
+              <a:pathLst>
+                <a:path w="2573311" h="6866467">
+                  <a:moveTo>
+                    <a:pt x="0" y="0"/>
+                  </a:moveTo>
+                  <a:lnTo>
+                    <a:pt x="2573311" y="0"/>
+                  </a:lnTo>
+                  <a:lnTo>
+                    <a:pt x="2573311" y="6866467"/>
+                  </a:lnTo>
+                  <a:lnTo>
+                    <a:pt x="1202336" y="6866467"/>
+                  </a:lnTo>
+                  <a:lnTo>
+                    <a:pt x="0" y="0"/>
+                  </a:lnTo>
+                  <a:close/>
+                </a:path>
+              </a:pathLst>
+            </a:custGeom>
+            <a:solidFill>
+              <a:schemeClr val="accent1">
+                <a:alpha val="20000"/>
+              </a:schemeClr>
+            </a:solidFill>
+            <a:ln>
+              <a:noFill/>
+            </a:ln>
+            <a:effectLst/>
+          </p:spPr>
+          <p:style>
+            <a:lnRef idx="1">
+              <a:schemeClr val="accent1"/>
+            </a:lnRef>
+            <a:fillRef idx="3">
+              <a:schemeClr val="accent1"/>
+            </a:fillRef>
+            <a:effectRef idx="2">
+              <a:schemeClr val="accent1"/>
+            </a:effectRef>
+            <a:fontRef idx="minor">
+              <a:schemeClr val="lt1"/>
+            </a:fontRef>
+          </p:style>
+        </p:sp>
+        <p:sp>
+          <p:nvSpPr>
+            <p:cNvPr id="24" name="Isosceles Triangle 23"/>
+            <p:cNvSpPr/>
+            <p:nvPr/>
+          </p:nvSpPr>
+          <p:spPr>
+            <a:xfrm>
+              <a:off x="8932333" y="3048000"/>
+              <a:ext cx="3259667" cy="3810000"/>
+            </a:xfrm>
+            <a:prstGeom prst="triangle">
+              <a:avLst>
+                <a:gd name="adj" fmla="val 100000"/>
+              </a:avLst>
+            </a:prstGeom>
+            <a:solidFill>
+              <a:schemeClr val="accent2">
+                <a:alpha val="72000"/>
+              </a:schemeClr>
+            </a:solidFill>
+            <a:ln>
+              <a:noFill/>
+            </a:ln>
+            <a:effectLst/>
+          </p:spPr>
+          <p:style>
+            <a:lnRef idx="1">
+              <a:schemeClr val="accent1"/>
+            </a:lnRef>
+            <a:fillRef idx="3">
+              <a:schemeClr val="accent1"/>
+            </a:fillRef>
+            <a:effectRef idx="2">
+              <a:schemeClr val="accent1"/>
+            </a:effectRef>
+            <a:fontRef idx="minor">
+              <a:schemeClr val="lt1"/>
+            </a:fontRef>
+          </p:style>
+        </p:sp>
+        <p:sp>
+          <p:nvSpPr>
+            <p:cNvPr id="25" name="Rectangle 27"/>
+            <p:cNvSpPr/>
+            <p:nvPr/>
+          </p:nvSpPr>
+          <p:spPr>
+            <a:xfrm>
+              <a:off x="9334500" y="-8467"/>
+              <a:ext cx="2854326" cy="6866467"/>
+            </a:xfrm>
+            <a:custGeom>
+              <a:avLst/>
+              <a:gdLst/>
+              <a:ahLst/>
+              <a:cxnLst/>
+              <a:rect l="l" t="t" r="r" b="b"/>
+              <a:pathLst>
+                <a:path w="2858013" h="6866467">
+                  <a:moveTo>
+                    <a:pt x="0" y="0"/>
+                  </a:moveTo>
+                  <a:lnTo>
+                    <a:pt x="2858013" y="0"/>
+                  </a:lnTo>
+                  <a:lnTo>
+                    <a:pt x="2858013" y="6866467"/>
+                  </a:lnTo>
+                  <a:lnTo>
+                    <a:pt x="2473942" y="6866467"/>
+                  </a:lnTo>
+                  <a:lnTo>
+                    <a:pt x="0" y="0"/>
+                  </a:lnTo>
+                  <a:close/>
+                </a:path>
+              </a:pathLst>
+            </a:custGeom>
+            <a:solidFill>
+              <a:schemeClr val="accent2">
+                <a:lumMod val="75000"/>
+                <a:alpha val="70000"/>
+              </a:schemeClr>
+            </a:solidFill>
+            <a:ln>
+              <a:noFill/>
+            </a:ln>
+            <a:effectLst/>
+          </p:spPr>
+          <p:style>
+            <a:lnRef idx="1">
+              <a:schemeClr val="accent1"/>
+            </a:lnRef>
+            <a:fillRef idx="3">
+              <a:schemeClr val="accent1"/>
+            </a:fillRef>
+            <a:effectRef idx="2">
+              <a:schemeClr val="accent1"/>
+            </a:effectRef>
+            <a:fontRef idx="minor">
+              <a:schemeClr val="lt1"/>
+            </a:fontRef>
+          </p:style>
+        </p:sp>
+        <p:sp>
+          <p:nvSpPr>
+            <p:cNvPr id="26" name="Rectangle 28"/>
+            <p:cNvSpPr/>
+            <p:nvPr/>
+          </p:nvSpPr>
+          <p:spPr>
+            <a:xfrm>
+              <a:off x="10898730" y="-8467"/>
+              <a:ext cx="1290094" cy="6866467"/>
+            </a:xfrm>
+            <a:custGeom>
+              <a:avLst/>
+              <a:gdLst/>
+              <a:ahLst/>
+              <a:cxnLst/>
+              <a:rect l="l" t="t" r="r" b="b"/>
+              <a:pathLst>
+                <a:path w="1290094" h="6858000">
+                  <a:moveTo>
+                    <a:pt x="1019735" y="0"/>
+                  </a:moveTo>
+                  <a:lnTo>
+                    <a:pt x="1290094" y="0"/>
+                  </a:lnTo>
+                  <a:lnTo>
+                    <a:pt x="1290094" y="6858000"/>
+                  </a:lnTo>
+                  <a:lnTo>
+                    <a:pt x="0" y="6858000"/>
+                  </a:lnTo>
+                  <a:lnTo>
+                    <a:pt x="1019735" y="0"/>
+                  </a:lnTo>
+                  <a:close/>
+                </a:path>
+              </a:pathLst>
+            </a:custGeom>
+            <a:solidFill>
+              <a:schemeClr val="accent1">
+                <a:lumMod val="60000"/>
+                <a:lumOff val="40000"/>
+                <a:alpha val="70000"/>
+              </a:schemeClr>
+            </a:solidFill>
+            <a:ln>
+              <a:noFill/>
+            </a:ln>
+            <a:effectLst/>
+          </p:spPr>
+          <p:style>
+            <a:lnRef idx="1">
+              <a:schemeClr val="accent1"/>
+            </a:lnRef>
+            <a:fillRef idx="3">
+              <a:schemeClr val="accent1"/>
+            </a:fillRef>
+            <a:effectRef idx="2">
+              <a:schemeClr val="accent1"/>
+            </a:effectRef>
+            <a:fontRef idx="minor">
+              <a:schemeClr val="lt1"/>
+            </a:fontRef>
+          </p:style>
+        </p:sp>
+        <p:sp>
+          <p:nvSpPr>
+            <p:cNvPr id="27" name="Rectangle 29"/>
+            <p:cNvSpPr/>
+            <p:nvPr/>
+          </p:nvSpPr>
+          <p:spPr>
+            <a:xfrm>
+              <a:off x="10938999" y="-8467"/>
+              <a:ext cx="1249825" cy="6866467"/>
+            </a:xfrm>
+            <a:custGeom>
+              <a:avLst/>
+              <a:gdLst/>
+              <a:ahLst/>
+              <a:cxnLst/>
+              <a:rect l="l" t="t" r="r" b="b"/>
+              <a:pathLst>
+                <a:path w="1249825" h="6858000">
+                  <a:moveTo>
+                    <a:pt x="0" y="0"/>
+                  </a:moveTo>
+                  <a:lnTo>
+                    <a:pt x="1249825" y="0"/>
+                  </a:lnTo>
+                  <a:lnTo>
+                    <a:pt x="1249825" y="6858000"/>
+                  </a:lnTo>
+                  <a:lnTo>
+                    <a:pt x="1109382" y="6858000"/>
+                  </a:lnTo>
+                  <a:lnTo>
+                    <a:pt x="0" y="0"/>
+                  </a:lnTo>
+                  <a:close/>
+                </a:path>
+              </a:pathLst>
+            </a:custGeom>
+            <a:solidFill>
+              <a:schemeClr val="accent1">
+                <a:alpha val="65000"/>
+              </a:schemeClr>
+            </a:solidFill>
+            <a:ln>
+              <a:noFill/>
+            </a:ln>
+            <a:effectLst/>
+          </p:spPr>
+          <p:style>
+            <a:lnRef idx="1">
+              <a:schemeClr val="accent1"/>
+            </a:lnRef>
+            <a:fillRef idx="3">
+              <a:schemeClr val="accent1"/>
+            </a:fillRef>
+            <a:effectRef idx="2">
+              <a:schemeClr val="accent1"/>
+            </a:effectRef>
+            <a:fontRef idx="minor">
+              <a:schemeClr val="lt1"/>
+            </a:fontRef>
+          </p:style>
+        </p:sp>
+        <p:sp>
+          <p:nvSpPr>
+            <p:cNvPr id="28" name="Isosceles Triangle 27"/>
+            <p:cNvSpPr/>
+            <p:nvPr/>
+          </p:nvSpPr>
+          <p:spPr>
+            <a:xfrm>
+              <a:off x="10371666" y="3589867"/>
+              <a:ext cx="1817159" cy="3268133"/>
+            </a:xfrm>
+            <a:prstGeom prst="triangle">
+              <a:avLst>
+                <a:gd name="adj" fmla="val 100000"/>
+              </a:avLst>
+            </a:prstGeom>
+            <a:solidFill>
+              <a:schemeClr val="accent1">
+                <a:alpha val="80000"/>
+              </a:schemeClr>
+            </a:solidFill>
+            <a:ln>
+              <a:noFill/>
+            </a:ln>
+            <a:effectLst/>
+          </p:spPr>
+          <p:style>
+            <a:lnRef idx="1">
+              <a:schemeClr val="accent1"/>
+            </a:lnRef>
+            <a:fillRef idx="3">
+              <a:schemeClr val="accent1"/>
+            </a:fillRef>
+            <a:effectRef idx="2">
+              <a:schemeClr val="accent1"/>
+            </a:effectRef>
+            <a:fontRef idx="minor">
+              <a:schemeClr val="lt1"/>
+            </a:fontRef>
+          </p:style>
+        </p:sp>
+        <p:sp>
+          <p:nvSpPr>
+            <p:cNvPr id="29" name="Isosceles Triangle 28"/>
+            <p:cNvSpPr/>
+            <p:nvPr/>
+          </p:nvSpPr>
+          <p:spPr>
+            <a:xfrm>
+              <a:off x="0" y="4013200"/>
+              <a:ext cx="448733" cy="2844800"/>
+            </a:xfrm>
+            <a:prstGeom prst="triangle">
+              <a:avLst>
+                <a:gd name="adj" fmla="val 0"/>
+              </a:avLst>
+            </a:prstGeom>
+            <a:solidFill>
+              <a:schemeClr val="accent1">
+                <a:alpha val="85000"/>
+              </a:schemeClr>
+            </a:solidFill>
+            <a:ln>
+              <a:noFill/>
+            </a:ln>
+            <a:effectLst/>
+          </p:spPr>
+          <p:style>
+            <a:lnRef idx="1">
+              <a:schemeClr val="accent1"/>
+            </a:lnRef>
+            <a:fillRef idx="3">
+              <a:schemeClr val="accent1"/>
+            </a:fillRef>
+            <a:effectRef idx="2">
+              <a:schemeClr val="accent1"/>
+            </a:effectRef>
+            <a:fontRef idx="minor">
+              <a:schemeClr val="lt1"/>
+            </a:fontRef>
+          </p:style>
+        </p:sp>
+      </p:grpSp>
+      <p:sp>
+        <p:nvSpPr>
+          <p:cNvPr id="2" name="Title Placeholder 1"/>
           <p:cNvSpPr>
             <a:spLocks noGrp="1"/>
           </p:cNvSpPr>
@@ -2807,15 +5194,15 @@
         </p:nvSpPr>
         <p:spPr>
           <a:xfrm>
-            <a:off x="838200" y="365125"/>
-            <a:ext cx="10515600" cy="1325563"/>
+            <a:off x="677334" y="609600"/>
+            <a:ext cx="8596668" cy="1320800"/>
           </a:xfrm>
           <a:prstGeom prst="rect">
             <a:avLst/>
           </a:prstGeom>
         </p:spPr>
         <p:txBody>
-          <a:bodyPr vert="horz" lIns="91440" tIns="45720" rIns="91440" bIns="45720" rtlCol="0" anchor="ctr">
+          <a:bodyPr vert="horz" lIns="91440" tIns="45720" rIns="91440" bIns="45720" rtlCol="0" anchor="t">
             <a:normAutofit/>
           </a:bodyPr>
           <a:lstStyle/>
@@ -2824,19 +5211,13 @@
               <a:rPr lang="en-US"/>
               <a:t>Click to edit Master title style</a:t>
             </a:r>
-            <a:endParaRPr lang="en-SG"/>
-          </a:p>
-        </p:txBody>
-      </p:sp>
-      <p:sp>
-        <p:nvSpPr>
-          <p:cNvPr id="3" name="Text Placeholder 2">
-            <a:extLst>
-              <a:ext uri="{FF2B5EF4-FFF2-40B4-BE49-F238E27FC236}">
-                <a16:creationId xmlns:a16="http://schemas.microsoft.com/office/drawing/2014/main" id="{C181B77F-F15A-2C22-EABD-674E05316F96}"/>
-              </a:ext>
-            </a:extLst>
-          </p:cNvPr>
+            <a:endParaRPr lang="en-US" dirty="0"/>
+          </a:p>
+        </p:txBody>
+      </p:sp>
+      <p:sp>
+        <p:nvSpPr>
+          <p:cNvPr id="3" name="Text Placeholder 2"/>
           <p:cNvSpPr>
             <a:spLocks noGrp="1"/>
           </p:cNvSpPr>
@@ -2846,8 +5227,8 @@
         </p:nvSpPr>
         <p:spPr>
           <a:xfrm>
-            <a:off x="838200" y="1825625"/>
-            <a:ext cx="10515600" cy="4351338"/>
+            <a:off x="677334" y="2160589"/>
+            <a:ext cx="8596668" cy="3880773"/>
           </a:xfrm>
           <a:prstGeom prst="rect">
             <a:avLst/>
@@ -2892,19 +5273,13 @@
               <a:rPr lang="en-US"/>
               <a:t>Fifth level</a:t>
             </a:r>
-            <a:endParaRPr lang="en-SG"/>
-          </a:p>
-        </p:txBody>
-      </p:sp>
-      <p:sp>
-        <p:nvSpPr>
-          <p:cNvPr id="4" name="Date Placeholder 3">
-            <a:extLst>
-              <a:ext uri="{FF2B5EF4-FFF2-40B4-BE49-F238E27FC236}">
-                <a16:creationId xmlns:a16="http://schemas.microsoft.com/office/drawing/2014/main" id="{911354FB-957E-F580-06B0-2C79BB88E0FB}"/>
-              </a:ext>
-            </a:extLst>
-          </p:cNvPr>
+            <a:endParaRPr lang="en-US" dirty="0"/>
+          </a:p>
+        </p:txBody>
+      </p:sp>
+      <p:sp>
+        <p:nvSpPr>
+          <p:cNvPr id="4" name="Date Placeholder 3"/>
           <p:cNvSpPr>
             <a:spLocks noGrp="1"/>
           </p:cNvSpPr>
@@ -2914,8 +5289,8 @@
         </p:nvSpPr>
         <p:spPr>
           <a:xfrm>
-            <a:off x="838200" y="6356350"/>
-            <a:ext cx="2743200" cy="365125"/>
+            <a:off x="7205133" y="6041362"/>
+            <a:ext cx="911939" cy="365125"/>
           </a:xfrm>
           <a:prstGeom prst="rect">
             <a:avLst/>
@@ -2924,8 +5299,8 @@
         <p:txBody>
           <a:bodyPr vert="horz" lIns="91440" tIns="45720" rIns="91440" bIns="45720" rtlCol="0" anchor="ctr"/>
           <a:lstStyle>
-            <a:lvl1pPr algn="l">
-              <a:defRPr sz="1200">
+            <a:lvl1pPr algn="r">
+              <a:defRPr sz="900">
                 <a:solidFill>
                   <a:schemeClr val="tx1">
                     <a:tint val="75000"/>
@@ -2945,13 +5320,7 @@
       </p:sp>
       <p:sp>
         <p:nvSpPr>
-          <p:cNvPr id="5" name="Footer Placeholder 4">
-            <a:extLst>
-              <a:ext uri="{FF2B5EF4-FFF2-40B4-BE49-F238E27FC236}">
-                <a16:creationId xmlns:a16="http://schemas.microsoft.com/office/drawing/2014/main" id="{EA66BA42-D927-423C-A2D3-1C13EBA9A586}"/>
-              </a:ext>
-            </a:extLst>
-          </p:cNvPr>
+          <p:cNvPr id="5" name="Footer Placeholder 4"/>
           <p:cNvSpPr>
             <a:spLocks noGrp="1"/>
           </p:cNvSpPr>
@@ -2961,8 +5330,8 @@
         </p:nvSpPr>
         <p:spPr>
           <a:xfrm>
-            <a:off x="4038600" y="6356350"/>
-            <a:ext cx="4114800" cy="365125"/>
+            <a:off x="677334" y="6041362"/>
+            <a:ext cx="6297612" cy="365125"/>
           </a:xfrm>
           <a:prstGeom prst="rect">
             <a:avLst/>
@@ -2971,8 +5340,8 @@
         <p:txBody>
           <a:bodyPr vert="horz" lIns="91440" tIns="45720" rIns="91440" bIns="45720" rtlCol="0" anchor="ctr"/>
           <a:lstStyle>
-            <a:lvl1pPr algn="ctr">
-              <a:defRPr sz="1200">
+            <a:lvl1pPr algn="l">
+              <a:defRPr sz="900">
                 <a:solidFill>
                   <a:schemeClr val="tx1">
                     <a:tint val="75000"/>
@@ -2988,13 +5357,7 @@
       </p:sp>
       <p:sp>
         <p:nvSpPr>
-          <p:cNvPr id="6" name="Slide Number Placeholder 5">
-            <a:extLst>
-              <a:ext uri="{FF2B5EF4-FFF2-40B4-BE49-F238E27FC236}">
-                <a16:creationId xmlns:a16="http://schemas.microsoft.com/office/drawing/2014/main" id="{B9BAD466-E737-EA4D-A324-7FA65E9B412B}"/>
-              </a:ext>
-            </a:extLst>
-          </p:cNvPr>
+          <p:cNvPr id="6" name="Slide Number Placeholder 5"/>
           <p:cNvSpPr>
             <a:spLocks noGrp="1"/>
           </p:cNvSpPr>
@@ -3004,8 +5367,8 @@
         </p:nvSpPr>
         <p:spPr>
           <a:xfrm>
-            <a:off x="8610600" y="6356350"/>
-            <a:ext cx="2743200" cy="365125"/>
+            <a:off x="8590663" y="6041362"/>
+            <a:ext cx="683339" cy="365125"/>
           </a:xfrm>
           <a:prstGeom prst="rect">
             <a:avLst/>
@@ -3015,11 +5378,9 @@
           <a:bodyPr vert="horz" lIns="91440" tIns="45720" rIns="91440" bIns="45720" rtlCol="0" anchor="ctr"/>
           <a:lstStyle>
             <a:lvl1pPr algn="r">
-              <a:defRPr sz="1200">
-                <a:solidFill>
-                  <a:schemeClr val="tx1">
-                    <a:tint val="75000"/>
-                  </a:schemeClr>
+              <a:defRPr sz="900">
+                <a:solidFill>
+                  <a:schemeClr val="accent1"/>
                 </a:solidFill>
               </a:defRPr>
             </a:lvl1pPr>
@@ -3036,201 +5397,322 @@
     </p:spTree>
     <p:extLst>
       <p:ext uri="{BB962C8B-B14F-4D97-AF65-F5344CB8AC3E}">
-        <p14:creationId xmlns:p14="http://schemas.microsoft.com/office/powerpoint/2010/main" val="1150182093"/>
+        <p14:creationId xmlns:p14="http://schemas.microsoft.com/office/powerpoint/2010/main" val="1309812543"/>
       </p:ext>
     </p:extLst>
   </p:cSld>
   <p:clrMap bg1="lt1" tx1="dk1" bg2="lt2" tx2="dk2" accent1="accent1" accent2="accent2" accent3="accent3" accent4="accent4" accent5="accent5" accent6="accent6" hlink="hlink" folHlink="folHlink"/>
   <p:sldLayoutIdLst>
-    <p:sldLayoutId id="2147483649" r:id="rId1"/>
-    <p:sldLayoutId id="2147483650" r:id="rId2"/>
-    <p:sldLayoutId id="2147483651" r:id="rId3"/>
-    <p:sldLayoutId id="2147483652" r:id="rId4"/>
-    <p:sldLayoutId id="2147483653" r:id="rId5"/>
-    <p:sldLayoutId id="2147483654" r:id="rId6"/>
-    <p:sldLayoutId id="2147483655" r:id="rId7"/>
-    <p:sldLayoutId id="2147483656" r:id="rId8"/>
-    <p:sldLayoutId id="2147483657" r:id="rId9"/>
-    <p:sldLayoutId id="2147483658" r:id="rId10"/>
-    <p:sldLayoutId id="2147483659" r:id="rId11"/>
+    <p:sldLayoutId id="2147483762" r:id="rId1"/>
+    <p:sldLayoutId id="2147483763" r:id="rId2"/>
+    <p:sldLayoutId id="2147483764" r:id="rId3"/>
+    <p:sldLayoutId id="2147483765" r:id="rId4"/>
+    <p:sldLayoutId id="2147483766" r:id="rId5"/>
+    <p:sldLayoutId id="2147483767" r:id="rId6"/>
+    <p:sldLayoutId id="2147483768" r:id="rId7"/>
+    <p:sldLayoutId id="2147483769" r:id="rId8"/>
+    <p:sldLayoutId id="2147483770" r:id="rId9"/>
+    <p:sldLayoutId id="2147483771" r:id="rId10"/>
+    <p:sldLayoutId id="2147483772" r:id="rId11"/>
+    <p:sldLayoutId id="2147483773" r:id="rId12"/>
+    <p:sldLayoutId id="2147483774" r:id="rId13"/>
+    <p:sldLayoutId id="2147483775" r:id="rId14"/>
+    <p:sldLayoutId id="2147483776" r:id="rId15"/>
+    <p:sldLayoutId id="2147483777" r:id="rId16"/>
   </p:sldLayoutIdLst>
   <p:txStyles>
     <p:titleStyle>
-      <a:lvl1pPr algn="l" defTabSz="914400" rtl="0" eaLnBrk="1" latinLnBrk="0" hangingPunct="1">
-        <a:lnSpc>
-          <a:spcPct val="90000"/>
-        </a:lnSpc>
+      <a:lvl1pPr algn="l" defTabSz="457200" rtl="0" eaLnBrk="1" latinLnBrk="0" hangingPunct="1">
         <a:spcBef>
           <a:spcPct val="0"/>
         </a:spcBef>
         <a:buNone/>
-        <a:defRPr sz="4400" kern="1200">
+        <a:defRPr sz="3600" kern="1200">
           <a:solidFill>
-            <a:schemeClr val="tx1"/>
+            <a:schemeClr val="accent1"/>
           </a:solidFill>
           <a:latin typeface="+mj-lt"/>
           <a:ea typeface="+mj-ea"/>
           <a:cs typeface="+mj-cs"/>
         </a:defRPr>
       </a:lvl1pPr>
+      <a:lvl2pPr eaLnBrk="1" hangingPunct="1">
+        <a:defRPr>
+          <a:solidFill>
+            <a:schemeClr val="tx2"/>
+          </a:solidFill>
+        </a:defRPr>
+      </a:lvl2pPr>
+      <a:lvl3pPr eaLnBrk="1" hangingPunct="1">
+        <a:defRPr>
+          <a:solidFill>
+            <a:schemeClr val="tx2"/>
+          </a:solidFill>
+        </a:defRPr>
+      </a:lvl3pPr>
+      <a:lvl4pPr eaLnBrk="1" hangingPunct="1">
+        <a:defRPr>
+          <a:solidFill>
+            <a:schemeClr val="tx2"/>
+          </a:solidFill>
+        </a:defRPr>
+      </a:lvl4pPr>
+      <a:lvl5pPr eaLnBrk="1" hangingPunct="1">
+        <a:defRPr>
+          <a:solidFill>
+            <a:schemeClr val="tx2"/>
+          </a:solidFill>
+        </a:defRPr>
+      </a:lvl5pPr>
+      <a:lvl6pPr eaLnBrk="1" hangingPunct="1">
+        <a:defRPr>
+          <a:solidFill>
+            <a:schemeClr val="tx2"/>
+          </a:solidFill>
+        </a:defRPr>
+      </a:lvl6pPr>
+      <a:lvl7pPr eaLnBrk="1" hangingPunct="1">
+        <a:defRPr>
+          <a:solidFill>
+            <a:schemeClr val="tx2"/>
+          </a:solidFill>
+        </a:defRPr>
+      </a:lvl7pPr>
+      <a:lvl8pPr eaLnBrk="1" hangingPunct="1">
+        <a:defRPr>
+          <a:solidFill>
+            <a:schemeClr val="tx2"/>
+          </a:solidFill>
+        </a:defRPr>
+      </a:lvl8pPr>
+      <a:lvl9pPr eaLnBrk="1" hangingPunct="1">
+        <a:defRPr>
+          <a:solidFill>
+            <a:schemeClr val="tx2"/>
+          </a:solidFill>
+        </a:defRPr>
+      </a:lvl9pPr>
     </p:titleStyle>
     <p:bodyStyle>
-      <a:lvl1pPr marL="228600" indent="-228600" algn="l" defTabSz="914400" rtl="0" eaLnBrk="1" latinLnBrk="0" hangingPunct="1">
-        <a:lnSpc>
-          <a:spcPct val="90000"/>
-        </a:lnSpc>
+      <a:lvl1pPr marL="342900" indent="-342900" algn="l" defTabSz="457200" rtl="0" eaLnBrk="1" latinLnBrk="0" hangingPunct="1">
         <a:spcBef>
           <a:spcPts val="1000"/>
         </a:spcBef>
-        <a:buFont typeface="Arial" panose="020B0604020202020204" pitchFamily="34" charset="0"/>
-        <a:buChar char="•"/>
-        <a:defRPr sz="2800" kern="1200">
+        <a:spcAft>
+          <a:spcPts val="0"/>
+        </a:spcAft>
+        <a:buClr>
+          <a:schemeClr val="accent1"/>
+        </a:buClr>
+        <a:buSzPct val="80000"/>
+        <a:buFont typeface="Wingdings 3" charset="2"/>
+        <a:buChar char=""/>
+        <a:defRPr sz="1800" kern="1200">
           <a:solidFill>
-            <a:schemeClr val="tx1"/>
+            <a:schemeClr val="tx1">
+              <a:lumMod val="75000"/>
+              <a:lumOff val="25000"/>
+            </a:schemeClr>
           </a:solidFill>
           <a:latin typeface="+mn-lt"/>
           <a:ea typeface="+mn-ea"/>
           <a:cs typeface="+mn-cs"/>
         </a:defRPr>
       </a:lvl1pPr>
-      <a:lvl2pPr marL="685800" indent="-228600" algn="l" defTabSz="914400" rtl="0" eaLnBrk="1" latinLnBrk="0" hangingPunct="1">
-        <a:lnSpc>
-          <a:spcPct val="90000"/>
-        </a:lnSpc>
+      <a:lvl2pPr marL="742950" indent="-285750" algn="l" defTabSz="457200" rtl="0" eaLnBrk="1" latinLnBrk="0" hangingPunct="1">
         <a:spcBef>
-          <a:spcPts val="500"/>
+          <a:spcPts val="1000"/>
         </a:spcBef>
-        <a:buFont typeface="Arial" panose="020B0604020202020204" pitchFamily="34" charset="0"/>
-        <a:buChar char="•"/>
-        <a:defRPr sz="2400" kern="1200">
+        <a:spcAft>
+          <a:spcPts val="0"/>
+        </a:spcAft>
+        <a:buClr>
+          <a:schemeClr val="accent1"/>
+        </a:buClr>
+        <a:buSzPct val="80000"/>
+        <a:buFont typeface="Wingdings 3" charset="2"/>
+        <a:buChar char=""/>
+        <a:defRPr sz="1600" kern="1200">
           <a:solidFill>
-            <a:schemeClr val="tx1"/>
+            <a:schemeClr val="tx1">
+              <a:lumMod val="75000"/>
+              <a:lumOff val="25000"/>
+            </a:schemeClr>
           </a:solidFill>
           <a:latin typeface="+mn-lt"/>
           <a:ea typeface="+mn-ea"/>
           <a:cs typeface="+mn-cs"/>
         </a:defRPr>
       </a:lvl2pPr>
-      <a:lvl3pPr marL="1143000" indent="-228600" algn="l" defTabSz="914400" rtl="0" eaLnBrk="1" latinLnBrk="0" hangingPunct="1">
-        <a:lnSpc>
-          <a:spcPct val="90000"/>
-        </a:lnSpc>
+      <a:lvl3pPr marL="1143000" indent="-228600" algn="l" defTabSz="457200" rtl="0" eaLnBrk="1" latinLnBrk="0" hangingPunct="1">
         <a:spcBef>
-          <a:spcPts val="500"/>
+          <a:spcPts val="1000"/>
         </a:spcBef>
-        <a:buFont typeface="Arial" panose="020B0604020202020204" pitchFamily="34" charset="0"/>
-        <a:buChar char="•"/>
-        <a:defRPr sz="2000" kern="1200">
+        <a:spcAft>
+          <a:spcPts val="0"/>
+        </a:spcAft>
+        <a:buClr>
+          <a:schemeClr val="accent1"/>
+        </a:buClr>
+        <a:buSzPct val="80000"/>
+        <a:buFont typeface="Wingdings 3" charset="2"/>
+        <a:buChar char=""/>
+        <a:defRPr sz="1400" kern="1200">
           <a:solidFill>
-            <a:schemeClr val="tx1"/>
+            <a:schemeClr val="tx1">
+              <a:lumMod val="75000"/>
+              <a:lumOff val="25000"/>
+            </a:schemeClr>
           </a:solidFill>
           <a:latin typeface="+mn-lt"/>
           <a:ea typeface="+mn-ea"/>
           <a:cs typeface="+mn-cs"/>
         </a:defRPr>
       </a:lvl3pPr>
-      <a:lvl4pPr marL="1600200" indent="-228600" algn="l" defTabSz="914400" rtl="0" eaLnBrk="1" latinLnBrk="0" hangingPunct="1">
-        <a:lnSpc>
-          <a:spcPct val="90000"/>
-        </a:lnSpc>
+      <a:lvl4pPr marL="1600200" indent="-228600" algn="l" defTabSz="457200" rtl="0" eaLnBrk="1" latinLnBrk="0" hangingPunct="1">
         <a:spcBef>
-          <a:spcPts val="500"/>
+          <a:spcPts val="1000"/>
         </a:spcBef>
-        <a:buFont typeface="Arial" panose="020B0604020202020204" pitchFamily="34" charset="0"/>
-        <a:buChar char="•"/>
-        <a:defRPr sz="1800" kern="1200">
+        <a:spcAft>
+          <a:spcPts val="0"/>
+        </a:spcAft>
+        <a:buClr>
+          <a:schemeClr val="accent1"/>
+        </a:buClr>
+        <a:buSzPct val="80000"/>
+        <a:buFont typeface="Wingdings 3" charset="2"/>
+        <a:buChar char=""/>
+        <a:defRPr sz="1200" kern="1200">
           <a:solidFill>
-            <a:schemeClr val="tx1"/>
+            <a:schemeClr val="tx1">
+              <a:lumMod val="75000"/>
+              <a:lumOff val="25000"/>
+            </a:schemeClr>
           </a:solidFill>
           <a:latin typeface="+mn-lt"/>
           <a:ea typeface="+mn-ea"/>
           <a:cs typeface="+mn-cs"/>
         </a:defRPr>
       </a:lvl4pPr>
-      <a:lvl5pPr marL="2057400" indent="-228600" algn="l" defTabSz="914400" rtl="0" eaLnBrk="1" latinLnBrk="0" hangingPunct="1">
-        <a:lnSpc>
-          <a:spcPct val="90000"/>
-        </a:lnSpc>
+      <a:lvl5pPr marL="2057400" indent="-228600" algn="l" defTabSz="457200" rtl="0" eaLnBrk="1" latinLnBrk="0" hangingPunct="1">
         <a:spcBef>
-          <a:spcPts val="500"/>
+          <a:spcPts val="1000"/>
         </a:spcBef>
-        <a:buFont typeface="Arial" panose="020B0604020202020204" pitchFamily="34" charset="0"/>
-        <a:buChar char="•"/>
-        <a:defRPr sz="1800" kern="1200">
+        <a:spcAft>
+          <a:spcPts val="0"/>
+        </a:spcAft>
+        <a:buClr>
+          <a:schemeClr val="accent1"/>
+        </a:buClr>
+        <a:buSzPct val="80000"/>
+        <a:buFont typeface="Wingdings 3" charset="2"/>
+        <a:buChar char=""/>
+        <a:defRPr sz="1200" kern="1200">
           <a:solidFill>
-            <a:schemeClr val="tx1"/>
+            <a:schemeClr val="tx1">
+              <a:lumMod val="75000"/>
+              <a:lumOff val="25000"/>
+            </a:schemeClr>
           </a:solidFill>
           <a:latin typeface="+mn-lt"/>
           <a:ea typeface="+mn-ea"/>
           <a:cs typeface="+mn-cs"/>
         </a:defRPr>
       </a:lvl5pPr>
-      <a:lvl6pPr marL="2514600" indent="-228600" algn="l" defTabSz="914400" rtl="0" eaLnBrk="1" latinLnBrk="0" hangingPunct="1">
-        <a:lnSpc>
-          <a:spcPct val="90000"/>
-        </a:lnSpc>
+      <a:lvl6pPr marL="2514600" indent="-228600" algn="l" defTabSz="457200" rtl="0" eaLnBrk="1" latinLnBrk="0" hangingPunct="1">
         <a:spcBef>
-          <a:spcPts val="500"/>
+          <a:spcPts val="1000"/>
         </a:spcBef>
-        <a:buFont typeface="Arial" panose="020B0604020202020204" pitchFamily="34" charset="0"/>
-        <a:buChar char="•"/>
-        <a:defRPr sz="1800" kern="1200">
+        <a:spcAft>
+          <a:spcPts val="0"/>
+        </a:spcAft>
+        <a:buClr>
+          <a:schemeClr val="accent1"/>
+        </a:buClr>
+        <a:buSzPct val="80000"/>
+        <a:buFont typeface="Wingdings 3" charset="2"/>
+        <a:buChar char=""/>
+        <a:defRPr sz="1200" kern="1200">
           <a:solidFill>
-            <a:schemeClr val="tx1"/>
+            <a:schemeClr val="tx1">
+              <a:lumMod val="75000"/>
+              <a:lumOff val="25000"/>
+            </a:schemeClr>
           </a:solidFill>
           <a:latin typeface="+mn-lt"/>
           <a:ea typeface="+mn-ea"/>
           <a:cs typeface="+mn-cs"/>
         </a:defRPr>
       </a:lvl6pPr>
-      <a:lvl7pPr marL="2971800" indent="-228600" algn="l" defTabSz="914400" rtl="0" eaLnBrk="1" latinLnBrk="0" hangingPunct="1">
-        <a:lnSpc>
-          <a:spcPct val="90000"/>
-        </a:lnSpc>
+      <a:lvl7pPr marL="2971800" indent="-228600" algn="l" defTabSz="457200" rtl="0" eaLnBrk="1" latinLnBrk="0" hangingPunct="1">
         <a:spcBef>
-          <a:spcPts val="500"/>
+          <a:spcPts val="1000"/>
         </a:spcBef>
-        <a:buFont typeface="Arial" panose="020B0604020202020204" pitchFamily="34" charset="0"/>
-        <a:buChar char="•"/>
-        <a:defRPr sz="1800" kern="1200">
+        <a:spcAft>
+          <a:spcPts val="0"/>
+        </a:spcAft>
+        <a:buClr>
+          <a:schemeClr val="accent1"/>
+        </a:buClr>
+        <a:buSzPct val="80000"/>
+        <a:buFont typeface="Wingdings 3" charset="2"/>
+        <a:buChar char=""/>
+        <a:defRPr sz="1200" kern="1200">
           <a:solidFill>
-            <a:schemeClr val="tx1"/>
+            <a:schemeClr val="tx1">
+              <a:lumMod val="75000"/>
+              <a:lumOff val="25000"/>
+            </a:schemeClr>
           </a:solidFill>
           <a:latin typeface="+mn-lt"/>
           <a:ea typeface="+mn-ea"/>
           <a:cs typeface="+mn-cs"/>
         </a:defRPr>
       </a:lvl7pPr>
-      <a:lvl8pPr marL="3429000" indent="-228600" algn="l" defTabSz="914400" rtl="0" eaLnBrk="1" latinLnBrk="0" hangingPunct="1">
-        <a:lnSpc>
-          <a:spcPct val="90000"/>
-        </a:lnSpc>
+      <a:lvl8pPr marL="3429000" indent="-228600" algn="l" defTabSz="457200" rtl="0" eaLnBrk="1" latinLnBrk="0" hangingPunct="1">
         <a:spcBef>
-          <a:spcPts val="500"/>
+          <a:spcPts val="1000"/>
         </a:spcBef>
-        <a:buFont typeface="Arial" panose="020B0604020202020204" pitchFamily="34" charset="0"/>
-        <a:buChar char="•"/>
-        <a:defRPr sz="1800" kern="1200">
+        <a:spcAft>
+          <a:spcPts val="0"/>
+        </a:spcAft>
+        <a:buClr>
+          <a:schemeClr val="accent1"/>
+        </a:buClr>
+        <a:buSzPct val="80000"/>
+        <a:buFont typeface="Wingdings 3" charset="2"/>
+        <a:buChar char=""/>
+        <a:defRPr sz="1200" kern="1200">
           <a:solidFill>
-            <a:schemeClr val="tx1"/>
+            <a:schemeClr val="tx1">
+              <a:lumMod val="75000"/>
+              <a:lumOff val="25000"/>
+            </a:schemeClr>
           </a:solidFill>
           <a:latin typeface="+mn-lt"/>
           <a:ea typeface="+mn-ea"/>
           <a:cs typeface="+mn-cs"/>
         </a:defRPr>
       </a:lvl8pPr>
-      <a:lvl9pPr marL="3886200" indent="-228600" algn="l" defTabSz="914400" rtl="0" eaLnBrk="1" latinLnBrk="0" hangingPunct="1">
-        <a:lnSpc>
-          <a:spcPct val="90000"/>
-        </a:lnSpc>
+      <a:lvl9pPr marL="3886200" indent="-228600" algn="l" defTabSz="457200" rtl="0" eaLnBrk="1" latinLnBrk="0" hangingPunct="1">
         <a:spcBef>
-          <a:spcPts val="500"/>
+          <a:spcPts val="1000"/>
         </a:spcBef>
-        <a:buFont typeface="Arial" panose="020B0604020202020204" pitchFamily="34" charset="0"/>
-        <a:buChar char="•"/>
-        <a:defRPr sz="1800" kern="1200">
+        <a:spcAft>
+          <a:spcPts val="0"/>
+        </a:spcAft>
+        <a:buClr>
+          <a:schemeClr val="accent1"/>
+        </a:buClr>
+        <a:buSzPct val="80000"/>
+        <a:buFont typeface="Wingdings 3" charset="2"/>
+        <a:buChar char=""/>
+        <a:defRPr sz="1200" kern="1200">
           <a:solidFill>
-            <a:schemeClr val="tx1"/>
+            <a:schemeClr val="tx1">
+              <a:lumMod val="75000"/>
+              <a:lumOff val="25000"/>
+            </a:schemeClr>
           </a:solidFill>
           <a:latin typeface="+mn-lt"/>
           <a:ea typeface="+mn-ea"/>
@@ -3242,7 +5724,7 @@
       <a:defPPr>
         <a:defRPr lang="en-US"/>
       </a:defPPr>
-      <a:lvl1pPr marL="0" algn="l" defTabSz="914400" rtl="0" eaLnBrk="1" latinLnBrk="0" hangingPunct="1">
+      <a:lvl1pPr marL="0" algn="l" defTabSz="457200" rtl="0" eaLnBrk="1" latinLnBrk="0" hangingPunct="1">
         <a:defRPr sz="1800" kern="1200">
           <a:solidFill>
             <a:schemeClr val="tx1"/>
@@ -3252,7 +5734,7 @@
           <a:cs typeface="+mn-cs"/>
         </a:defRPr>
       </a:lvl1pPr>
-      <a:lvl2pPr marL="457200" algn="l" defTabSz="914400" rtl="0" eaLnBrk="1" latinLnBrk="0" hangingPunct="1">
+      <a:lvl2pPr marL="457200" algn="l" defTabSz="457200" rtl="0" eaLnBrk="1" latinLnBrk="0" hangingPunct="1">
         <a:defRPr sz="1800" kern="1200">
           <a:solidFill>
             <a:schemeClr val="tx1"/>
@@ -3262,7 +5744,7 @@
           <a:cs typeface="+mn-cs"/>
         </a:defRPr>
       </a:lvl2pPr>
-      <a:lvl3pPr marL="914400" algn="l" defTabSz="914400" rtl="0" eaLnBrk="1" latinLnBrk="0" hangingPunct="1">
+      <a:lvl3pPr marL="914400" algn="l" defTabSz="457200" rtl="0" eaLnBrk="1" latinLnBrk="0" hangingPunct="1">
         <a:defRPr sz="1800" kern="1200">
           <a:solidFill>
             <a:schemeClr val="tx1"/>
@@ -3272,7 +5754,7 @@
           <a:cs typeface="+mn-cs"/>
         </a:defRPr>
       </a:lvl3pPr>
-      <a:lvl4pPr marL="1371600" algn="l" defTabSz="914400" rtl="0" eaLnBrk="1" latinLnBrk="0" hangingPunct="1">
+      <a:lvl4pPr marL="1371600" algn="l" defTabSz="457200" rtl="0" eaLnBrk="1" latinLnBrk="0" hangingPunct="1">
         <a:defRPr sz="1800" kern="1200">
           <a:solidFill>
             <a:schemeClr val="tx1"/>
@@ -3282,7 +5764,7 @@
           <a:cs typeface="+mn-cs"/>
         </a:defRPr>
       </a:lvl4pPr>
-      <a:lvl5pPr marL="1828800" algn="l" defTabSz="914400" rtl="0" eaLnBrk="1" latinLnBrk="0" hangingPunct="1">
+      <a:lvl5pPr marL="1828800" algn="l" defTabSz="457200" rtl="0" eaLnBrk="1" latinLnBrk="0" hangingPunct="1">
         <a:defRPr sz="1800" kern="1200">
           <a:solidFill>
             <a:schemeClr val="tx1"/>
@@ -3292,7 +5774,7 @@
           <a:cs typeface="+mn-cs"/>
         </a:defRPr>
       </a:lvl5pPr>
-      <a:lvl6pPr marL="2286000" algn="l" defTabSz="914400" rtl="0" eaLnBrk="1" latinLnBrk="0" hangingPunct="1">
+      <a:lvl6pPr marL="2286000" algn="l" defTabSz="457200" rtl="0" eaLnBrk="1" latinLnBrk="0" hangingPunct="1">
         <a:defRPr sz="1800" kern="1200">
           <a:solidFill>
             <a:schemeClr val="tx1"/>
@@ -3302,7 +5784,7 @@
           <a:cs typeface="+mn-cs"/>
         </a:defRPr>
       </a:lvl6pPr>
-      <a:lvl7pPr marL="2743200" algn="l" defTabSz="914400" rtl="0" eaLnBrk="1" latinLnBrk="0" hangingPunct="1">
+      <a:lvl7pPr marL="2743200" algn="l" defTabSz="457200" rtl="0" eaLnBrk="1" latinLnBrk="0" hangingPunct="1">
         <a:defRPr sz="1800" kern="1200">
           <a:solidFill>
             <a:schemeClr val="tx1"/>
@@ -3312,7 +5794,7 @@
           <a:cs typeface="+mn-cs"/>
         </a:defRPr>
       </a:lvl7pPr>
-      <a:lvl8pPr marL="3200400" algn="l" defTabSz="914400" rtl="0" eaLnBrk="1" latinLnBrk="0" hangingPunct="1">
+      <a:lvl8pPr marL="3200400" algn="l" defTabSz="457200" rtl="0" eaLnBrk="1" latinLnBrk="0" hangingPunct="1">
         <a:defRPr sz="1800" kern="1200">
           <a:solidFill>
             <a:schemeClr val="tx1"/>
@@ -3322,7 +5804,7 @@
           <a:cs typeface="+mn-cs"/>
         </a:defRPr>
       </a:lvl8pPr>
-      <a:lvl9pPr marL="3657600" algn="l" defTabSz="914400" rtl="0" eaLnBrk="1" latinLnBrk="0" hangingPunct="1">
+      <a:lvl9pPr marL="3657600" algn="l" defTabSz="457200" rtl="0" eaLnBrk="1" latinLnBrk="0" hangingPunct="1">
         <a:defRPr sz="1800" kern="1200">
           <a:solidFill>
             <a:schemeClr val="tx1"/>
@@ -3732,8 +6214,8 @@
         </p:nvSpPr>
         <p:spPr>
           <a:xfrm>
-            <a:off x="413657" y="892627"/>
-            <a:ext cx="10853057" cy="4616648"/>
+            <a:off x="121921" y="458956"/>
+            <a:ext cx="11875008" cy="5663089"/>
           </a:xfrm>
           <a:prstGeom prst="rect">
             <a:avLst/>
@@ -3774,6 +6256,27 @@
               </a:rPr>
               <a:t>Project Overview: </a:t>
             </a:r>
+            <a:endParaRPr lang="en-US" sz="2400" b="1" u="sng" kern="1400" dirty="0">
+              <a:solidFill>
+                <a:srgbClr val="3B3838"/>
+              </a:solidFill>
+              <a:highlight>
+                <a:srgbClr val="FFFF00"/>
+              </a:highlight>
+              <a:latin typeface="Times New Roman" panose="02020603050405020304" pitchFamily="18" charset="0"/>
+              <a:ea typeface="MS Gothic" panose="020B0609070205080204" pitchFamily="49" charset="-128"/>
+              <a:cs typeface="Times New Roman" panose="02020603050405020304" pitchFamily="18" charset="0"/>
+            </a:endParaRPr>
+          </a:p>
+          <a:p>
+            <a:pPr marL="457200">
+              <a:spcBef>
+                <a:spcPts val="1800"/>
+              </a:spcBef>
+              <a:spcAft>
+                <a:spcPts val="1200"/>
+              </a:spcAft>
+            </a:pPr>
             <a:r>
               <a:rPr lang="en-US" sz="1800" b="1" kern="1400" dirty="0">
                 <a:solidFill>
@@ -3784,7 +6287,29 @@
                 <a:ea typeface="MS Gothic" panose="020B0609070205080204" pitchFamily="49" charset="-128"/>
                 <a:cs typeface="Times New Roman" panose="02020603050405020304" pitchFamily="18" charset="0"/>
               </a:rPr>
-              <a:t>Description: To adopt public API to investigate covid-19 information related to specific countries and the world. Purpose:  To retrieve information about deaths due to covid-19 related to countries and show them on the world map. </a:t>
+              <a:t>Description: To adopt public API to investigate covid-19 information related to specific countries and the world. </a:t>
+            </a:r>
+          </a:p>
+          <a:p>
+            <a:pPr marL="457200">
+              <a:spcBef>
+                <a:spcPts val="1800"/>
+              </a:spcBef>
+              <a:spcAft>
+                <a:spcPts val="1200"/>
+              </a:spcAft>
+            </a:pPr>
+            <a:r>
+              <a:rPr lang="en-US" sz="1800" b="1" kern="1400" dirty="0">
+                <a:solidFill>
+                  <a:srgbClr val="3B3838"/>
+                </a:solidFill>
+                <a:effectLst/>
+                <a:latin typeface="Times New Roman" panose="02020603050405020304" pitchFamily="18" charset="0"/>
+                <a:ea typeface="MS Gothic" panose="020B0609070205080204" pitchFamily="49" charset="-128"/>
+                <a:cs typeface="Times New Roman" panose="02020603050405020304" pitchFamily="18" charset="0"/>
+              </a:rPr>
+              <a:t>Purpose:  To retrieve information about deaths due to covid-19 related to countries and show them on the world map. </a:t>
             </a:r>
             <a:endParaRPr lang="en-SG" b="1" kern="1400" dirty="0">
               <a:solidFill>
@@ -3984,8 +6509,8 @@
         </p:nvGrpSpPr>
         <p:grpSpPr>
           <a:xfrm>
-            <a:off x="410173" y="435497"/>
-            <a:ext cx="8265223" cy="3934253"/>
+            <a:off x="994373" y="406974"/>
+            <a:ext cx="8975127" cy="3783806"/>
             <a:chOff x="951929" y="1025915"/>
             <a:chExt cx="8265223" cy="3934253"/>
           </a:xfrm>
@@ -4148,10 +6673,10 @@
       </p:grpSp>
       <p:sp>
         <p:nvSpPr>
-          <p:cNvPr id="10" name="TextBox 9">
+          <p:cNvPr id="11" name="TextBox 10">
             <a:extLst>
               <a:ext uri="{FF2B5EF4-FFF2-40B4-BE49-F238E27FC236}">
-                <a16:creationId xmlns:a16="http://schemas.microsoft.com/office/drawing/2014/main" id="{03B42DFF-4B9C-48E9-70F1-07BC3B369431}"/>
+                <a16:creationId xmlns:a16="http://schemas.microsoft.com/office/drawing/2014/main" id="{B59F89B3-D7D5-2879-4EAC-99F8943653B2}"/>
               </a:ext>
             </a:extLst>
           </p:cNvPr>
@@ -4160,8 +6685,138 @@
         </p:nvSpPr>
         <p:spPr>
           <a:xfrm>
-            <a:off x="410173" y="4531662"/>
-            <a:ext cx="10287001" cy="1754326"/>
+            <a:off x="8949944" y="3987657"/>
+            <a:ext cx="2039111" cy="369332"/>
+          </a:xfrm>
+          <a:prstGeom prst="rect">
+            <a:avLst/>
+          </a:prstGeom>
+          <a:solidFill>
+            <a:schemeClr val="accent2"/>
+          </a:solidFill>
+        </p:spPr>
+        <p:txBody>
+          <a:bodyPr wrap="square" rtlCol="0">
+            <a:spAutoFit/>
+          </a:bodyPr>
+          <a:lstStyle/>
+          <a:p>
+            <a:r>
+              <a:rPr lang="en-US" dirty="0"/>
+              <a:t>TWO DATAFRAMES</a:t>
+            </a:r>
+            <a:endParaRPr lang="en-SG" dirty="0"/>
+          </a:p>
+        </p:txBody>
+      </p:sp>
+      <p:pic>
+        <p:nvPicPr>
+          <p:cNvPr id="2" name="Picture 1">
+            <a:extLst>
+              <a:ext uri="{FF2B5EF4-FFF2-40B4-BE49-F238E27FC236}">
+                <a16:creationId xmlns:a16="http://schemas.microsoft.com/office/drawing/2014/main" id="{B14176C7-B9D5-218B-569D-A3E9A121B9D4}"/>
+              </a:ext>
+            </a:extLst>
+          </p:cNvPr>
+          <p:cNvPicPr>
+            <a:picLocks noChangeAspect="1"/>
+          </p:cNvPicPr>
+          <p:nvPr/>
+        </p:nvPicPr>
+        <p:blipFill>
+          <a:blip r:embed="rId4"/>
+          <a:stretch>
+            <a:fillRect/>
+          </a:stretch>
+        </p:blipFill>
+        <p:spPr>
+          <a:xfrm>
+            <a:off x="188973" y="4860950"/>
+            <a:ext cx="4458378" cy="873975"/>
+          </a:xfrm>
+          <a:prstGeom prst="rect">
+            <a:avLst/>
+          </a:prstGeom>
+        </p:spPr>
+      </p:pic>
+      <p:sp>
+        <p:nvSpPr>
+          <p:cNvPr id="4" name="TextBox 3">
+            <a:extLst>
+              <a:ext uri="{FF2B5EF4-FFF2-40B4-BE49-F238E27FC236}">
+                <a16:creationId xmlns:a16="http://schemas.microsoft.com/office/drawing/2014/main" id="{F7705E7C-6219-82DF-0502-D4F56F6C91BB}"/>
+              </a:ext>
+            </a:extLst>
+          </p:cNvPr>
+          <p:cNvSpPr txBox="1"/>
+          <p:nvPr/>
+        </p:nvSpPr>
+        <p:spPr>
+          <a:xfrm>
+            <a:off x="141857" y="4424108"/>
+            <a:ext cx="4458378" cy="369332"/>
+          </a:xfrm>
+          <a:prstGeom prst="rect">
+            <a:avLst/>
+          </a:prstGeom>
+          <a:noFill/>
+        </p:spPr>
+        <p:txBody>
+          <a:bodyPr wrap="square">
+            <a:spAutoFit/>
+          </a:bodyPr>
+          <a:lstStyle/>
+          <a:p>
+            <a:pPr>
+              <a:spcBef>
+                <a:spcPts val="1800"/>
+              </a:spcBef>
+              <a:spcAft>
+                <a:spcPts val="1200"/>
+              </a:spcAft>
+            </a:pPr>
+            <a:r>
+              <a:rPr lang="en-US" b="1" u="sng" kern="1400" dirty="0">
+                <a:solidFill>
+                  <a:srgbClr val="3B3838"/>
+                </a:solidFill>
+                <a:highlight>
+                  <a:srgbClr val="FFFF00"/>
+                </a:highlight>
+                <a:latin typeface="Times New Roman" panose="02020603050405020304" pitchFamily="18" charset="0"/>
+                <a:ea typeface="MS Gothic" panose="020B0609070205080204" pitchFamily="49" charset="-128"/>
+                <a:cs typeface="Times New Roman" panose="02020603050405020304" pitchFamily="18" charset="0"/>
+              </a:rPr>
+              <a:t>API Info (used two to get the information)</a:t>
+            </a:r>
+            <a:endParaRPr lang="en-SG" sz="3200" b="1" kern="1400" dirty="0">
+              <a:solidFill>
+                <a:srgbClr val="3B3838"/>
+              </a:solidFill>
+              <a:effectLst/>
+              <a:latin typeface="Segoe UI Light" panose="020B0502040204020203" pitchFamily="34" charset="0"/>
+              <a:ea typeface="MS Gothic" panose="020B0609070205080204" pitchFamily="49" charset="-128"/>
+              <a:cs typeface="Times New Roman" panose="02020603050405020304" pitchFamily="18" charset="0"/>
+            </a:endParaRPr>
+          </a:p>
+        </p:txBody>
+      </p:sp>
+      <p:sp>
+        <p:nvSpPr>
+          <p:cNvPr id="5" name="TextBox 4">
+            <a:extLst>
+              <a:ext uri="{FF2B5EF4-FFF2-40B4-BE49-F238E27FC236}">
+                <a16:creationId xmlns:a16="http://schemas.microsoft.com/office/drawing/2014/main" id="{7DA1FC0C-287E-B04C-E10C-AE10D91B910A}"/>
+              </a:ext>
+            </a:extLst>
+          </p:cNvPr>
+          <p:cNvSpPr txBox="1"/>
+          <p:nvPr/>
+        </p:nvSpPr>
+        <p:spPr>
+          <a:xfrm>
+            <a:off x="4885656" y="4505281"/>
+            <a:ext cx="7048718" cy="2062103"/>
           </a:xfrm>
           <a:prstGeom prst="rect">
             <a:avLst/>
@@ -4179,75 +6834,67 @@
           <a:lstStyle/>
           <a:p>
             <a:r>
-              <a:rPr lang="en-US" dirty="0"/>
-              <a:t>One  data frame was created from Json file through API: the data was clustered as dictionaries of dictionaries. So it was first converted to a data frame. The name of the first data frame is dataframeReports.</a:t>
-            </a:r>
-          </a:p>
-          <a:p>
-            <a:endParaRPr lang="en-US" dirty="0"/>
-          </a:p>
-          <a:p>
-            <a:r>
-              <a:rPr lang="en-US" dirty="0"/>
+              <a:rPr lang="en-US" sz="1600" dirty="0"/>
+              <a:t>One data frame was created from Json file through API: the data was clustered as dictionaries of dictionaries. So it was first converted to a data frame. The name of the first data frame is dataframeReports.</a:t>
+            </a:r>
+          </a:p>
+          <a:p>
+            <a:endParaRPr lang="en-US" sz="1600" dirty="0"/>
+          </a:p>
+          <a:p>
+            <a:r>
+              <a:rPr lang="en-US" sz="1600" dirty="0"/>
               <a:t>After investigation, it was found that the </a:t>
             </a:r>
             <a:r>
-              <a:rPr lang="en-SG" dirty="0" err="1"/>
+              <a:rPr lang="en-SG" sz="1600" dirty="0" err="1"/>
               <a:t>dataframeReports</a:t>
             </a:r>
             <a:r>
-              <a:rPr lang="en-SG" dirty="0"/>
+              <a:rPr lang="en-SG" sz="1600" dirty="0"/>
               <a:t> contains Date/Time stamps, numeric and non-numeric clustered information. The clustered information in ASSIGNED to one column, which was converted into a second data frame. Named as </a:t>
             </a:r>
             <a:r>
-              <a:rPr lang="en-SG" dirty="0" err="1"/>
+              <a:rPr lang="en-SG" sz="1600" dirty="0" err="1"/>
               <a:t>dataframeLocation</a:t>
             </a:r>
             <a:r>
-              <a:rPr lang="en-SG" dirty="0"/>
+              <a:rPr lang="en-SG" sz="1600" dirty="0"/>
               <a:t>.</a:t>
             </a:r>
           </a:p>
         </p:txBody>
       </p:sp>
-      <p:sp>
-        <p:nvSpPr>
-          <p:cNvPr id="11" name="TextBox 10">
+      <p:pic>
+        <p:nvPicPr>
+          <p:cNvPr id="12" name="Picture 11">
             <a:extLst>
               <a:ext uri="{FF2B5EF4-FFF2-40B4-BE49-F238E27FC236}">
-                <a16:creationId xmlns:a16="http://schemas.microsoft.com/office/drawing/2014/main" id="{B59F89B3-D7D5-2879-4EAC-99F8943653B2}"/>
+                <a16:creationId xmlns:a16="http://schemas.microsoft.com/office/drawing/2014/main" id="{98578EA1-BE2A-9B7E-7EF3-3A8CB551ED9C}"/>
               </a:ext>
             </a:extLst>
           </p:cNvPr>
-          <p:cNvSpPr txBox="1"/>
+          <p:cNvPicPr>
+            <a:picLocks noChangeAspect="1"/>
+          </p:cNvPicPr>
           <p:nvPr/>
-        </p:nvSpPr>
+        </p:nvPicPr>
+        <p:blipFill>
+          <a:blip r:embed="rId5"/>
+          <a:stretch>
+            <a:fillRect/>
+          </a:stretch>
+        </p:blipFill>
         <p:spPr>
           <a:xfrm>
-            <a:off x="4142233" y="6422503"/>
-            <a:ext cx="2039111" cy="369332"/>
+            <a:off x="188973" y="5963334"/>
+            <a:ext cx="4222343" cy="577007"/>
           </a:xfrm>
           <a:prstGeom prst="rect">
             <a:avLst/>
           </a:prstGeom>
-          <a:solidFill>
-            <a:schemeClr val="accent2"/>
-          </a:solidFill>
         </p:spPr>
-        <p:txBody>
-          <a:bodyPr wrap="square" rtlCol="0">
-            <a:spAutoFit/>
-          </a:bodyPr>
-          <a:lstStyle/>
-          <a:p>
-            <a:r>
-              <a:rPr lang="en-US" dirty="0"/>
-              <a:t>TWO DATAFRAMES</a:t>
-            </a:r>
-            <a:endParaRPr lang="en-SG" dirty="0"/>
-          </a:p>
-        </p:txBody>
-      </p:sp>
+      </p:pic>
     </p:spTree>
     <p:extLst>
       <p:ext uri="{BB962C8B-B14F-4D97-AF65-F5344CB8AC3E}">
@@ -4292,7 +6939,7 @@
         </p:nvSpPr>
         <p:spPr>
           <a:xfrm>
-            <a:off x="544285" y="296918"/>
+            <a:off x="332752" y="307284"/>
             <a:ext cx="6096000" cy="369332"/>
           </a:xfrm>
           <a:prstGeom prst="rect">
@@ -4362,8 +7009,8 @@
         </p:blipFill>
         <p:spPr>
           <a:xfrm>
-            <a:off x="6568626" y="1858977"/>
-            <a:ext cx="3706033" cy="3212698"/>
+            <a:off x="6428752" y="1973006"/>
+            <a:ext cx="3359145" cy="2911987"/>
           </a:xfrm>
           <a:prstGeom prst="rect">
             <a:avLst/>
@@ -4392,7 +7039,7 @@
         </p:blipFill>
         <p:spPr>
           <a:xfrm>
-            <a:off x="205368" y="5324429"/>
+            <a:off x="261141" y="5299826"/>
             <a:ext cx="6020640" cy="943107"/>
           </a:xfrm>
           <a:prstGeom prst="rect">
@@ -4414,8 +7061,8 @@
         </p:nvSpPr>
         <p:spPr>
           <a:xfrm>
-            <a:off x="205368" y="4942275"/>
-            <a:ext cx="6096000" cy="369332"/>
+            <a:off x="223461" y="4869916"/>
+            <a:ext cx="3562963" cy="369332"/>
           </a:xfrm>
           <a:prstGeom prst="rect">
             <a:avLst/>
@@ -4476,7 +7123,7 @@
         </p:nvGrpSpPr>
         <p:grpSpPr>
           <a:xfrm>
-            <a:off x="5445719" y="108421"/>
+            <a:off x="5361253" y="291672"/>
             <a:ext cx="6459768" cy="1562543"/>
             <a:chOff x="5732232" y="4855342"/>
             <a:chExt cx="6459768" cy="1562543"/>
@@ -4675,10 +7322,10 @@
         </p:nvGrpSpPr>
         <p:grpSpPr>
           <a:xfrm>
-            <a:off x="205368" y="598078"/>
-            <a:ext cx="5080099" cy="4232559"/>
-            <a:chOff x="378986" y="666250"/>
-            <a:chExt cx="5080099" cy="4232559"/>
+            <a:off x="332752" y="596536"/>
+            <a:ext cx="4363117" cy="3643245"/>
+            <a:chOff x="325865" y="644082"/>
+            <a:chExt cx="5133220" cy="4358292"/>
           </a:xfrm>
         </p:grpSpPr>
         <p:pic>
@@ -4725,8 +7372,8 @@
           </p:nvSpPr>
           <p:spPr>
             <a:xfrm>
-              <a:off x="665499" y="666250"/>
-              <a:ext cx="3723621" cy="369332"/>
+              <a:off x="370839" y="644082"/>
+              <a:ext cx="4859605" cy="405001"/>
             </a:xfrm>
             <a:prstGeom prst="rect">
               <a:avLst/>
@@ -4740,10 +7387,10 @@
             <a:lstStyle/>
             <a:p>
               <a:r>
-                <a:rPr lang="en-US" u="sng" dirty="0"/>
+                <a:rPr lang="en-US" sz="1600" u="sng" dirty="0"/>
                 <a:t>dataframeReports (missing info)</a:t>
               </a:r>
-              <a:endParaRPr lang="en-SG" u="sng" dirty="0"/>
+              <a:endParaRPr lang="en-SG" sz="1600" u="sng" dirty="0"/>
             </a:p>
           </p:txBody>
         </p:sp>
@@ -4761,8 +7408,8 @@
           </p:nvSpPr>
           <p:spPr>
             <a:xfrm>
-              <a:off x="378986" y="4529477"/>
-              <a:ext cx="4296645" cy="369332"/>
+              <a:off x="325865" y="4560555"/>
+              <a:ext cx="5067201" cy="441819"/>
             </a:xfrm>
             <a:prstGeom prst="rect">
               <a:avLst/>
@@ -4804,7 +7451,7 @@
         </p:nvGrpSpPr>
         <p:grpSpPr>
           <a:xfrm>
-            <a:off x="6455372" y="5259688"/>
+            <a:off x="6597451" y="5279793"/>
             <a:ext cx="4982270" cy="911525"/>
             <a:chOff x="6530732" y="5508141"/>
             <a:chExt cx="4982270" cy="911525"/>
@@ -5063,7 +7710,7 @@
         </p:nvSpPr>
         <p:spPr>
           <a:xfrm>
-            <a:off x="4421341" y="6560205"/>
+            <a:off x="3823933" y="76272"/>
             <a:ext cx="6096000" cy="369332"/>
           </a:xfrm>
           <a:prstGeom prst="rect">
@@ -5141,6 +7788,52 @@
           <a:chExt cx="0" cy="0"/>
         </a:xfrm>
       </p:grpSpPr>
+      <p:sp>
+        <p:nvSpPr>
+          <p:cNvPr id="6" name="Rectangle 5">
+            <a:extLst>
+              <a:ext uri="{FF2B5EF4-FFF2-40B4-BE49-F238E27FC236}">
+                <a16:creationId xmlns:a16="http://schemas.microsoft.com/office/drawing/2014/main" id="{B5BF22DE-4887-75B3-97DD-14152C71B89F}"/>
+              </a:ext>
+            </a:extLst>
+          </p:cNvPr>
+          <p:cNvSpPr/>
+          <p:nvPr/>
+        </p:nvSpPr>
+        <p:spPr>
+          <a:xfrm>
+            <a:off x="1855515" y="5118251"/>
+            <a:ext cx="5057349" cy="1707989"/>
+          </a:xfrm>
+          <a:prstGeom prst="rect">
+            <a:avLst/>
+          </a:prstGeom>
+        </p:spPr>
+        <p:style>
+          <a:lnRef idx="2">
+            <a:schemeClr val="accent1">
+              <a:shade val="15000"/>
+            </a:schemeClr>
+          </a:lnRef>
+          <a:fillRef idx="1">
+            <a:schemeClr val="accent1"/>
+          </a:fillRef>
+          <a:effectRef idx="0">
+            <a:schemeClr val="accent1"/>
+          </a:effectRef>
+          <a:fontRef idx="minor">
+            <a:schemeClr val="lt1"/>
+          </a:fontRef>
+        </p:style>
+        <p:txBody>
+          <a:bodyPr rtlCol="0" anchor="ctr"/>
+          <a:lstStyle/>
+          <a:p>
+            <a:pPr algn="ctr"/>
+            <a:endParaRPr lang="en-SG"/>
+          </a:p>
+        </p:txBody>
+      </p:sp>
       <p:pic>
         <p:nvPicPr>
           <p:cNvPr id="5" name="Picture 4">
@@ -5163,7 +7856,7 @@
         </p:blipFill>
         <p:spPr>
           <a:xfrm>
-            <a:off x="452388" y="2554855"/>
+            <a:off x="219456" y="2167428"/>
             <a:ext cx="6277596" cy="3246337"/>
           </a:xfrm>
           <a:prstGeom prst="rect">
@@ -5185,7 +7878,7 @@
         </p:nvGrpSpPr>
         <p:grpSpPr>
           <a:xfrm>
-            <a:off x="269508" y="363832"/>
+            <a:off x="0" y="185221"/>
             <a:ext cx="9024392" cy="1982206"/>
             <a:chOff x="269508" y="3838552"/>
             <a:chExt cx="9024392" cy="1982206"/>
@@ -5319,7 +8012,7 @@
         </p:blipFill>
         <p:spPr>
           <a:xfrm>
-            <a:off x="7478358" y="3024815"/>
+            <a:off x="7478358" y="3002453"/>
             <a:ext cx="4172532" cy="2543530"/>
           </a:xfrm>
           <a:prstGeom prst="rect">
@@ -5419,6 +8112,72 @@
           </a:p>
         </p:txBody>
       </p:sp>
+      <p:pic>
+        <p:nvPicPr>
+          <p:cNvPr id="3" name="Picture 2">
+            <a:extLst>
+              <a:ext uri="{FF2B5EF4-FFF2-40B4-BE49-F238E27FC236}">
+                <a16:creationId xmlns:a16="http://schemas.microsoft.com/office/drawing/2014/main" id="{F54D25F5-E2FC-0396-E1E9-62339C084B92}"/>
+              </a:ext>
+            </a:extLst>
+          </p:cNvPr>
+          <p:cNvPicPr>
+            <a:picLocks noChangeAspect="1"/>
+          </p:cNvPicPr>
+          <p:nvPr/>
+        </p:nvPicPr>
+        <p:blipFill>
+          <a:blip r:embed="rId7"/>
+          <a:stretch>
+            <a:fillRect/>
+          </a:stretch>
+        </p:blipFill>
+        <p:spPr>
+          <a:xfrm>
+            <a:off x="5867121" y="5118251"/>
+            <a:ext cx="943107" cy="1648055"/>
+          </a:xfrm>
+          <a:prstGeom prst="rect">
+            <a:avLst/>
+          </a:prstGeom>
+        </p:spPr>
+      </p:pic>
+      <p:sp>
+        <p:nvSpPr>
+          <p:cNvPr id="4" name="TextBox 3">
+            <a:extLst>
+              <a:ext uri="{FF2B5EF4-FFF2-40B4-BE49-F238E27FC236}">
+                <a16:creationId xmlns:a16="http://schemas.microsoft.com/office/drawing/2014/main" id="{E548CAF6-6641-79C9-3D4B-C5A1906CA984}"/>
+              </a:ext>
+            </a:extLst>
+          </p:cNvPr>
+          <p:cNvSpPr txBox="1"/>
+          <p:nvPr/>
+        </p:nvSpPr>
+        <p:spPr>
+          <a:xfrm>
+            <a:off x="1855515" y="5981503"/>
+            <a:ext cx="4396650" cy="276999"/>
+          </a:xfrm>
+          <a:prstGeom prst="rect">
+            <a:avLst/>
+          </a:prstGeom>
+          <a:noFill/>
+        </p:spPr>
+        <p:txBody>
+          <a:bodyPr wrap="square" rtlCol="0">
+            <a:spAutoFit/>
+          </a:bodyPr>
+          <a:lstStyle/>
+          <a:p>
+            <a:r>
+              <a:rPr lang="en-US" sz="1200" dirty="0"/>
+              <a:t>Countries: fatality rate (descending order of deaths)</a:t>
+            </a:r>
+            <a:endParaRPr lang="en-SG" sz="1200" dirty="0"/>
+          </a:p>
+        </p:txBody>
+      </p:sp>
     </p:spTree>
     <p:extLst>
       <p:ext uri="{BB962C8B-B14F-4D97-AF65-F5344CB8AC3E}">
@@ -5596,7 +8355,7 @@
         </p:nvSpPr>
         <p:spPr>
           <a:xfrm>
-            <a:off x="4621520" y="6488668"/>
+            <a:off x="377951" y="5958085"/>
             <a:ext cx="2694432" cy="369332"/>
           </a:xfrm>
           <a:prstGeom prst="rect">
@@ -5750,20 +8509,27 @@
             <p:ph type="title"/>
           </p:nvPr>
         </p:nvSpPr>
-        <p:spPr/>
-        <p:txBody>
-          <a:bodyPr/>
+        <p:spPr>
+          <a:xfrm>
+            <a:off x="280417" y="4293891"/>
+            <a:ext cx="2755391" cy="820717"/>
+          </a:xfrm>
+        </p:spPr>
+        <p:txBody>
+          <a:bodyPr>
+            <a:normAutofit/>
+          </a:bodyPr>
           <a:lstStyle/>
           <a:p>
             <a:r>
-              <a:rPr lang="en-US" dirty="0">
+              <a:rPr lang="en-US" sz="3200" dirty="0">
                 <a:highlight>
                   <a:srgbClr val="FFFF00"/>
                 </a:highlight>
               </a:rPr>
               <a:t>References</a:t>
             </a:r>
-            <a:endParaRPr lang="en-SG" dirty="0">
+            <a:endParaRPr lang="en-SG" sz="3200" dirty="0">
               <a:highlight>
                 <a:srgbClr val="FFFF00"/>
               </a:highlight>
@@ -5787,63 +8553,70 @@
             <p:ph idx="1"/>
           </p:nvPr>
         </p:nvSpPr>
-        <p:spPr/>
-        <p:txBody>
-          <a:bodyPr/>
+        <p:spPr>
+          <a:xfrm>
+            <a:off x="138684" y="4850343"/>
+            <a:ext cx="7359396" cy="1325563"/>
+          </a:xfrm>
+        </p:spPr>
+        <p:txBody>
+          <a:bodyPr>
+            <a:normAutofit fontScale="85000" lnSpcReduction="20000"/>
+          </a:bodyPr>
           <a:lstStyle/>
           <a:p>
             <a:r>
-              <a:rPr lang="en-US" dirty="0" err="1"/>
+              <a:rPr lang="en-US" sz="2000" dirty="0" err="1"/>
               <a:t>Requirements_couldnot</a:t>
             </a:r>
             <a:r>
-              <a:rPr lang="en-US" dirty="0"/>
+              <a:rPr lang="en-US" sz="2000" dirty="0"/>
               <a:t> install profiling etc.txt</a:t>
             </a:r>
           </a:p>
           <a:p>
             <a:r>
-              <a:rPr lang="en-US" dirty="0" err="1"/>
+              <a:rPr lang="en-US" sz="2000" dirty="0" err="1"/>
               <a:t>Jupyter_colab_programInforVenuGopal</a:t>
             </a:r>
             <a:r>
-              <a:rPr lang="en-US" dirty="0"/>
+              <a:rPr lang="en-US" sz="2000" dirty="0"/>
               <a:t>…..doc </a:t>
             </a:r>
           </a:p>
           <a:p>
             <a:r>
-              <a:rPr lang="en-SG" dirty="0" err="1"/>
+              <a:rPr lang="en-SG" sz="2000" dirty="0" err="1"/>
               <a:t>Mini_project_Colab</a:t>
             </a:r>
             <a:r>
-              <a:rPr lang="en-SG" dirty="0"/>
+              <a:rPr lang="en-SG" sz="2000" dirty="0"/>
               <a:t> </a:t>
             </a:r>
             <a:r>
-              <a:rPr lang="en-SG" dirty="0" err="1"/>
+              <a:rPr lang="en-SG" sz="2000" dirty="0" err="1"/>
               <a:t>Version.ipynb</a:t>
             </a:r>
-            <a:endParaRPr lang="en-US" dirty="0"/>
-          </a:p>
-          <a:p>
-            <a:r>
-              <a:rPr lang="en-SG" dirty="0"/>
+            <a:endParaRPr lang="en-US" sz="2000" dirty="0"/>
+          </a:p>
+          <a:p>
+            <a:r>
+              <a:rPr lang="en-SG" sz="2000" dirty="0"/>
               <a:t>Final </a:t>
             </a:r>
             <a:r>
-              <a:rPr lang="en-SG" dirty="0" err="1"/>
+              <a:rPr lang="en-SG" sz="2000" dirty="0" err="1"/>
               <a:t>DataScience</a:t>
             </a:r>
             <a:r>
-              <a:rPr lang="en-SG" dirty="0"/>
+              <a:rPr lang="en-SG" sz="2000" dirty="0"/>
               <a:t> mini_Project_8AUG...</a:t>
             </a:r>
             <a:r>
-              <a:rPr lang="en-SG" dirty="0" err="1"/>
+              <a:rPr lang="en-SG" sz="2000" dirty="0" err="1"/>
               <a:t>ipynb</a:t>
             </a:r>
-            <a:endParaRPr lang="en-SG" dirty="0"/>
+            <a:endParaRPr lang="en-SG" sz="2000" dirty="0"/>
           </a:p>
         </p:txBody>
       </p:sp>
@@ -5862,8 +8635,8 @@
           <p:nvPr/>
         </p:nvSpPr>
         <p:spPr>
-          <a:xfrm>
-            <a:off x="7548155" y="5162323"/>
+          <a:xfrm rot="20042707">
+            <a:off x="8206305" y="4187562"/>
             <a:ext cx="3045822" cy="1325563"/>
           </a:xfrm>
           <a:prstGeom prst="rect">
@@ -5907,6 +8680,192 @@
                 <a:srgbClr val="FFFF00"/>
               </a:highlight>
             </a:endParaRPr>
+          </a:p>
+        </p:txBody>
+      </p:sp>
+      <p:sp>
+        <p:nvSpPr>
+          <p:cNvPr id="8" name="TextBox 7">
+            <a:extLst>
+              <a:ext uri="{FF2B5EF4-FFF2-40B4-BE49-F238E27FC236}">
+                <a16:creationId xmlns:a16="http://schemas.microsoft.com/office/drawing/2014/main" id="{E6B94692-8A15-135B-F79A-C2CA7E5EFC23}"/>
+              </a:ext>
+            </a:extLst>
+          </p:cNvPr>
+          <p:cNvSpPr txBox="1"/>
+          <p:nvPr/>
+        </p:nvSpPr>
+        <p:spPr>
+          <a:xfrm>
+            <a:off x="280417" y="208334"/>
+            <a:ext cx="6693407" cy="4124206"/>
+          </a:xfrm>
+          <a:prstGeom prst="rect">
+            <a:avLst/>
+          </a:prstGeom>
+          <a:noFill/>
+        </p:spPr>
+        <p:txBody>
+          <a:bodyPr wrap="square">
+            <a:spAutoFit/>
+          </a:bodyPr>
+          <a:lstStyle>
+            <a:defPPr>
+              <a:defRPr lang="en-US"/>
+            </a:defPPr>
+            <a:lvl1pPr>
+              <a:spcBef>
+                <a:spcPts val="1800"/>
+              </a:spcBef>
+              <a:spcAft>
+                <a:spcPts val="1200"/>
+              </a:spcAft>
+              <a:defRPr b="1" u="sng" kern="1400">
+                <a:solidFill>
+                  <a:srgbClr val="3B3838"/>
+                </a:solidFill>
+                <a:highlight>
+                  <a:srgbClr val="FFFF00"/>
+                </a:highlight>
+                <a:latin typeface="Times New Roman" panose="02020603050405020304" pitchFamily="18" charset="0"/>
+                <a:ea typeface="MS Gothic" panose="020B0609070205080204" pitchFamily="49" charset="-128"/>
+                <a:cs typeface="Times New Roman" panose="02020603050405020304" pitchFamily="18" charset="0"/>
+              </a:defRPr>
+            </a:lvl1pPr>
+          </a:lstStyle>
+          <a:p>
+            <a:r>
+              <a:rPr lang="en-US" dirty="0"/>
+              <a:t>Conclusions </a:t>
+            </a:r>
+          </a:p>
+          <a:p>
+            <a:pPr marL="342900" indent="-342900">
+              <a:buAutoNum type="arabicPeriod"/>
+            </a:pPr>
+            <a:r>
+              <a:rPr lang="en-US" b="0" dirty="0"/>
+              <a:t>Fatality rate is not exactly related to the number of deaths between countries.</a:t>
+            </a:r>
+          </a:p>
+          <a:p>
+            <a:pPr marL="342900" indent="-342900">
+              <a:buAutoNum type="arabicPeriod"/>
+            </a:pPr>
+            <a:r>
+              <a:rPr lang="en-US" b="0" dirty="0"/>
+              <a:t>higher confirmed and active cases leading to higher death  </a:t>
+            </a:r>
+          </a:p>
+          <a:p>
+            <a:pPr marL="342900" indent="-342900">
+              <a:buAutoNum type="arabicPeriod"/>
+            </a:pPr>
+            <a:r>
+              <a:rPr lang="en-US" b="0" dirty="0"/>
+              <a:t>From SQL: we can get the number of occurrences of a range of deaths (for example we can find, how many times people between 5000 to 10,000 died in a particular country during covid-19 period) </a:t>
+            </a:r>
+          </a:p>
+          <a:p>
+            <a:pPr marL="342900" indent="-342900">
+              <a:buAutoNum type="arabicPeriod"/>
+            </a:pPr>
+            <a:r>
+              <a:rPr lang="en-US" b="0" dirty="0"/>
+              <a:t>Details can be </a:t>
+            </a:r>
+            <a:r>
+              <a:rPr lang="en-US" sz="1600" b="0" dirty="0"/>
+              <a:t>popped</a:t>
+            </a:r>
+            <a:r>
+              <a:rPr lang="en-US" b="0" dirty="0"/>
+              <a:t> up which contain the number of deaths, fatality rate, active cases, confirmed cases </a:t>
+            </a:r>
+            <a:r>
+              <a:rPr lang="en-US" b="0" dirty="0" err="1"/>
+              <a:t>etc</a:t>
+            </a:r>
+            <a:r>
+              <a:rPr lang="en-US" b="0" dirty="0"/>
+              <a:t> </a:t>
+            </a:r>
+            <a:endParaRPr lang="en-SG" b="0" dirty="0"/>
+          </a:p>
+        </p:txBody>
+      </p:sp>
+      <p:sp>
+        <p:nvSpPr>
+          <p:cNvPr id="10" name="TextBox 9">
+            <a:extLst>
+              <a:ext uri="{FF2B5EF4-FFF2-40B4-BE49-F238E27FC236}">
+                <a16:creationId xmlns:a16="http://schemas.microsoft.com/office/drawing/2014/main" id="{7F82CABE-D19E-E5E0-38B8-20B353EBCB91}"/>
+              </a:ext>
+            </a:extLst>
+          </p:cNvPr>
+          <p:cNvSpPr txBox="1"/>
+          <p:nvPr/>
+        </p:nvSpPr>
+        <p:spPr>
+          <a:xfrm>
+            <a:off x="7086565" y="1397675"/>
+            <a:ext cx="4739673" cy="1754326"/>
+          </a:xfrm>
+          <a:prstGeom prst="rect">
+            <a:avLst/>
+          </a:prstGeom>
+          <a:noFill/>
+        </p:spPr>
+        <p:txBody>
+          <a:bodyPr wrap="square">
+            <a:spAutoFit/>
+          </a:bodyPr>
+          <a:lstStyle/>
+          <a:p>
+            <a:pPr>
+              <a:spcBef>
+                <a:spcPts val="0"/>
+              </a:spcBef>
+              <a:spcAft>
+                <a:spcPts val="0"/>
+              </a:spcAft>
+            </a:pPr>
+            <a:r>
+              <a:rPr lang="en-US" u="sng" dirty="0">
+                <a:solidFill>
+                  <a:srgbClr val="FF0000"/>
+                </a:solidFill>
+              </a:rPr>
+              <a:t>Suggestions for Future works:</a:t>
+            </a:r>
+          </a:p>
+          <a:p>
+            <a:pPr>
+              <a:spcBef>
+                <a:spcPts val="0"/>
+              </a:spcBef>
+              <a:spcAft>
+                <a:spcPts val="0"/>
+              </a:spcAft>
+            </a:pPr>
+            <a:r>
+              <a:rPr lang="en-US" dirty="0"/>
+              <a:t>1. City and Province data can be converted to another two data frames</a:t>
+            </a:r>
+          </a:p>
+          <a:p>
+            <a:pPr>
+              <a:spcBef>
+                <a:spcPts val="0"/>
+              </a:spcBef>
+              <a:spcAft>
+                <a:spcPts val="0"/>
+              </a:spcAft>
+            </a:pPr>
+            <a:r>
+              <a:rPr lang="en-US" dirty="0"/>
+              <a:t>2. Date/time stamp was dropped as only one single entity for used for the entire dataset </a:t>
+            </a:r>
           </a:p>
         </p:txBody>
       </p:sp>
@@ -5924,9 +8883,9 @@
 </file>
 
 <file path=ppt/theme/theme1.xml><?xml version="1.0" encoding="utf-8"?>
-<a:theme xmlns:a="http://schemas.openxmlformats.org/drawingml/2006/main" name="Office Theme">
+<a:theme xmlns:a="http://schemas.openxmlformats.org/drawingml/2006/main" name="Facet">
   <a:themeElements>
-    <a:clrScheme name="Office">
+    <a:clrScheme name="Facet">
       <a:dk1>
         <a:sysClr val="windowText" lastClr="000000"/>
       </a:dk1>
@@ -5934,52 +8893,52 @@
         <a:sysClr val="window" lastClr="FFFFFF"/>
       </a:lt1>
       <a:dk2>
-        <a:srgbClr val="44546A"/>
+        <a:srgbClr val="2C3C43"/>
       </a:dk2>
       <a:lt2>
-        <a:srgbClr val="E7E6E6"/>
+        <a:srgbClr val="EBEBEB"/>
       </a:lt2>
       <a:accent1>
-        <a:srgbClr val="4472C4"/>
+        <a:srgbClr val="90C226"/>
       </a:accent1>
       <a:accent2>
-        <a:srgbClr val="ED7D31"/>
+        <a:srgbClr val="54A021"/>
       </a:accent2>
       <a:accent3>
-        <a:srgbClr val="A5A5A5"/>
+        <a:srgbClr val="E6B91E"/>
       </a:accent3>
       <a:accent4>
-        <a:srgbClr val="FFC000"/>
+        <a:srgbClr val="E76618"/>
       </a:accent4>
       <a:accent5>
-        <a:srgbClr val="5B9BD5"/>
+        <a:srgbClr val="C42F1A"/>
       </a:accent5>
       <a:accent6>
-        <a:srgbClr val="70AD47"/>
+        <a:srgbClr val="918655"/>
       </a:accent6>
       <a:hlink>
-        <a:srgbClr val="0563C1"/>
+        <a:srgbClr val="99CA3C"/>
       </a:hlink>
       <a:folHlink>
-        <a:srgbClr val="954F72"/>
+        <a:srgbClr val="B9D181"/>
       </a:folHlink>
     </a:clrScheme>
-    <a:fontScheme name="Office">
+    <a:fontScheme name="Facet">
       <a:majorFont>
-        <a:latin typeface="Calibri Light" panose="020F0302020204030204"/>
+        <a:latin typeface="Trebuchet MS" panose="020B0603020202020204"/>
         <a:ea typeface=""/>
         <a:cs typeface=""/>
-        <a:font script="Jpan" typeface="游ゴシック Light"/>
+        <a:font script="Jpan" typeface="メイリオ"/>
         <a:font script="Hang" typeface="맑은 고딕"/>
-        <a:font script="Hans" typeface="等线 Light"/>
-        <a:font script="Hant" typeface="新細明體"/>
-        <a:font script="Arab" typeface="Times New Roman"/>
-        <a:font script="Hebr" typeface="Times New Roman"/>
-        <a:font script="Thai" typeface="Angsana New"/>
+        <a:font script="Hans" typeface="方正姚体"/>
+        <a:font script="Hant" typeface="微軟正黑體"/>
+        <a:font script="Arab" typeface="Tahoma"/>
+        <a:font script="Hebr" typeface="Arial"/>
+        <a:font script="Thai" typeface="Cordia New"/>
         <a:font script="Ethi" typeface="Nyala"/>
         <a:font script="Beng" typeface="Vrinda"/>
         <a:font script="Gujr" typeface="Shruti"/>
-        <a:font script="Khmr" typeface="MoolBoran"/>
+        <a:font script="Khmr" typeface="DaunPenh"/>
         <a:font script="Knda" typeface="Tunga"/>
         <a:font script="Guru" typeface="Raavi"/>
         <a:font script="Cans" typeface="Euphemia"/>
@@ -5996,38 +8955,21 @@
         <a:font script="Laoo" typeface="DokChampa"/>
         <a:font script="Sinh" typeface="Iskoola Pota"/>
         <a:font script="Mong" typeface="Mongolian Baiti"/>
-        <a:font script="Viet" typeface="Times New Roman"/>
+        <a:font script="Viet" typeface="Tahoma"/>
         <a:font script="Uigh" typeface="Microsoft Uighur"/>
         <a:font script="Geor" typeface="Sylfaen"/>
-        <a:font script="Armn" typeface="Arial"/>
-        <a:font script="Bugi" typeface="Leelawadee UI"/>
-        <a:font script="Bopo" typeface="Microsoft JhengHei"/>
-        <a:font script="Java" typeface="Javanese Text"/>
-        <a:font script="Lisu" typeface="Segoe UI"/>
-        <a:font script="Mymr" typeface="Myanmar Text"/>
-        <a:font script="Nkoo" typeface="Ebrima"/>
-        <a:font script="Olck" typeface="Nirmala UI"/>
-        <a:font script="Osma" typeface="Ebrima"/>
-        <a:font script="Phag" typeface="Phagspa"/>
-        <a:font script="Syrn" typeface="Estrangelo Edessa"/>
-        <a:font script="Syrj" typeface="Estrangelo Edessa"/>
-        <a:font script="Syre" typeface="Estrangelo Edessa"/>
-        <a:font script="Sora" typeface="Nirmala UI"/>
-        <a:font script="Tale" typeface="Microsoft Tai Le"/>
-        <a:font script="Talu" typeface="Microsoft New Tai Lue"/>
-        <a:font script="Tfng" typeface="Ebrima"/>
       </a:majorFont>
       <a:minorFont>
-        <a:latin typeface="Calibri" panose="020F0502020204030204"/>
+        <a:latin typeface="Trebuchet MS" panose="020B0603020202020204"/>
         <a:ea typeface=""/>
         <a:cs typeface=""/>
-        <a:font script="Jpan" typeface="游ゴシック"/>
-        <a:font script="Hang" typeface="맑은 고딕"/>
-        <a:font script="Hans" typeface="等线"/>
-        <a:font script="Hant" typeface="新細明體"/>
-        <a:font script="Arab" typeface="Arial"/>
-        <a:font script="Hebr" typeface="Arial"/>
-        <a:font script="Thai" typeface="Cordia New"/>
+        <a:font script="Jpan" typeface="メイリオ"/>
+        <a:font script="Hang" typeface="HY그래픽M"/>
+        <a:font script="Hans" typeface="华文新魏"/>
+        <a:font script="Hant" typeface="微軟正黑體"/>
+        <a:font script="Arab" typeface="Tahoma"/>
+        <a:font script="Hebr" typeface="Gisha"/>
+        <a:font script="Thai" typeface="IrisUPC"/>
         <a:font script="Ethi" typeface="Nyala"/>
         <a:font script="Beng" typeface="Vrinda"/>
         <a:font script="Gujr" typeface="Shruti"/>
@@ -6051,26 +8993,9 @@
         <a:font script="Viet" typeface="Arial"/>
         <a:font script="Uigh" typeface="Microsoft Uighur"/>
         <a:font script="Geor" typeface="Sylfaen"/>
-        <a:font script="Armn" typeface="Arial"/>
-        <a:font script="Bugi" typeface="Leelawadee UI"/>
-        <a:font script="Bopo" typeface="Microsoft JhengHei"/>
-        <a:font script="Java" typeface="Javanese Text"/>
-        <a:font script="Lisu" typeface="Segoe UI"/>
-        <a:font script="Mymr" typeface="Myanmar Text"/>
-        <a:font script="Nkoo" typeface="Ebrima"/>
-        <a:font script="Olck" typeface="Nirmala UI"/>
-        <a:font script="Osma" typeface="Ebrima"/>
-        <a:font script="Phag" typeface="Phagspa"/>
-        <a:font script="Syrn" typeface="Estrangelo Edessa"/>
-        <a:font script="Syrj" typeface="Estrangelo Edessa"/>
-        <a:font script="Syre" typeface="Estrangelo Edessa"/>
-        <a:font script="Sora" typeface="Nirmala UI"/>
-        <a:font script="Tale" typeface="Microsoft Tai Le"/>
-        <a:font script="Talu" typeface="Microsoft New Tai Lue"/>
-        <a:font script="Tfng" typeface="Ebrima"/>
       </a:minorFont>
     </a:fontScheme>
-    <a:fmtScheme name="Office">
+    <a:fmtScheme name="Facet">
       <a:fillStyleLst>
         <a:solidFill>
           <a:schemeClr val="phClr"/>
@@ -6079,23 +9004,13 @@
           <a:gsLst>
             <a:gs pos="0">
               <a:schemeClr val="phClr">
+                <a:tint val="65000"/>
                 <a:lumMod val="110000"/>
-                <a:satMod val="105000"/>
-                <a:tint val="67000"/>
               </a:schemeClr>
             </a:gs>
-            <a:gs pos="50000">
+            <a:gs pos="88000">
               <a:schemeClr val="phClr">
-                <a:lumMod val="105000"/>
-                <a:satMod val="103000"/>
-                <a:tint val="73000"/>
-              </a:schemeClr>
-            </a:gs>
-            <a:gs pos="100000">
-              <a:schemeClr val="phClr">
-                <a:lumMod val="105000"/>
-                <a:satMod val="109000"/>
-                <a:tint val="81000"/>
+                <a:tint val="90000"/>
               </a:schemeClr>
             </a:gs>
           </a:gsLst>
@@ -6105,23 +9020,14 @@
           <a:gsLst>
             <a:gs pos="0">
               <a:schemeClr val="phClr">
-                <a:satMod val="103000"/>
-                <a:lumMod val="102000"/>
-                <a:tint val="94000"/>
+                <a:tint val="96000"/>
+                <a:lumMod val="100000"/>
               </a:schemeClr>
             </a:gs>
-            <a:gs pos="50000">
+            <a:gs pos="78000">
               <a:schemeClr val="phClr">
-                <a:satMod val="110000"/>
-                <a:lumMod val="100000"/>
-                <a:shade val="100000"/>
-              </a:schemeClr>
-            </a:gs>
-            <a:gs pos="100000">
-              <a:schemeClr val="phClr">
-                <a:lumMod val="99000"/>
-                <a:satMod val="120000"/>
-                <a:shade val="78000"/>
+                <a:shade val="94000"/>
+                <a:lumMod val="94000"/>
               </a:schemeClr>
             </a:gs>
           </a:gsLst>
@@ -6129,26 +9035,23 @@
         </a:gradFill>
       </a:fillStyleLst>
       <a:lnStyleLst>
-        <a:ln w="6350" cap="flat" cmpd="sng" algn="ctr">
+        <a:ln w="12700" cap="rnd" cmpd="sng" algn="ctr">
           <a:solidFill>
             <a:schemeClr val="phClr"/>
           </a:solidFill>
           <a:prstDash val="solid"/>
-          <a:miter lim="800000"/>
         </a:ln>
-        <a:ln w="12700" cap="flat" cmpd="sng" algn="ctr">
+        <a:ln w="19050" cap="rnd" cmpd="sng" algn="ctr">
           <a:solidFill>
             <a:schemeClr val="phClr"/>
           </a:solidFill>
           <a:prstDash val="solid"/>
-          <a:miter lim="800000"/>
         </a:ln>
-        <a:ln w="19050" cap="flat" cmpd="sng" algn="ctr">
+        <a:ln w="25400" cap="rnd" cmpd="sng" algn="ctr">
           <a:solidFill>
             <a:schemeClr val="phClr"/>
           </a:solidFill>
           <a:prstDash val="solid"/>
-          <a:miter lim="800000"/>
         </a:ln>
       </a:lnStyleLst>
       <a:effectStyleLst>
@@ -6156,54 +9059,72 @@
           <a:effectLst/>
         </a:effectStyle>
         <a:effectStyle>
-          <a:effectLst/>
+          <a:effectLst>
+            <a:outerShdw blurRad="38100" dist="25400" dir="5400000" rotWithShape="0">
+              <a:srgbClr val="000000">
+                <a:alpha val="35000"/>
+              </a:srgbClr>
+            </a:outerShdw>
+          </a:effectLst>
         </a:effectStyle>
         <a:effectStyle>
           <a:effectLst>
-            <a:outerShdw blurRad="57150" dist="19050" dir="5400000" algn="ctr" rotWithShape="0">
+            <a:outerShdw blurRad="50800" dist="38100" dir="5400000" rotWithShape="0">
               <a:srgbClr val="000000">
-                <a:alpha val="63000"/>
+                <a:alpha val="35000"/>
               </a:srgbClr>
             </a:outerShdw>
           </a:effectLst>
+          <a:scene3d>
+            <a:camera prst="orthographicFront">
+              <a:rot lat="0" lon="0" rev="0"/>
+            </a:camera>
+            <a:lightRig rig="threePt" dir="tl"/>
+          </a:scene3d>
+          <a:sp3d prstMaterial="plastic">
+            <a:bevelT w="0" h="0"/>
+          </a:sp3d>
         </a:effectStyle>
       </a:effectStyleLst>
       <a:bgFillStyleLst>
         <a:solidFill>
           <a:schemeClr val="phClr"/>
         </a:solidFill>
-        <a:solidFill>
-          <a:schemeClr val="phClr">
-            <a:tint val="95000"/>
-            <a:satMod val="170000"/>
-          </a:schemeClr>
-        </a:solidFill>
         <a:gradFill rotWithShape="1">
           <a:gsLst>
             <a:gs pos="0">
               <a:schemeClr val="phClr">
-                <a:tint val="93000"/>
-                <a:satMod val="150000"/>
-                <a:shade val="98000"/>
-                <a:lumMod val="102000"/>
+                <a:tint val="90000"/>
+                <a:lumMod val="104000"/>
               </a:schemeClr>
             </a:gs>
-            <a:gs pos="50000">
+            <a:gs pos="94000">
               <a:schemeClr val="phClr">
-                <a:tint val="98000"/>
-                <a:satMod val="130000"/>
-                <a:shade val="90000"/>
-                <a:lumMod val="103000"/>
+                <a:shade val="96000"/>
+                <a:lumMod val="82000"/>
+              </a:schemeClr>
+            </a:gs>
+          </a:gsLst>
+          <a:lin ang="5400000" scaled="0"/>
+        </a:gradFill>
+        <a:gradFill rotWithShape="1">
+          <a:gsLst>
+            <a:gs pos="0">
+              <a:schemeClr val="phClr">
+                <a:tint val="90000"/>
+                <a:lumMod val="110000"/>
               </a:schemeClr>
             </a:gs>
             <a:gs pos="100000">
               <a:schemeClr val="phClr">
-                <a:shade val="63000"/>
-                <a:satMod val="120000"/>
+                <a:shade val="94000"/>
+                <a:lumMod val="96000"/>
               </a:schemeClr>
             </a:gs>
           </a:gsLst>
-          <a:lin ang="5400000" scaled="0"/>
+          <a:path path="circle">
+            <a:fillToRect l="50000" t="50000" r="100000" b="100000"/>
+          </a:path>
         </a:gradFill>
       </a:bgFillStyleLst>
     </a:fmtScheme>
@@ -6212,7 +9133,7 @@
   <a:extraClrSchemeLst/>
   <a:extLst>
     <a:ext uri="{05A4C25C-085E-4340-85A3-A5531E510DB2}">
-      <thm15:themeFamily xmlns:thm15="http://schemas.microsoft.com/office/thememl/2012/main" name="Office Theme" id="{62F939B6-93AF-4DB8-9C6B-D6C7DFDC589F}" vid="{4A3C46E8-61CC-4603-A589-7422A47A8E4A}"/>
+      <thm15:themeFamily xmlns:thm15="http://schemas.microsoft.com/office/thememl/2012/main" name="Facet" id="{C0C680CD-088A-49FC-A102-D699147F32B2}" vid="{CFBC31BA-B70F-4F30-BCAA-4F3011E16C4D}"/>
     </a:ext>
   </a:extLst>
 </a:theme>
